--- a/PCP2017_Presentation_Template.pptx
+++ b/PCP2017_Presentation_Template.pptx
@@ -114,6 +114,11 @@
       </a:defRPr>
     </a:lvl9pPr>
   </p:defaultTextStyle>
+  <p:extLst>
+    <p:ext uri="{EFAFB233-063F-42B5-8137-9DF3F51BA10A}">
+      <p15:sldGuideLst xmlns:p15="http://schemas.microsoft.com/office/powerpoint/2012/main"/>
+    </p:ext>
+  </p:extLst>
 </p:presentation>
 </file>
 
@@ -174,7 +179,7 @@
           <a:noFill/>
           <a:extLst>
             <a:ext uri="{909E8E84-426E-40dd-AFC4-6F175D3DCCD1}">
-              <a14:hiddenFill xmlns:a14="http://schemas.microsoft.com/office/drawing/2010/main" xmlns="">
+              <a14:hiddenFill xmlns="" xmlns:a14="http://schemas.microsoft.com/office/drawing/2010/main">
                 <a:solidFill>
                   <a:srgbClr val="FFFFFF"/>
                 </a:solidFill>
@@ -233,7 +238,7 @@
             </a:ln>
             <a:extLst>
               <a:ext uri="{91240B29-F687-4f45-9708-019B960494DF}">
-                <a14:hiddenLine xmlns:a14="http://schemas.microsoft.com/office/drawing/2010/main" xmlns="" w="9525">
+                <a14:hiddenLine xmlns="" xmlns:a14="http://schemas.microsoft.com/office/drawing/2010/main" w="9525">
                   <a:solidFill>
                     <a:srgbClr val="000000"/>
                   </a:solidFill>
@@ -323,7 +328,7 @@
             </a:ln>
             <a:extLst>
               <a:ext uri="{91240B29-F687-4f45-9708-019B960494DF}">
-                <a14:hiddenLine xmlns:a14="http://schemas.microsoft.com/office/drawing/2010/main" xmlns="" w="9525">
+                <a14:hiddenLine xmlns="" xmlns:a14="http://schemas.microsoft.com/office/drawing/2010/main" w="9525">
                   <a:solidFill>
                     <a:srgbClr val="000000"/>
                   </a:solidFill>
@@ -413,7 +418,7 @@
             </a:ln>
             <a:extLst>
               <a:ext uri="{91240B29-F687-4f45-9708-019B960494DF}">
-                <a14:hiddenLine xmlns:a14="http://schemas.microsoft.com/office/drawing/2010/main" xmlns="" w="9525">
+                <a14:hiddenLine xmlns="" xmlns:a14="http://schemas.microsoft.com/office/drawing/2010/main" w="9525">
                   <a:solidFill>
                     <a:srgbClr val="000000"/>
                   </a:solidFill>
@@ -447,7 +452,7 @@
             </a:ln>
             <a:extLst>
               <a:ext uri="{91240B29-F687-4f45-9708-019B960494DF}">
-                <a14:hiddenLine xmlns:a14="http://schemas.microsoft.com/office/drawing/2010/main" xmlns="" w="9525">
+                <a14:hiddenLine xmlns="" xmlns:a14="http://schemas.microsoft.com/office/drawing/2010/main" w="9525">
                   <a:solidFill>
                     <a:srgbClr val="000000"/>
                   </a:solidFill>
@@ -537,7 +542,7 @@
             </a:ln>
             <a:extLst>
               <a:ext uri="{91240B29-F687-4f45-9708-019B960494DF}">
-                <a14:hiddenLine xmlns:a14="http://schemas.microsoft.com/office/drawing/2010/main" xmlns="" w="9525">
+                <a14:hiddenLine xmlns="" xmlns:a14="http://schemas.microsoft.com/office/drawing/2010/main" w="9525">
                   <a:solidFill>
                     <a:srgbClr val="000000"/>
                   </a:solidFill>
@@ -599,7 +604,7 @@
             </a:ln>
             <a:extLst>
               <a:ext uri="{91240B29-F687-4f45-9708-019B960494DF}">
-                <a14:hiddenLine xmlns:a14="http://schemas.microsoft.com/office/drawing/2010/main" xmlns="" w="9525">
+                <a14:hiddenLine xmlns="" xmlns:a14="http://schemas.microsoft.com/office/drawing/2010/main" w="9525">
                   <a:solidFill>
                     <a:srgbClr val="000000"/>
                   </a:solidFill>
@@ -661,7 +666,7 @@
             </a:ln>
             <a:extLst>
               <a:ext uri="{91240B29-F687-4f45-9708-019B960494DF}">
-                <a14:hiddenLine xmlns:a14="http://schemas.microsoft.com/office/drawing/2010/main" xmlns="" w="9525">
+                <a14:hiddenLine xmlns="" xmlns:a14="http://schemas.microsoft.com/office/drawing/2010/main" w="9525">
                   <a:solidFill>
                     <a:srgbClr val="000000"/>
                   </a:solidFill>
@@ -751,7 +756,7 @@
             </a:ln>
             <a:extLst>
               <a:ext uri="{91240B29-F687-4f45-9708-019B960494DF}">
-                <a14:hiddenLine xmlns:a14="http://schemas.microsoft.com/office/drawing/2010/main" xmlns="" w="9525">
+                <a14:hiddenLine xmlns="" xmlns:a14="http://schemas.microsoft.com/office/drawing/2010/main" w="9525">
                   <a:solidFill>
                     <a:srgbClr val="000000"/>
                   </a:solidFill>
@@ -813,7 +818,7 @@
             </a:ln>
             <a:extLst>
               <a:ext uri="{91240B29-F687-4f45-9708-019B960494DF}">
-                <a14:hiddenLine xmlns:a14="http://schemas.microsoft.com/office/drawing/2010/main" xmlns="" w="9525">
+                <a14:hiddenLine xmlns="" xmlns:a14="http://schemas.microsoft.com/office/drawing/2010/main" w="9525">
                   <a:solidFill>
                     <a:srgbClr val="000000"/>
                   </a:solidFill>
@@ -875,7 +880,7 @@
             </a:ln>
             <a:extLst>
               <a:ext uri="{91240B29-F687-4f45-9708-019B960494DF}">
-                <a14:hiddenLine xmlns:a14="http://schemas.microsoft.com/office/drawing/2010/main" xmlns="" w="9525">
+                <a14:hiddenLine xmlns="" xmlns:a14="http://schemas.microsoft.com/office/drawing/2010/main" w="9525">
                   <a:solidFill>
                     <a:srgbClr val="000000"/>
                   </a:solidFill>
@@ -965,7 +970,7 @@
             </a:ln>
             <a:extLst>
               <a:ext uri="{91240B29-F687-4f45-9708-019B960494DF}">
-                <a14:hiddenLine xmlns:a14="http://schemas.microsoft.com/office/drawing/2010/main" xmlns="" w="9525">
+                <a14:hiddenLine xmlns="" xmlns:a14="http://schemas.microsoft.com/office/drawing/2010/main" w="9525">
                   <a:solidFill>
                     <a:srgbClr val="000000"/>
                   </a:solidFill>
@@ -1055,7 +1060,7 @@
             </a:ln>
             <a:extLst>
               <a:ext uri="{91240B29-F687-4f45-9708-019B960494DF}">
-                <a14:hiddenLine xmlns:a14="http://schemas.microsoft.com/office/drawing/2010/main" xmlns="" w="9525">
+                <a14:hiddenLine xmlns="" xmlns:a14="http://schemas.microsoft.com/office/drawing/2010/main" w="9525">
                   <a:solidFill>
                     <a:srgbClr val="000000"/>
                   </a:solidFill>
@@ -1117,7 +1122,7 @@
             </a:ln>
             <a:extLst>
               <a:ext uri="{91240B29-F687-4f45-9708-019B960494DF}">
-                <a14:hiddenLine xmlns:a14="http://schemas.microsoft.com/office/drawing/2010/main" xmlns="" w="9525">
+                <a14:hiddenLine xmlns="" xmlns:a14="http://schemas.microsoft.com/office/drawing/2010/main" w="9525">
                   <a:solidFill>
                     <a:srgbClr val="000000"/>
                   </a:solidFill>
@@ -1227,7 +1232,7 @@
             </a:ln>
             <a:extLst>
               <a:ext uri="{91240B29-F687-4f45-9708-019B960494DF}">
-                <a14:hiddenLine xmlns:a14="http://schemas.microsoft.com/office/drawing/2010/main" xmlns="" w="9525">
+                <a14:hiddenLine xmlns="" xmlns:a14="http://schemas.microsoft.com/office/drawing/2010/main" w="9525">
                   <a:solidFill>
                     <a:srgbClr val="000000"/>
                   </a:solidFill>
@@ -1289,7 +1294,7 @@
             </a:ln>
             <a:extLst>
               <a:ext uri="{91240B29-F687-4f45-9708-019B960494DF}">
-                <a14:hiddenLine xmlns:a14="http://schemas.microsoft.com/office/drawing/2010/main" xmlns="" w="9525">
+                <a14:hiddenLine xmlns="" xmlns:a14="http://schemas.microsoft.com/office/drawing/2010/main" w="9525">
                   <a:solidFill>
                     <a:srgbClr val="000000"/>
                   </a:solidFill>
@@ -1379,7 +1384,7 @@
             </a:ln>
             <a:extLst>
               <a:ext uri="{91240B29-F687-4f45-9708-019B960494DF}">
-                <a14:hiddenLine xmlns:a14="http://schemas.microsoft.com/office/drawing/2010/main" xmlns="" w="9525">
+                <a14:hiddenLine xmlns="" xmlns:a14="http://schemas.microsoft.com/office/drawing/2010/main" w="9525">
                   <a:solidFill>
                     <a:srgbClr val="000000"/>
                   </a:solidFill>
@@ -1469,7 +1474,7 @@
             </a:ln>
             <a:extLst>
               <a:ext uri="{91240B29-F687-4f45-9708-019B960494DF}">
-                <a14:hiddenLine xmlns:a14="http://schemas.microsoft.com/office/drawing/2010/main" xmlns="" w="9525">
+                <a14:hiddenLine xmlns="" xmlns:a14="http://schemas.microsoft.com/office/drawing/2010/main" w="9525">
                   <a:solidFill>
                     <a:srgbClr val="000000"/>
                   </a:solidFill>
@@ -1531,7 +1536,7 @@
             </a:ln>
             <a:extLst>
               <a:ext uri="{91240B29-F687-4f45-9708-019B960494DF}">
-                <a14:hiddenLine xmlns:a14="http://schemas.microsoft.com/office/drawing/2010/main" xmlns="" w="9525">
+                <a14:hiddenLine xmlns="" xmlns:a14="http://schemas.microsoft.com/office/drawing/2010/main" w="9525">
                   <a:solidFill>
                     <a:srgbClr val="000000"/>
                   </a:solidFill>
@@ -1621,7 +1626,7 @@
             </a:ln>
             <a:extLst>
               <a:ext uri="{91240B29-F687-4f45-9708-019B960494DF}">
-                <a14:hiddenLine xmlns:a14="http://schemas.microsoft.com/office/drawing/2010/main" xmlns="" w="9525">
+                <a14:hiddenLine xmlns="" xmlns:a14="http://schemas.microsoft.com/office/drawing/2010/main" w="9525">
                   <a:solidFill>
                     <a:srgbClr val="000000"/>
                   </a:solidFill>
@@ -1711,7 +1716,7 @@
             </a:ln>
             <a:extLst>
               <a:ext uri="{91240B29-F687-4f45-9708-019B960494DF}">
-                <a14:hiddenLine xmlns:a14="http://schemas.microsoft.com/office/drawing/2010/main" xmlns="" w="9525">
+                <a14:hiddenLine xmlns="" xmlns:a14="http://schemas.microsoft.com/office/drawing/2010/main" w="9525">
                   <a:solidFill>
                     <a:srgbClr val="000000"/>
                   </a:solidFill>
@@ -1767,7 +1772,7 @@
             </a:ln>
             <a:extLst>
               <a:ext uri="{91240B29-F687-4f45-9708-019B960494DF}">
-                <a14:hiddenLine xmlns:a14="http://schemas.microsoft.com/office/drawing/2010/main" xmlns="" w="9525">
+                <a14:hiddenLine xmlns="" xmlns:a14="http://schemas.microsoft.com/office/drawing/2010/main" w="9525">
                   <a:solidFill>
                     <a:srgbClr val="000000"/>
                   </a:solidFill>
@@ -1857,7 +1862,7 @@
             </a:ln>
             <a:extLst>
               <a:ext uri="{91240B29-F687-4f45-9708-019B960494DF}">
-                <a14:hiddenLine xmlns:a14="http://schemas.microsoft.com/office/drawing/2010/main" xmlns="" w="9525">
+                <a14:hiddenLine xmlns="" xmlns:a14="http://schemas.microsoft.com/office/drawing/2010/main" w="9525">
                   <a:solidFill>
                     <a:srgbClr val="000000"/>
                   </a:solidFill>
@@ -1913,7 +1918,7 @@
             </a:ln>
             <a:extLst>
               <a:ext uri="{91240B29-F687-4f45-9708-019B960494DF}">
-                <a14:hiddenLine xmlns:a14="http://schemas.microsoft.com/office/drawing/2010/main" xmlns="" w="9525">
+                <a14:hiddenLine xmlns="" xmlns:a14="http://schemas.microsoft.com/office/drawing/2010/main" w="9525">
                   <a:solidFill>
                     <a:srgbClr val="000000"/>
                   </a:solidFill>
@@ -2003,7 +2008,7 @@
             </a:ln>
             <a:extLst>
               <a:ext uri="{91240B29-F687-4f45-9708-019B960494DF}">
-                <a14:hiddenLine xmlns:a14="http://schemas.microsoft.com/office/drawing/2010/main" xmlns="" w="9525">
+                <a14:hiddenLine xmlns="" xmlns:a14="http://schemas.microsoft.com/office/drawing/2010/main" w="9525">
                   <a:solidFill>
                     <a:srgbClr val="000000"/>
                   </a:solidFill>
@@ -2071,7 +2076,7 @@
             </a:ln>
             <a:extLst>
               <a:ext uri="{91240B29-F687-4f45-9708-019B960494DF}">
-                <a14:hiddenLine xmlns:a14="http://schemas.microsoft.com/office/drawing/2010/main" xmlns="" w="9525">
+                <a14:hiddenLine xmlns="" xmlns:a14="http://schemas.microsoft.com/office/drawing/2010/main" w="9525">
                   <a:solidFill>
                     <a:srgbClr val="000000"/>
                   </a:solidFill>
@@ -2161,7 +2166,7 @@
             </a:ln>
             <a:extLst>
               <a:ext uri="{91240B29-F687-4f45-9708-019B960494DF}">
-                <a14:hiddenLine xmlns:a14="http://schemas.microsoft.com/office/drawing/2010/main" xmlns="" w="9525">
+                <a14:hiddenLine xmlns="" xmlns:a14="http://schemas.microsoft.com/office/drawing/2010/main" w="9525">
                   <a:solidFill>
                     <a:srgbClr val="000000"/>
                   </a:solidFill>
@@ -2229,7 +2234,7 @@
             </a:ln>
             <a:extLst>
               <a:ext uri="{91240B29-F687-4f45-9708-019B960494DF}">
-                <a14:hiddenLine xmlns:a14="http://schemas.microsoft.com/office/drawing/2010/main" xmlns="" w="9525">
+                <a14:hiddenLine xmlns="" xmlns:a14="http://schemas.microsoft.com/office/drawing/2010/main" w="9525">
                   <a:solidFill>
                     <a:srgbClr val="000000"/>
                   </a:solidFill>
@@ -2319,7 +2324,7 @@
             </a:ln>
             <a:extLst>
               <a:ext uri="{91240B29-F687-4f45-9708-019B960494DF}">
-                <a14:hiddenLine xmlns:a14="http://schemas.microsoft.com/office/drawing/2010/main" xmlns="" w="9525">
+                <a14:hiddenLine xmlns="" xmlns:a14="http://schemas.microsoft.com/office/drawing/2010/main" w="9525">
                   <a:solidFill>
                     <a:srgbClr val="000000"/>
                   </a:solidFill>
@@ -2353,7 +2358,7 @@
             </a:ln>
             <a:extLst>
               <a:ext uri="{91240B29-F687-4f45-9708-019B960494DF}">
-                <a14:hiddenLine xmlns:a14="http://schemas.microsoft.com/office/drawing/2010/main" xmlns="" w="9525">
+                <a14:hiddenLine xmlns="" xmlns:a14="http://schemas.microsoft.com/office/drawing/2010/main" w="9525">
                   <a:solidFill>
                     <a:srgbClr val="000000"/>
                   </a:solidFill>
@@ -2443,7 +2448,7 @@
             </a:ln>
             <a:extLst>
               <a:ext uri="{91240B29-F687-4f45-9708-019B960494DF}">
-                <a14:hiddenLine xmlns:a14="http://schemas.microsoft.com/office/drawing/2010/main" xmlns="" w="9525">
+                <a14:hiddenLine xmlns="" xmlns:a14="http://schemas.microsoft.com/office/drawing/2010/main" w="9525">
                   <a:solidFill>
                     <a:srgbClr val="000000"/>
                   </a:solidFill>
@@ -2505,7 +2510,7 @@
             </a:ln>
             <a:extLst>
               <a:ext uri="{91240B29-F687-4f45-9708-019B960494DF}">
-                <a14:hiddenLine xmlns:a14="http://schemas.microsoft.com/office/drawing/2010/main" xmlns="" w="9525">
+                <a14:hiddenLine xmlns="" xmlns:a14="http://schemas.microsoft.com/office/drawing/2010/main" w="9525">
                   <a:solidFill>
                     <a:srgbClr val="000000"/>
                   </a:solidFill>
@@ -2567,7 +2572,7 @@
             </a:ln>
             <a:extLst>
               <a:ext uri="{91240B29-F687-4f45-9708-019B960494DF}">
-                <a14:hiddenLine xmlns:a14="http://schemas.microsoft.com/office/drawing/2010/main" xmlns="" w="9525">
+                <a14:hiddenLine xmlns="" xmlns:a14="http://schemas.microsoft.com/office/drawing/2010/main" w="9525">
                   <a:solidFill>
                     <a:srgbClr val="000000"/>
                   </a:solidFill>
@@ -2657,7 +2662,7 @@
             </a:ln>
             <a:extLst>
               <a:ext uri="{91240B29-F687-4f45-9708-019B960494DF}">
-                <a14:hiddenLine xmlns:a14="http://schemas.microsoft.com/office/drawing/2010/main" xmlns="" w="9525">
+                <a14:hiddenLine xmlns="" xmlns:a14="http://schemas.microsoft.com/office/drawing/2010/main" w="9525">
                   <a:solidFill>
                     <a:srgbClr val="000000"/>
                   </a:solidFill>
@@ -2725,7 +2730,7 @@
             </a:ln>
             <a:extLst>
               <a:ext uri="{91240B29-F687-4f45-9708-019B960494DF}">
-                <a14:hiddenLine xmlns:a14="http://schemas.microsoft.com/office/drawing/2010/main" xmlns="" w="9525">
+                <a14:hiddenLine xmlns="" xmlns:a14="http://schemas.microsoft.com/office/drawing/2010/main" w="9525">
                   <a:solidFill>
                     <a:srgbClr val="000000"/>
                   </a:solidFill>
@@ -2787,7 +2792,7 @@
             </a:ln>
             <a:extLst>
               <a:ext uri="{91240B29-F687-4f45-9708-019B960494DF}">
-                <a14:hiddenLine xmlns:a14="http://schemas.microsoft.com/office/drawing/2010/main" xmlns="" w="9525">
+                <a14:hiddenLine xmlns="" xmlns:a14="http://schemas.microsoft.com/office/drawing/2010/main" w="9525">
                   <a:solidFill>
                     <a:srgbClr val="000000"/>
                   </a:solidFill>
@@ -2877,7 +2882,7 @@
             </a:ln>
             <a:extLst>
               <a:ext uri="{91240B29-F687-4f45-9708-019B960494DF}">
-                <a14:hiddenLine xmlns:a14="http://schemas.microsoft.com/office/drawing/2010/main" xmlns="" w="9525">
+                <a14:hiddenLine xmlns="" xmlns:a14="http://schemas.microsoft.com/office/drawing/2010/main" w="9525">
                   <a:solidFill>
                     <a:srgbClr val="000000"/>
                   </a:solidFill>
@@ -2939,7 +2944,7 @@
             </a:ln>
             <a:extLst>
               <a:ext uri="{91240B29-F687-4f45-9708-019B960494DF}">
-                <a14:hiddenLine xmlns:a14="http://schemas.microsoft.com/office/drawing/2010/main" xmlns="" w="9525">
+                <a14:hiddenLine xmlns="" xmlns:a14="http://schemas.microsoft.com/office/drawing/2010/main" w="9525">
                   <a:solidFill>
                     <a:srgbClr val="000000"/>
                   </a:solidFill>
@@ -3029,7 +3034,7 @@
             </a:ln>
             <a:extLst>
               <a:ext uri="{91240B29-F687-4f45-9708-019B960494DF}">
-                <a14:hiddenLine xmlns:a14="http://schemas.microsoft.com/office/drawing/2010/main" xmlns="" w="9525">
+                <a14:hiddenLine xmlns="" xmlns:a14="http://schemas.microsoft.com/office/drawing/2010/main" w="9525">
                   <a:solidFill>
                     <a:srgbClr val="000000"/>
                   </a:solidFill>
@@ -3091,7 +3096,7 @@
             </a:ln>
             <a:extLst>
               <a:ext uri="{91240B29-F687-4f45-9708-019B960494DF}">
-                <a14:hiddenLine xmlns:a14="http://schemas.microsoft.com/office/drawing/2010/main" xmlns="" w="9525">
+                <a14:hiddenLine xmlns="" xmlns:a14="http://schemas.microsoft.com/office/drawing/2010/main" w="9525">
                   <a:solidFill>
                     <a:srgbClr val="000000"/>
                   </a:solidFill>
@@ -3181,7 +3186,7 @@
             </a:ln>
             <a:extLst>
               <a:ext uri="{91240B29-F687-4f45-9708-019B960494DF}">
-                <a14:hiddenLine xmlns:a14="http://schemas.microsoft.com/office/drawing/2010/main" xmlns="" w="9525">
+                <a14:hiddenLine xmlns="" xmlns:a14="http://schemas.microsoft.com/office/drawing/2010/main" w="9525">
                   <a:solidFill>
                     <a:srgbClr val="000000"/>
                   </a:solidFill>
@@ -3215,7 +3220,7 @@
             </a:ln>
             <a:extLst>
               <a:ext uri="{91240B29-F687-4f45-9708-019B960494DF}">
-                <a14:hiddenLine xmlns:a14="http://schemas.microsoft.com/office/drawing/2010/main" xmlns="" w="9525">
+                <a14:hiddenLine xmlns="" xmlns:a14="http://schemas.microsoft.com/office/drawing/2010/main" w="9525">
                   <a:solidFill>
                     <a:srgbClr val="000000"/>
                   </a:solidFill>
@@ -3280,7 +3285,7 @@
             </a:ln>
             <a:extLst>
               <a:ext uri="{91240B29-F687-4f45-9708-019B960494DF}">
-                <a14:hiddenLine xmlns:a14="http://schemas.microsoft.com/office/drawing/2010/main" xmlns="" w="9525">
+                <a14:hiddenLine xmlns="" xmlns:a14="http://schemas.microsoft.com/office/drawing/2010/main" w="9525">
                   <a:solidFill>
                     <a:srgbClr val="000000"/>
                   </a:solidFill>
@@ -3370,7 +3375,7 @@
             </a:ln>
             <a:extLst>
               <a:ext uri="{91240B29-F687-4f45-9708-019B960494DF}">
-                <a14:hiddenLine xmlns:a14="http://schemas.microsoft.com/office/drawing/2010/main" xmlns="" w="9525">
+                <a14:hiddenLine xmlns="" xmlns:a14="http://schemas.microsoft.com/office/drawing/2010/main" w="9525">
                   <a:solidFill>
                     <a:srgbClr val="000000"/>
                   </a:solidFill>
@@ -3432,7 +3437,7 @@
             </a:ln>
             <a:extLst>
               <a:ext uri="{91240B29-F687-4f45-9708-019B960494DF}">
-                <a14:hiddenLine xmlns:a14="http://schemas.microsoft.com/office/drawing/2010/main" xmlns="" w="9525">
+                <a14:hiddenLine xmlns="" xmlns:a14="http://schemas.microsoft.com/office/drawing/2010/main" w="9525">
                   <a:solidFill>
                     <a:srgbClr val="000000"/>
                   </a:solidFill>
@@ -3522,7 +3527,7 @@
             </a:ln>
             <a:extLst>
               <a:ext uri="{91240B29-F687-4f45-9708-019B960494DF}">
-                <a14:hiddenLine xmlns:a14="http://schemas.microsoft.com/office/drawing/2010/main" xmlns="" w="9525">
+                <a14:hiddenLine xmlns="" xmlns:a14="http://schemas.microsoft.com/office/drawing/2010/main" w="9525">
                   <a:solidFill>
                     <a:srgbClr val="000000"/>
                   </a:solidFill>
@@ -3612,7 +3617,7 @@
             </a:ln>
             <a:extLst>
               <a:ext uri="{91240B29-F687-4f45-9708-019B960494DF}">
-                <a14:hiddenLine xmlns:a14="http://schemas.microsoft.com/office/drawing/2010/main" xmlns="" w="9525">
+                <a14:hiddenLine xmlns="" xmlns:a14="http://schemas.microsoft.com/office/drawing/2010/main" w="9525">
                   <a:solidFill>
                     <a:srgbClr val="000000"/>
                   </a:solidFill>
@@ -3677,7 +3682,7 @@
             </a:ln>
             <a:extLst>
               <a:ext uri="{91240B29-F687-4f45-9708-019B960494DF}">
-                <a14:hiddenLine xmlns:a14="http://schemas.microsoft.com/office/drawing/2010/main" xmlns="" w="9525">
+                <a14:hiddenLine xmlns="" xmlns:a14="http://schemas.microsoft.com/office/drawing/2010/main" w="9525">
                   <a:solidFill>
                     <a:srgbClr val="000000"/>
                   </a:solidFill>
@@ -3739,7 +3744,7 @@
             </a:ln>
             <a:extLst>
               <a:ext uri="{91240B29-F687-4f45-9708-019B960494DF}">
-                <a14:hiddenLine xmlns:a14="http://schemas.microsoft.com/office/drawing/2010/main" xmlns="" w="9525">
+                <a14:hiddenLine xmlns="" xmlns:a14="http://schemas.microsoft.com/office/drawing/2010/main" w="9525">
                   <a:solidFill>
                     <a:srgbClr val="000000"/>
                   </a:solidFill>
@@ -3829,7 +3834,7 @@
             </a:ln>
             <a:extLst>
               <a:ext uri="{91240B29-F687-4f45-9708-019B960494DF}">
-                <a14:hiddenLine xmlns:a14="http://schemas.microsoft.com/office/drawing/2010/main" xmlns="" w="9525">
+                <a14:hiddenLine xmlns="" xmlns:a14="http://schemas.microsoft.com/office/drawing/2010/main" w="9525">
                   <a:solidFill>
                     <a:srgbClr val="000000"/>
                   </a:solidFill>
@@ -3919,7 +3924,7 @@
             </a:ln>
             <a:extLst>
               <a:ext uri="{91240B29-F687-4f45-9708-019B960494DF}">
-                <a14:hiddenLine xmlns:a14="http://schemas.microsoft.com/office/drawing/2010/main" xmlns="" w="9525">
+                <a14:hiddenLine xmlns="" xmlns:a14="http://schemas.microsoft.com/office/drawing/2010/main" w="9525">
                   <a:solidFill>
                     <a:srgbClr val="000000"/>
                   </a:solidFill>
@@ -3981,7 +3986,7 @@
             </a:ln>
             <a:extLst>
               <a:ext uri="{91240B29-F687-4f45-9708-019B960494DF}">
-                <a14:hiddenLine xmlns:a14="http://schemas.microsoft.com/office/drawing/2010/main" xmlns="" w="9525">
+                <a14:hiddenLine xmlns="" xmlns:a14="http://schemas.microsoft.com/office/drawing/2010/main" w="9525">
                   <a:solidFill>
                     <a:srgbClr val="000000"/>
                   </a:solidFill>
@@ -4101,7 +4106,7 @@
             </a:ln>
             <a:extLst>
               <a:ext uri="{91240B29-F687-4f45-9708-019B960494DF}">
-                <a14:hiddenLine xmlns:a14="http://schemas.microsoft.com/office/drawing/2010/main" xmlns="" w="9525">
+                <a14:hiddenLine xmlns="" xmlns:a14="http://schemas.microsoft.com/office/drawing/2010/main" w="9525">
                   <a:solidFill>
                     <a:srgbClr val="000000"/>
                   </a:solidFill>
@@ -4169,7 +4174,7 @@
             </a:ln>
             <a:extLst>
               <a:ext uri="{91240B29-F687-4f45-9708-019B960494DF}">
-                <a14:hiddenLine xmlns:a14="http://schemas.microsoft.com/office/drawing/2010/main" xmlns="" w="9525">
+                <a14:hiddenLine xmlns="" xmlns:a14="http://schemas.microsoft.com/office/drawing/2010/main" w="9525">
                   <a:solidFill>
                     <a:srgbClr val="000000"/>
                   </a:solidFill>
@@ -4259,7 +4264,7 @@
             </a:ln>
             <a:extLst>
               <a:ext uri="{91240B29-F687-4f45-9708-019B960494DF}">
-                <a14:hiddenLine xmlns:a14="http://schemas.microsoft.com/office/drawing/2010/main" xmlns="" w="9525">
+                <a14:hiddenLine xmlns="" xmlns:a14="http://schemas.microsoft.com/office/drawing/2010/main" w="9525">
                   <a:solidFill>
                     <a:srgbClr val="000000"/>
                   </a:solidFill>
@@ -9078,7 +9083,7 @@
           <a:noFill/>
           <a:extLst>
             <a:ext uri="{909E8E84-426E-40dd-AFC4-6F175D3DCCD1}">
-              <a14:hiddenFill xmlns:a14="http://schemas.microsoft.com/office/drawing/2010/main" xmlns="">
+              <a14:hiddenFill xmlns="" xmlns:a14="http://schemas.microsoft.com/office/drawing/2010/main">
                 <a:solidFill>
                   <a:srgbClr val="FFFFFF"/>
                 </a:solidFill>
@@ -9152,7 +9157,7 @@
               </a:ln>
               <a:extLst>
                 <a:ext uri="{91240B29-F687-4f45-9708-019B960494DF}">
-                  <a14:hiddenLine xmlns:a14="http://schemas.microsoft.com/office/drawing/2010/main" xmlns="" w="9525">
+                  <a14:hiddenLine xmlns="" xmlns:a14="http://schemas.microsoft.com/office/drawing/2010/main" w="9525">
                     <a:solidFill>
                       <a:srgbClr val="000000"/>
                     </a:solidFill>
@@ -9242,7 +9247,7 @@
               </a:ln>
               <a:extLst>
                 <a:ext uri="{91240B29-F687-4f45-9708-019B960494DF}">
-                  <a14:hiddenLine xmlns:a14="http://schemas.microsoft.com/office/drawing/2010/main" xmlns="" w="9525">
+                  <a14:hiddenLine xmlns="" xmlns:a14="http://schemas.microsoft.com/office/drawing/2010/main" w="9525">
                     <a:solidFill>
                       <a:srgbClr val="000000"/>
                     </a:solidFill>
@@ -9332,7 +9337,7 @@
               </a:ln>
               <a:extLst>
                 <a:ext uri="{91240B29-F687-4f45-9708-019B960494DF}">
-                  <a14:hiddenLine xmlns:a14="http://schemas.microsoft.com/office/drawing/2010/main" xmlns="" w="9525">
+                  <a14:hiddenLine xmlns="" xmlns:a14="http://schemas.microsoft.com/office/drawing/2010/main" w="9525">
                     <a:solidFill>
                       <a:srgbClr val="000000"/>
                     </a:solidFill>
@@ -9394,7 +9399,7 @@
               </a:ln>
               <a:extLst>
                 <a:ext uri="{91240B29-F687-4f45-9708-019B960494DF}">
-                  <a14:hiddenLine xmlns:a14="http://schemas.microsoft.com/office/drawing/2010/main" xmlns="" w="9525">
+                  <a14:hiddenLine xmlns="" xmlns:a14="http://schemas.microsoft.com/office/drawing/2010/main" w="9525">
                     <a:solidFill>
                       <a:srgbClr val="000000"/>
                     </a:solidFill>
@@ -9484,7 +9489,7 @@
               </a:ln>
               <a:extLst>
                 <a:ext uri="{91240B29-F687-4f45-9708-019B960494DF}">
-                  <a14:hiddenLine xmlns:a14="http://schemas.microsoft.com/office/drawing/2010/main" xmlns="" w="9525">
+                  <a14:hiddenLine xmlns="" xmlns:a14="http://schemas.microsoft.com/office/drawing/2010/main" w="9525">
                     <a:solidFill>
                       <a:srgbClr val="000000"/>
                     </a:solidFill>
@@ -9546,7 +9551,7 @@
               </a:ln>
               <a:extLst>
                 <a:ext uri="{91240B29-F687-4f45-9708-019B960494DF}">
-                  <a14:hiddenLine xmlns:a14="http://schemas.microsoft.com/office/drawing/2010/main" xmlns="" w="9525">
+                  <a14:hiddenLine xmlns="" xmlns:a14="http://schemas.microsoft.com/office/drawing/2010/main" w="9525">
                     <a:solidFill>
                       <a:srgbClr val="000000"/>
                     </a:solidFill>
@@ -9608,7 +9613,7 @@
               </a:ln>
               <a:extLst>
                 <a:ext uri="{91240B29-F687-4f45-9708-019B960494DF}">
-                  <a14:hiddenLine xmlns:a14="http://schemas.microsoft.com/office/drawing/2010/main" xmlns="" w="9525">
+                  <a14:hiddenLine xmlns="" xmlns:a14="http://schemas.microsoft.com/office/drawing/2010/main" w="9525">
                     <a:solidFill>
                       <a:srgbClr val="000000"/>
                     </a:solidFill>
@@ -9698,7 +9703,7 @@
               </a:ln>
               <a:extLst>
                 <a:ext uri="{91240B29-F687-4f45-9708-019B960494DF}">
-                  <a14:hiddenLine xmlns:a14="http://schemas.microsoft.com/office/drawing/2010/main" xmlns="" w="9525">
+                  <a14:hiddenLine xmlns="" xmlns:a14="http://schemas.microsoft.com/office/drawing/2010/main" w="9525">
                     <a:solidFill>
                       <a:srgbClr val="000000"/>
                     </a:solidFill>
@@ -9788,7 +9793,7 @@
               </a:ln>
               <a:extLst>
                 <a:ext uri="{91240B29-F687-4f45-9708-019B960494DF}">
-                  <a14:hiddenLine xmlns:a14="http://schemas.microsoft.com/office/drawing/2010/main" xmlns="" w="9525">
+                  <a14:hiddenLine xmlns="" xmlns:a14="http://schemas.microsoft.com/office/drawing/2010/main" w="9525">
                     <a:solidFill>
                       <a:srgbClr val="000000"/>
                     </a:solidFill>
@@ -9850,7 +9855,7 @@
               </a:ln>
               <a:extLst>
                 <a:ext uri="{91240B29-F687-4f45-9708-019B960494DF}">
-                  <a14:hiddenLine xmlns:a14="http://schemas.microsoft.com/office/drawing/2010/main" xmlns="" w="9525">
+                  <a14:hiddenLine xmlns="" xmlns:a14="http://schemas.microsoft.com/office/drawing/2010/main" w="9525">
                     <a:solidFill>
                       <a:srgbClr val="000000"/>
                     </a:solidFill>
@@ -9960,7 +9965,7 @@
               </a:ln>
               <a:extLst>
                 <a:ext uri="{91240B29-F687-4f45-9708-019B960494DF}">
-                  <a14:hiddenLine xmlns:a14="http://schemas.microsoft.com/office/drawing/2010/main" xmlns="" w="9525">
+                  <a14:hiddenLine xmlns="" xmlns:a14="http://schemas.microsoft.com/office/drawing/2010/main" w="9525">
                     <a:solidFill>
                       <a:srgbClr val="000000"/>
                     </a:solidFill>
@@ -10044,7 +10049,7 @@
               </a:ln>
               <a:extLst>
                 <a:ext uri="{91240B29-F687-4f45-9708-019B960494DF}">
-                  <a14:hiddenLine xmlns:a14="http://schemas.microsoft.com/office/drawing/2010/main" xmlns="" w="9525">
+                  <a14:hiddenLine xmlns="" xmlns:a14="http://schemas.microsoft.com/office/drawing/2010/main" w="9525">
                     <a:solidFill>
                       <a:srgbClr val="000000"/>
                     </a:solidFill>
@@ -10106,7 +10111,7 @@
               </a:ln>
               <a:extLst>
                 <a:ext uri="{91240B29-F687-4f45-9708-019B960494DF}">
-                  <a14:hiddenLine xmlns:a14="http://schemas.microsoft.com/office/drawing/2010/main" xmlns="" w="9525">
+                  <a14:hiddenLine xmlns="" xmlns:a14="http://schemas.microsoft.com/office/drawing/2010/main" w="9525">
                     <a:solidFill>
                       <a:srgbClr val="000000"/>
                     </a:solidFill>
@@ -10168,7 +10173,7 @@
               </a:ln>
               <a:extLst>
                 <a:ext uri="{91240B29-F687-4f45-9708-019B960494DF}">
-                  <a14:hiddenLine xmlns:a14="http://schemas.microsoft.com/office/drawing/2010/main" xmlns="" w="9525">
+                  <a14:hiddenLine xmlns="" xmlns:a14="http://schemas.microsoft.com/office/drawing/2010/main" w="9525">
                     <a:solidFill>
                       <a:srgbClr val="000000"/>
                     </a:solidFill>
@@ -10258,7 +10263,7 @@
               </a:ln>
               <a:extLst>
                 <a:ext uri="{91240B29-F687-4f45-9708-019B960494DF}">
-                  <a14:hiddenLine xmlns:a14="http://schemas.microsoft.com/office/drawing/2010/main" xmlns="" w="9525">
+                  <a14:hiddenLine xmlns="" xmlns:a14="http://schemas.microsoft.com/office/drawing/2010/main" w="9525">
                     <a:solidFill>
                       <a:srgbClr val="000000"/>
                     </a:solidFill>
@@ -10292,7 +10297,7 @@
               </a:ln>
               <a:extLst>
                 <a:ext uri="{91240B29-F687-4f45-9708-019B960494DF}">
-                  <a14:hiddenLine xmlns:a14="http://schemas.microsoft.com/office/drawing/2010/main" xmlns="" w="9525">
+                  <a14:hiddenLine xmlns="" xmlns:a14="http://schemas.microsoft.com/office/drawing/2010/main" w="9525">
                     <a:solidFill>
                       <a:srgbClr val="000000"/>
                     </a:solidFill>
@@ -10357,7 +10362,7 @@
               </a:ln>
               <a:extLst>
                 <a:ext uri="{91240B29-F687-4f45-9708-019B960494DF}">
-                  <a14:hiddenLine xmlns:a14="http://schemas.microsoft.com/office/drawing/2010/main" xmlns="" w="9525">
+                  <a14:hiddenLine xmlns="" xmlns:a14="http://schemas.microsoft.com/office/drawing/2010/main" w="9525">
                     <a:solidFill>
                       <a:srgbClr val="000000"/>
                     </a:solidFill>
@@ -10447,7 +10452,7 @@
               </a:ln>
               <a:extLst>
                 <a:ext uri="{91240B29-F687-4f45-9708-019B960494DF}">
-                  <a14:hiddenLine xmlns:a14="http://schemas.microsoft.com/office/drawing/2010/main" xmlns="" w="9525">
+                  <a14:hiddenLine xmlns="" xmlns:a14="http://schemas.microsoft.com/office/drawing/2010/main" w="9525">
                     <a:solidFill>
                       <a:srgbClr val="000000"/>
                     </a:solidFill>
@@ -10509,7 +10514,7 @@
               </a:ln>
               <a:extLst>
                 <a:ext uri="{91240B29-F687-4f45-9708-019B960494DF}">
-                  <a14:hiddenLine xmlns:a14="http://schemas.microsoft.com/office/drawing/2010/main" xmlns="" w="9525">
+                  <a14:hiddenLine xmlns="" xmlns:a14="http://schemas.microsoft.com/office/drawing/2010/main" w="9525">
                     <a:solidFill>
                       <a:srgbClr val="000000"/>
                     </a:solidFill>
@@ -10599,7 +10604,7 @@
               </a:ln>
               <a:extLst>
                 <a:ext uri="{91240B29-F687-4f45-9708-019B960494DF}">
-                  <a14:hiddenLine xmlns:a14="http://schemas.microsoft.com/office/drawing/2010/main" xmlns="" w="9525">
+                  <a14:hiddenLine xmlns="" xmlns:a14="http://schemas.microsoft.com/office/drawing/2010/main" w="9525">
                     <a:solidFill>
                       <a:srgbClr val="000000"/>
                     </a:solidFill>
@@ -10664,7 +10669,7 @@
               </a:ln>
               <a:extLst>
                 <a:ext uri="{91240B29-F687-4f45-9708-019B960494DF}">
-                  <a14:hiddenLine xmlns:a14="http://schemas.microsoft.com/office/drawing/2010/main" xmlns="" w="9525">
+                  <a14:hiddenLine xmlns="" xmlns:a14="http://schemas.microsoft.com/office/drawing/2010/main" w="9525">
                     <a:solidFill>
                       <a:srgbClr val="000000"/>
                     </a:solidFill>
@@ -10726,7 +10731,7 @@
               </a:ln>
               <a:extLst>
                 <a:ext uri="{91240B29-F687-4f45-9708-019B960494DF}">
-                  <a14:hiddenLine xmlns:a14="http://schemas.microsoft.com/office/drawing/2010/main" xmlns="" w="9525">
+                  <a14:hiddenLine xmlns="" xmlns:a14="http://schemas.microsoft.com/office/drawing/2010/main" w="9525">
                     <a:solidFill>
                       <a:srgbClr val="000000"/>
                     </a:solidFill>
@@ -10816,7 +10821,7 @@
               </a:ln>
               <a:extLst>
                 <a:ext uri="{91240B29-F687-4f45-9708-019B960494DF}">
-                  <a14:hiddenLine xmlns:a14="http://schemas.microsoft.com/office/drawing/2010/main" xmlns="" w="9525">
+                  <a14:hiddenLine xmlns="" xmlns:a14="http://schemas.microsoft.com/office/drawing/2010/main" w="9525">
                     <a:solidFill>
                       <a:srgbClr val="000000"/>
                     </a:solidFill>
@@ -10906,7 +10911,7 @@
               </a:ln>
               <a:extLst>
                 <a:ext uri="{91240B29-F687-4f45-9708-019B960494DF}">
-                  <a14:hiddenLine xmlns:a14="http://schemas.microsoft.com/office/drawing/2010/main" xmlns="" w="9525">
+                  <a14:hiddenLine xmlns="" xmlns:a14="http://schemas.microsoft.com/office/drawing/2010/main" w="9525">
                     <a:solidFill>
                       <a:srgbClr val="000000"/>
                     </a:solidFill>
@@ -10971,7 +10976,7 @@
               </a:ln>
               <a:extLst>
                 <a:ext uri="{91240B29-F687-4f45-9708-019B960494DF}">
-                  <a14:hiddenLine xmlns:a14="http://schemas.microsoft.com/office/drawing/2010/main" xmlns="" w="9525">
+                  <a14:hiddenLine xmlns="" xmlns:a14="http://schemas.microsoft.com/office/drawing/2010/main" w="9525">
                     <a:solidFill>
                       <a:srgbClr val="000000"/>
                     </a:solidFill>
@@ -11091,7 +11096,7 @@
               </a:ln>
               <a:extLst>
                 <a:ext uri="{91240B29-F687-4f45-9708-019B960494DF}">
-                  <a14:hiddenLine xmlns:a14="http://schemas.microsoft.com/office/drawing/2010/main" xmlns="" w="9525">
+                  <a14:hiddenLine xmlns="" xmlns:a14="http://schemas.microsoft.com/office/drawing/2010/main" w="9525">
                     <a:solidFill>
                       <a:srgbClr val="000000"/>
                     </a:solidFill>
@@ -11172,7 +11177,7 @@
               </a:ln>
               <a:extLst>
                 <a:ext uri="{91240B29-F687-4f45-9708-019B960494DF}">
-                  <a14:hiddenLine xmlns:a14="http://schemas.microsoft.com/office/drawing/2010/main" xmlns="" w="9525">
+                  <a14:hiddenLine xmlns="" xmlns:a14="http://schemas.microsoft.com/office/drawing/2010/main" w="9525">
                     <a:solidFill>
                       <a:srgbClr val="000000"/>
                     </a:solidFill>
@@ -11287,7 +11292,7 @@
               </a:ln>
               <a:extLst>
                 <a:ext uri="{91240B29-F687-4f45-9708-019B960494DF}">
-                  <a14:hiddenLine xmlns:a14="http://schemas.microsoft.com/office/drawing/2010/main" xmlns="" w="9525">
+                  <a14:hiddenLine xmlns="" xmlns:a14="http://schemas.microsoft.com/office/drawing/2010/main" w="9525">
                     <a:solidFill>
                       <a:srgbClr val="000000"/>
                     </a:solidFill>
@@ -11377,7 +11382,7 @@
               </a:ln>
               <a:extLst>
                 <a:ext uri="{91240B29-F687-4f45-9708-019B960494DF}">
-                  <a14:hiddenLine xmlns:a14="http://schemas.microsoft.com/office/drawing/2010/main" xmlns="" w="9525">
+                  <a14:hiddenLine xmlns="" xmlns:a14="http://schemas.microsoft.com/office/drawing/2010/main" w="9525">
                     <a:solidFill>
                       <a:srgbClr val="000000"/>
                     </a:solidFill>
@@ -11442,7 +11447,7 @@
               </a:ln>
               <a:extLst>
                 <a:ext uri="{91240B29-F687-4f45-9708-019B960494DF}">
-                  <a14:hiddenLine xmlns:a14="http://schemas.microsoft.com/office/drawing/2010/main" xmlns="" w="9525">
+                  <a14:hiddenLine xmlns="" xmlns:a14="http://schemas.microsoft.com/office/drawing/2010/main" w="9525">
                     <a:solidFill>
                       <a:srgbClr val="000000"/>
                     </a:solidFill>
@@ -11532,7 +11537,7 @@
               </a:ln>
               <a:extLst>
                 <a:ext uri="{91240B29-F687-4f45-9708-019B960494DF}">
-                  <a14:hiddenLine xmlns:a14="http://schemas.microsoft.com/office/drawing/2010/main" xmlns="" w="9525">
+                  <a14:hiddenLine xmlns="" xmlns:a14="http://schemas.microsoft.com/office/drawing/2010/main" w="9525">
                     <a:solidFill>
                       <a:srgbClr val="000000"/>
                     </a:solidFill>
@@ -11600,7 +11605,7 @@
               </a:ln>
               <a:extLst>
                 <a:ext uri="{91240B29-F687-4f45-9708-019B960494DF}">
-                  <a14:hiddenLine xmlns:a14="http://schemas.microsoft.com/office/drawing/2010/main" xmlns="" w="9525">
+                  <a14:hiddenLine xmlns="" xmlns:a14="http://schemas.microsoft.com/office/drawing/2010/main" w="9525">
                     <a:solidFill>
                       <a:srgbClr val="000000"/>
                     </a:solidFill>
@@ -11690,7 +11695,7 @@
               </a:ln>
               <a:extLst>
                 <a:ext uri="{91240B29-F687-4f45-9708-019B960494DF}">
-                  <a14:hiddenLine xmlns:a14="http://schemas.microsoft.com/office/drawing/2010/main" xmlns="" w="9525">
+                  <a14:hiddenLine xmlns="" xmlns:a14="http://schemas.microsoft.com/office/drawing/2010/main" w="9525">
                     <a:solidFill>
                       <a:srgbClr val="000000"/>
                     </a:solidFill>
@@ -11758,7 +11763,7 @@
               </a:ln>
               <a:extLst>
                 <a:ext uri="{91240B29-F687-4f45-9708-019B960494DF}">
-                  <a14:hiddenLine xmlns:a14="http://schemas.microsoft.com/office/drawing/2010/main" xmlns="" w="9525">
+                  <a14:hiddenLine xmlns="" xmlns:a14="http://schemas.microsoft.com/office/drawing/2010/main" w="9525">
                     <a:solidFill>
                       <a:srgbClr val="000000"/>
                     </a:solidFill>
@@ -11848,7 +11853,7 @@
               </a:ln>
               <a:extLst>
                 <a:ext uri="{91240B29-F687-4f45-9708-019B960494DF}">
-                  <a14:hiddenLine xmlns:a14="http://schemas.microsoft.com/office/drawing/2010/main" xmlns="" w="9525">
+                  <a14:hiddenLine xmlns="" xmlns:a14="http://schemas.microsoft.com/office/drawing/2010/main" w="9525">
                     <a:solidFill>
                       <a:srgbClr val="000000"/>
                     </a:solidFill>
@@ -11882,7 +11887,7 @@
               </a:ln>
               <a:extLst>
                 <a:ext uri="{91240B29-F687-4f45-9708-019B960494DF}">
-                  <a14:hiddenLine xmlns:a14="http://schemas.microsoft.com/office/drawing/2010/main" xmlns="" w="9525">
+                  <a14:hiddenLine xmlns="" xmlns:a14="http://schemas.microsoft.com/office/drawing/2010/main" w="9525">
                     <a:solidFill>
                       <a:srgbClr val="000000"/>
                     </a:solidFill>
@@ -13002,7 +13007,7 @@
       </p:grpSpPr>
       <p:pic>
         <p:nvPicPr>
-          <p:cNvPr id="12" name="Picture 11"/>
+          <p:cNvPr id="9" name="Picture 8"/>
           <p:cNvPicPr>
             <a:picLocks noChangeAspect="1"/>
           </p:cNvPicPr>
@@ -13016,8 +13021,8 @@
         </p:blipFill>
         <p:spPr>
           <a:xfrm>
-            <a:off x="1985010" y="1589056"/>
-            <a:ext cx="7697470" cy="5101621"/>
+            <a:off x="4571047" y="1167340"/>
+            <a:ext cx="5578793" cy="5345220"/>
           </a:xfrm>
           <a:prstGeom prst="rect">
             <a:avLst/>
@@ -13046,7 +13051,14 @@
           <a:p>
             <a:r>
               <a:rPr lang="en-AU" dirty="0" smtClean="0"/>
-              <a:t>The architecture</a:t>
+              <a:t>Architecture </a:t>
+            </a:r>
+            <a:br>
+              <a:rPr lang="en-AU" dirty="0" smtClean="0"/>
+            </a:br>
+            <a:r>
+              <a:rPr lang="en-AU" dirty="0" smtClean="0"/>
+              <a:t>on a page</a:t>
             </a:r>
             <a:endParaRPr lang="en-AU" dirty="0"/>
           </a:p>
@@ -13068,8 +13080,8 @@
         </p:blipFill>
         <p:spPr>
           <a:xfrm>
-            <a:off x="4254817" y="5469731"/>
-            <a:ext cx="759935" cy="586740"/>
+            <a:off x="6312535" y="2235200"/>
+            <a:ext cx="417569" cy="322402"/>
           </a:xfrm>
           <a:prstGeom prst="rect">
             <a:avLst/>
@@ -13092,8 +13104,8 @@
         </p:blipFill>
         <p:spPr>
           <a:xfrm flipH="1">
-            <a:off x="5960346" y="5497353"/>
-            <a:ext cx="780392" cy="597217"/>
+            <a:off x="7545306" y="2158331"/>
+            <a:ext cx="521734" cy="399271"/>
           </a:xfrm>
           <a:prstGeom prst="rect">
             <a:avLst/>

--- a/PCP2017_Presentation_Template.pptx
+++ b/PCP2017_Presentation_Template.pptx
@@ -7,13 +7,13 @@
   <p:sldIdLst>
     <p:sldId id="256" r:id="rId2"/>
     <p:sldId id="257" r:id="rId3"/>
-    <p:sldId id="258" r:id="rId4"/>
-    <p:sldId id="259" r:id="rId5"/>
-    <p:sldId id="260" r:id="rId6"/>
-    <p:sldId id="261" r:id="rId7"/>
-    <p:sldId id="262" r:id="rId8"/>
-    <p:sldId id="263" r:id="rId9"/>
-    <p:sldId id="264" r:id="rId10"/>
+    <p:sldId id="267" r:id="rId4"/>
+    <p:sldId id="258" r:id="rId5"/>
+    <p:sldId id="264" r:id="rId6"/>
+    <p:sldId id="260" r:id="rId7"/>
+    <p:sldId id="261" r:id="rId8"/>
+    <p:sldId id="262" r:id="rId9"/>
+    <p:sldId id="263" r:id="rId10"/>
     <p:sldId id="265" r:id="rId11"/>
     <p:sldId id="266" r:id="rId12"/>
   </p:sldIdLst>
@@ -122,6 +122,2686 @@
 </p:presentation>
 </file>
 
+<file path=ppt/diagrams/colors1.xml><?xml version="1.0" encoding="utf-8"?>
+<dgm:colorsDef xmlns:dgm="http://schemas.openxmlformats.org/drawingml/2006/diagram" xmlns:a="http://schemas.openxmlformats.org/drawingml/2006/main" uniqueId="urn:microsoft.com/office/officeart/2005/8/colors/accent2_1">
+  <dgm:title val=""/>
+  <dgm:desc val=""/>
+  <dgm:catLst>
+    <dgm:cat type="accent2" pri="11100"/>
+  </dgm:catLst>
+  <dgm:styleLbl name="node0">
+    <dgm:fillClrLst meth="repeat">
+      <a:schemeClr val="lt1"/>
+    </dgm:fillClrLst>
+    <dgm:linClrLst meth="repeat">
+      <a:schemeClr val="accent2">
+        <a:shade val="80000"/>
+      </a:schemeClr>
+    </dgm:linClrLst>
+    <dgm:effectClrLst/>
+    <dgm:txLinClrLst/>
+    <dgm:txFillClrLst meth="repeat">
+      <a:schemeClr val="dk1"/>
+    </dgm:txFillClrLst>
+    <dgm:txEffectClrLst/>
+  </dgm:styleLbl>
+  <dgm:styleLbl name="node1">
+    <dgm:fillClrLst meth="repeat">
+      <a:schemeClr val="lt1"/>
+    </dgm:fillClrLst>
+    <dgm:linClrLst meth="repeat">
+      <a:schemeClr val="accent2">
+        <a:shade val="80000"/>
+      </a:schemeClr>
+    </dgm:linClrLst>
+    <dgm:effectClrLst/>
+    <dgm:txLinClrLst/>
+    <dgm:txFillClrLst meth="repeat">
+      <a:schemeClr val="dk1"/>
+    </dgm:txFillClrLst>
+    <dgm:txEffectClrLst/>
+  </dgm:styleLbl>
+  <dgm:styleLbl name="alignNode1">
+    <dgm:fillClrLst meth="repeat">
+      <a:schemeClr val="lt1"/>
+    </dgm:fillClrLst>
+    <dgm:linClrLst meth="repeat">
+      <a:schemeClr val="accent2">
+        <a:shade val="80000"/>
+      </a:schemeClr>
+    </dgm:linClrLst>
+    <dgm:effectClrLst/>
+    <dgm:txLinClrLst/>
+    <dgm:txFillClrLst meth="repeat">
+      <a:schemeClr val="dk1"/>
+    </dgm:txFillClrLst>
+    <dgm:txEffectClrLst/>
+  </dgm:styleLbl>
+  <dgm:styleLbl name="lnNode1">
+    <dgm:fillClrLst meth="repeat">
+      <a:schemeClr val="lt1"/>
+    </dgm:fillClrLst>
+    <dgm:linClrLst meth="repeat">
+      <a:schemeClr val="accent2">
+        <a:shade val="80000"/>
+      </a:schemeClr>
+    </dgm:linClrLst>
+    <dgm:effectClrLst/>
+    <dgm:txLinClrLst/>
+    <dgm:txFillClrLst meth="repeat">
+      <a:schemeClr val="dk1"/>
+    </dgm:txFillClrLst>
+    <dgm:txEffectClrLst/>
+  </dgm:styleLbl>
+  <dgm:styleLbl name="vennNode1">
+    <dgm:fillClrLst meth="repeat">
+      <a:schemeClr val="lt1">
+        <a:alpha val="50000"/>
+      </a:schemeClr>
+    </dgm:fillClrLst>
+    <dgm:linClrLst meth="repeat">
+      <a:schemeClr val="accent2">
+        <a:shade val="80000"/>
+      </a:schemeClr>
+    </dgm:linClrLst>
+    <dgm:effectClrLst/>
+    <dgm:txLinClrLst/>
+    <dgm:txFillClrLst/>
+    <dgm:txEffectClrLst/>
+  </dgm:styleLbl>
+  <dgm:styleLbl name="node2">
+    <dgm:fillClrLst meth="repeat">
+      <a:schemeClr val="lt1"/>
+    </dgm:fillClrLst>
+    <dgm:linClrLst meth="repeat">
+      <a:schemeClr val="accent2">
+        <a:shade val="80000"/>
+      </a:schemeClr>
+    </dgm:linClrLst>
+    <dgm:effectClrLst/>
+    <dgm:txLinClrLst/>
+    <dgm:txFillClrLst meth="repeat">
+      <a:schemeClr val="dk1"/>
+    </dgm:txFillClrLst>
+    <dgm:txEffectClrLst/>
+  </dgm:styleLbl>
+  <dgm:styleLbl name="node3">
+    <dgm:fillClrLst meth="repeat">
+      <a:schemeClr val="lt1"/>
+    </dgm:fillClrLst>
+    <dgm:linClrLst meth="repeat">
+      <a:schemeClr val="accent2">
+        <a:shade val="80000"/>
+      </a:schemeClr>
+    </dgm:linClrLst>
+    <dgm:effectClrLst/>
+    <dgm:txLinClrLst/>
+    <dgm:txFillClrLst meth="repeat">
+      <a:schemeClr val="dk1"/>
+    </dgm:txFillClrLst>
+    <dgm:txEffectClrLst/>
+  </dgm:styleLbl>
+  <dgm:styleLbl name="node4">
+    <dgm:fillClrLst meth="repeat">
+      <a:schemeClr val="lt1"/>
+    </dgm:fillClrLst>
+    <dgm:linClrLst meth="repeat">
+      <a:schemeClr val="accent2">
+        <a:shade val="80000"/>
+      </a:schemeClr>
+    </dgm:linClrLst>
+    <dgm:effectClrLst/>
+    <dgm:txLinClrLst/>
+    <dgm:txFillClrLst meth="repeat">
+      <a:schemeClr val="dk1"/>
+    </dgm:txFillClrLst>
+    <dgm:txEffectClrLst/>
+  </dgm:styleLbl>
+  <dgm:styleLbl name="fgImgPlace1">
+    <dgm:fillClrLst meth="repeat">
+      <a:schemeClr val="accent2">
+        <a:tint val="40000"/>
+      </a:schemeClr>
+    </dgm:fillClrLst>
+    <dgm:linClrLst meth="repeat">
+      <a:schemeClr val="accent2">
+        <a:shade val="80000"/>
+      </a:schemeClr>
+    </dgm:linClrLst>
+    <dgm:effectClrLst/>
+    <dgm:txLinClrLst/>
+    <dgm:txFillClrLst meth="repeat">
+      <a:schemeClr val="lt1"/>
+    </dgm:txFillClrLst>
+    <dgm:txEffectClrLst/>
+  </dgm:styleLbl>
+  <dgm:styleLbl name="alignImgPlace1">
+    <dgm:fillClrLst meth="repeat">
+      <a:schemeClr val="accent2">
+        <a:tint val="40000"/>
+      </a:schemeClr>
+    </dgm:fillClrLst>
+    <dgm:linClrLst meth="repeat">
+      <a:schemeClr val="accent2">
+        <a:shade val="80000"/>
+      </a:schemeClr>
+    </dgm:linClrLst>
+    <dgm:effectClrLst/>
+    <dgm:txLinClrLst/>
+    <dgm:txFillClrLst meth="repeat">
+      <a:schemeClr val="lt1"/>
+    </dgm:txFillClrLst>
+    <dgm:txEffectClrLst/>
+  </dgm:styleLbl>
+  <dgm:styleLbl name="bgImgPlace1">
+    <dgm:fillClrLst meth="repeat">
+      <a:schemeClr val="accent2">
+        <a:tint val="40000"/>
+      </a:schemeClr>
+    </dgm:fillClrLst>
+    <dgm:linClrLst meth="repeat">
+      <a:schemeClr val="accent2">
+        <a:shade val="80000"/>
+      </a:schemeClr>
+    </dgm:linClrLst>
+    <dgm:effectClrLst/>
+    <dgm:txLinClrLst/>
+    <dgm:txFillClrLst meth="repeat">
+      <a:schemeClr val="lt1"/>
+    </dgm:txFillClrLst>
+    <dgm:txEffectClrLst/>
+  </dgm:styleLbl>
+  <dgm:styleLbl name="sibTrans2D1">
+    <dgm:fillClrLst meth="repeat">
+      <a:schemeClr val="accent2">
+        <a:tint val="60000"/>
+      </a:schemeClr>
+    </dgm:fillClrLst>
+    <dgm:linClrLst meth="repeat">
+      <a:schemeClr val="accent2">
+        <a:tint val="60000"/>
+      </a:schemeClr>
+    </dgm:linClrLst>
+    <dgm:effectClrLst/>
+    <dgm:txLinClrLst/>
+    <dgm:txFillClrLst meth="repeat">
+      <a:schemeClr val="dk1"/>
+    </dgm:txFillClrLst>
+    <dgm:txEffectClrLst/>
+  </dgm:styleLbl>
+  <dgm:styleLbl name="fgSibTrans2D1">
+    <dgm:fillClrLst meth="repeat">
+      <a:schemeClr val="accent2">
+        <a:tint val="60000"/>
+      </a:schemeClr>
+    </dgm:fillClrLst>
+    <dgm:linClrLst meth="repeat">
+      <a:schemeClr val="accent2">
+        <a:tint val="60000"/>
+      </a:schemeClr>
+    </dgm:linClrLst>
+    <dgm:effectClrLst/>
+    <dgm:txLinClrLst/>
+    <dgm:txFillClrLst meth="repeat">
+      <a:schemeClr val="dk1"/>
+    </dgm:txFillClrLst>
+    <dgm:txEffectClrLst/>
+  </dgm:styleLbl>
+  <dgm:styleLbl name="bgSibTrans2D1">
+    <dgm:fillClrLst meth="repeat">
+      <a:schemeClr val="accent2">
+        <a:tint val="60000"/>
+      </a:schemeClr>
+    </dgm:fillClrLst>
+    <dgm:linClrLst meth="repeat">
+      <a:schemeClr val="accent2">
+        <a:tint val="60000"/>
+      </a:schemeClr>
+    </dgm:linClrLst>
+    <dgm:effectClrLst/>
+    <dgm:txLinClrLst/>
+    <dgm:txFillClrLst meth="repeat">
+      <a:schemeClr val="dk1"/>
+    </dgm:txFillClrLst>
+    <dgm:txEffectClrLst/>
+  </dgm:styleLbl>
+  <dgm:styleLbl name="sibTrans1D1">
+    <dgm:fillClrLst meth="repeat">
+      <a:schemeClr val="accent2"/>
+    </dgm:fillClrLst>
+    <dgm:linClrLst meth="repeat">
+      <a:schemeClr val="accent2"/>
+    </dgm:linClrLst>
+    <dgm:effectClrLst/>
+    <dgm:txLinClrLst/>
+    <dgm:txFillClrLst meth="repeat">
+      <a:schemeClr val="tx1"/>
+    </dgm:txFillClrLst>
+    <dgm:txEffectClrLst/>
+  </dgm:styleLbl>
+  <dgm:styleLbl name="callout">
+    <dgm:fillClrLst meth="repeat">
+      <a:schemeClr val="accent2"/>
+    </dgm:fillClrLst>
+    <dgm:linClrLst meth="repeat">
+      <a:schemeClr val="accent2"/>
+    </dgm:linClrLst>
+    <dgm:effectClrLst/>
+    <dgm:txLinClrLst/>
+    <dgm:txFillClrLst meth="repeat">
+      <a:schemeClr val="tx1"/>
+    </dgm:txFillClrLst>
+    <dgm:txEffectClrLst/>
+  </dgm:styleLbl>
+  <dgm:styleLbl name="asst0">
+    <dgm:fillClrLst meth="repeat">
+      <a:schemeClr val="lt1"/>
+    </dgm:fillClrLst>
+    <dgm:linClrLst meth="repeat">
+      <a:schemeClr val="accent2">
+        <a:shade val="80000"/>
+      </a:schemeClr>
+    </dgm:linClrLst>
+    <dgm:effectClrLst/>
+    <dgm:txLinClrLst/>
+    <dgm:txFillClrLst meth="repeat">
+      <a:schemeClr val="dk1"/>
+    </dgm:txFillClrLst>
+    <dgm:txEffectClrLst/>
+  </dgm:styleLbl>
+  <dgm:styleLbl name="asst1">
+    <dgm:fillClrLst meth="repeat">
+      <a:schemeClr val="lt1"/>
+    </dgm:fillClrLst>
+    <dgm:linClrLst meth="repeat">
+      <a:schemeClr val="accent2">
+        <a:shade val="80000"/>
+      </a:schemeClr>
+    </dgm:linClrLst>
+    <dgm:effectClrLst/>
+    <dgm:txLinClrLst/>
+    <dgm:txFillClrLst meth="repeat">
+      <a:schemeClr val="dk1"/>
+    </dgm:txFillClrLst>
+    <dgm:txEffectClrLst/>
+  </dgm:styleLbl>
+  <dgm:styleLbl name="asst2">
+    <dgm:fillClrLst meth="repeat">
+      <a:schemeClr val="lt1"/>
+    </dgm:fillClrLst>
+    <dgm:linClrLst meth="repeat">
+      <a:schemeClr val="accent2">
+        <a:shade val="80000"/>
+      </a:schemeClr>
+    </dgm:linClrLst>
+    <dgm:effectClrLst/>
+    <dgm:txLinClrLst/>
+    <dgm:txFillClrLst meth="repeat">
+      <a:schemeClr val="dk1"/>
+    </dgm:txFillClrLst>
+    <dgm:txEffectClrLst/>
+  </dgm:styleLbl>
+  <dgm:styleLbl name="asst3">
+    <dgm:fillClrLst meth="repeat">
+      <a:schemeClr val="lt1"/>
+    </dgm:fillClrLst>
+    <dgm:linClrLst meth="repeat">
+      <a:schemeClr val="accent2">
+        <a:shade val="80000"/>
+      </a:schemeClr>
+    </dgm:linClrLst>
+    <dgm:effectClrLst/>
+    <dgm:txLinClrLst/>
+    <dgm:txFillClrLst meth="repeat">
+      <a:schemeClr val="dk1"/>
+    </dgm:txFillClrLst>
+    <dgm:txEffectClrLst/>
+  </dgm:styleLbl>
+  <dgm:styleLbl name="asst4">
+    <dgm:fillClrLst meth="repeat">
+      <a:schemeClr val="lt1"/>
+    </dgm:fillClrLst>
+    <dgm:linClrLst meth="repeat">
+      <a:schemeClr val="accent2">
+        <a:shade val="80000"/>
+      </a:schemeClr>
+    </dgm:linClrLst>
+    <dgm:effectClrLst/>
+    <dgm:txLinClrLst/>
+    <dgm:txFillClrLst meth="repeat">
+      <a:schemeClr val="dk1"/>
+    </dgm:txFillClrLst>
+    <dgm:txEffectClrLst/>
+  </dgm:styleLbl>
+  <dgm:styleLbl name="parChTrans2D1">
+    <dgm:fillClrLst meth="repeat">
+      <a:schemeClr val="accent2">
+        <a:tint val="60000"/>
+      </a:schemeClr>
+    </dgm:fillClrLst>
+    <dgm:linClrLst meth="repeat">
+      <a:schemeClr val="accent2">
+        <a:tint val="60000"/>
+      </a:schemeClr>
+    </dgm:linClrLst>
+    <dgm:effectClrLst/>
+    <dgm:txLinClrLst/>
+    <dgm:txFillClrLst/>
+    <dgm:txEffectClrLst/>
+  </dgm:styleLbl>
+  <dgm:styleLbl name="parChTrans2D2">
+    <dgm:fillClrLst meth="repeat">
+      <a:schemeClr val="accent2"/>
+    </dgm:fillClrLst>
+    <dgm:linClrLst meth="repeat">
+      <a:schemeClr val="accent2"/>
+    </dgm:linClrLst>
+    <dgm:effectClrLst/>
+    <dgm:txLinClrLst/>
+    <dgm:txFillClrLst/>
+    <dgm:txEffectClrLst/>
+  </dgm:styleLbl>
+  <dgm:styleLbl name="parChTrans2D3">
+    <dgm:fillClrLst meth="repeat">
+      <a:schemeClr val="accent2"/>
+    </dgm:fillClrLst>
+    <dgm:linClrLst meth="repeat">
+      <a:schemeClr val="accent2"/>
+    </dgm:linClrLst>
+    <dgm:effectClrLst/>
+    <dgm:txLinClrLst/>
+    <dgm:txFillClrLst/>
+    <dgm:txEffectClrLst/>
+  </dgm:styleLbl>
+  <dgm:styleLbl name="parChTrans2D4">
+    <dgm:fillClrLst meth="repeat">
+      <a:schemeClr val="accent2"/>
+    </dgm:fillClrLst>
+    <dgm:linClrLst meth="repeat">
+      <a:schemeClr val="accent2"/>
+    </dgm:linClrLst>
+    <dgm:effectClrLst/>
+    <dgm:txLinClrLst/>
+    <dgm:txFillClrLst meth="repeat">
+      <a:schemeClr val="lt1"/>
+    </dgm:txFillClrLst>
+    <dgm:txEffectClrLst/>
+  </dgm:styleLbl>
+  <dgm:styleLbl name="parChTrans1D1">
+    <dgm:fillClrLst meth="repeat">
+      <a:schemeClr val="accent2"/>
+    </dgm:fillClrLst>
+    <dgm:linClrLst meth="repeat">
+      <a:schemeClr val="accent2">
+        <a:shade val="60000"/>
+      </a:schemeClr>
+    </dgm:linClrLst>
+    <dgm:effectClrLst/>
+    <dgm:txLinClrLst/>
+    <dgm:txFillClrLst meth="repeat">
+      <a:schemeClr val="tx1"/>
+    </dgm:txFillClrLst>
+    <dgm:txEffectClrLst/>
+  </dgm:styleLbl>
+  <dgm:styleLbl name="parChTrans1D2">
+    <dgm:fillClrLst meth="repeat">
+      <a:schemeClr val="accent2"/>
+    </dgm:fillClrLst>
+    <dgm:linClrLst meth="repeat">
+      <a:schemeClr val="accent2">
+        <a:shade val="60000"/>
+      </a:schemeClr>
+    </dgm:linClrLst>
+    <dgm:effectClrLst/>
+    <dgm:txLinClrLst/>
+    <dgm:txFillClrLst meth="repeat">
+      <a:schemeClr val="tx1"/>
+    </dgm:txFillClrLst>
+    <dgm:txEffectClrLst/>
+  </dgm:styleLbl>
+  <dgm:styleLbl name="parChTrans1D3">
+    <dgm:fillClrLst meth="repeat">
+      <a:schemeClr val="accent2"/>
+    </dgm:fillClrLst>
+    <dgm:linClrLst meth="repeat">
+      <a:schemeClr val="accent2">
+        <a:shade val="80000"/>
+      </a:schemeClr>
+    </dgm:linClrLst>
+    <dgm:effectClrLst/>
+    <dgm:txLinClrLst/>
+    <dgm:txFillClrLst meth="repeat">
+      <a:schemeClr val="tx1"/>
+    </dgm:txFillClrLst>
+    <dgm:txEffectClrLst/>
+  </dgm:styleLbl>
+  <dgm:styleLbl name="parChTrans1D4">
+    <dgm:fillClrLst meth="repeat">
+      <a:schemeClr val="accent2"/>
+    </dgm:fillClrLst>
+    <dgm:linClrLst meth="repeat">
+      <a:schemeClr val="accent2">
+        <a:shade val="80000"/>
+      </a:schemeClr>
+    </dgm:linClrLst>
+    <dgm:effectClrLst/>
+    <dgm:txLinClrLst/>
+    <dgm:txFillClrLst meth="repeat">
+      <a:schemeClr val="tx1"/>
+    </dgm:txFillClrLst>
+    <dgm:txEffectClrLst/>
+  </dgm:styleLbl>
+  <dgm:styleLbl name="fgAcc1">
+    <dgm:fillClrLst meth="repeat">
+      <a:schemeClr val="accent2">
+        <a:alpha val="90000"/>
+        <a:tint val="40000"/>
+      </a:schemeClr>
+    </dgm:fillClrLst>
+    <dgm:linClrLst meth="repeat">
+      <a:schemeClr val="accent2"/>
+    </dgm:linClrLst>
+    <dgm:effectClrLst/>
+    <dgm:txLinClrLst/>
+    <dgm:txFillClrLst meth="repeat">
+      <a:schemeClr val="dk1"/>
+    </dgm:txFillClrLst>
+    <dgm:txEffectClrLst/>
+  </dgm:styleLbl>
+  <dgm:styleLbl name="conFgAcc1">
+    <dgm:fillClrLst meth="repeat">
+      <a:schemeClr val="accent2">
+        <a:alpha val="90000"/>
+        <a:tint val="40000"/>
+      </a:schemeClr>
+    </dgm:fillClrLst>
+    <dgm:linClrLst meth="repeat">
+      <a:schemeClr val="accent2"/>
+    </dgm:linClrLst>
+    <dgm:effectClrLst/>
+    <dgm:txLinClrLst/>
+    <dgm:txFillClrLst meth="repeat">
+      <a:schemeClr val="dk1"/>
+    </dgm:txFillClrLst>
+    <dgm:txEffectClrLst/>
+  </dgm:styleLbl>
+  <dgm:styleLbl name="alignAcc1">
+    <dgm:fillClrLst meth="repeat">
+      <a:schemeClr val="accent2">
+        <a:alpha val="90000"/>
+        <a:tint val="40000"/>
+      </a:schemeClr>
+    </dgm:fillClrLst>
+    <dgm:linClrLst meth="repeat">
+      <a:schemeClr val="accent2"/>
+    </dgm:linClrLst>
+    <dgm:effectClrLst/>
+    <dgm:txLinClrLst/>
+    <dgm:txFillClrLst meth="repeat">
+      <a:schemeClr val="dk1"/>
+    </dgm:txFillClrLst>
+    <dgm:txEffectClrLst/>
+  </dgm:styleLbl>
+  <dgm:styleLbl name="trAlignAcc1">
+    <dgm:fillClrLst meth="repeat">
+      <a:schemeClr val="accent2">
+        <a:alpha val="40000"/>
+        <a:tint val="40000"/>
+      </a:schemeClr>
+    </dgm:fillClrLst>
+    <dgm:linClrLst meth="repeat">
+      <a:schemeClr val="accent2"/>
+    </dgm:linClrLst>
+    <dgm:effectClrLst/>
+    <dgm:txLinClrLst/>
+    <dgm:txFillClrLst meth="repeat">
+      <a:schemeClr val="dk1"/>
+    </dgm:txFillClrLst>
+    <dgm:txEffectClrLst/>
+  </dgm:styleLbl>
+  <dgm:styleLbl name="bgAcc1">
+    <dgm:fillClrLst meth="repeat">
+      <a:schemeClr val="accent2">
+        <a:alpha val="90000"/>
+        <a:tint val="40000"/>
+      </a:schemeClr>
+    </dgm:fillClrLst>
+    <dgm:linClrLst meth="repeat">
+      <a:schemeClr val="accent2"/>
+    </dgm:linClrLst>
+    <dgm:effectClrLst/>
+    <dgm:txLinClrLst/>
+    <dgm:txFillClrLst meth="repeat">
+      <a:schemeClr val="dk1"/>
+    </dgm:txFillClrLst>
+    <dgm:txEffectClrLst/>
+  </dgm:styleLbl>
+  <dgm:styleLbl name="solidFgAcc1">
+    <dgm:fillClrLst meth="repeat">
+      <a:schemeClr val="lt1"/>
+    </dgm:fillClrLst>
+    <dgm:linClrLst meth="repeat">
+      <a:schemeClr val="accent2"/>
+    </dgm:linClrLst>
+    <dgm:effectClrLst/>
+    <dgm:txLinClrLst/>
+    <dgm:txFillClrLst meth="repeat">
+      <a:schemeClr val="dk1"/>
+    </dgm:txFillClrLst>
+    <dgm:txEffectClrLst/>
+  </dgm:styleLbl>
+  <dgm:styleLbl name="solidAlignAcc1">
+    <dgm:fillClrLst meth="repeat">
+      <a:schemeClr val="lt1"/>
+    </dgm:fillClrLst>
+    <dgm:linClrLst meth="repeat">
+      <a:schemeClr val="accent2"/>
+    </dgm:linClrLst>
+    <dgm:effectClrLst/>
+    <dgm:txLinClrLst/>
+    <dgm:txFillClrLst meth="repeat">
+      <a:schemeClr val="dk1"/>
+    </dgm:txFillClrLst>
+    <dgm:txEffectClrLst/>
+  </dgm:styleLbl>
+  <dgm:styleLbl name="solidBgAcc1">
+    <dgm:fillClrLst meth="repeat">
+      <a:schemeClr val="lt1"/>
+    </dgm:fillClrLst>
+    <dgm:linClrLst meth="repeat">
+      <a:schemeClr val="accent2"/>
+    </dgm:linClrLst>
+    <dgm:effectClrLst/>
+    <dgm:txLinClrLst/>
+    <dgm:txFillClrLst meth="repeat">
+      <a:schemeClr val="dk1"/>
+    </dgm:txFillClrLst>
+    <dgm:txEffectClrLst/>
+  </dgm:styleLbl>
+  <dgm:styleLbl name="fgAccFollowNode1">
+    <dgm:fillClrLst meth="repeat">
+      <a:schemeClr val="lt1">
+        <a:alpha val="90000"/>
+        <a:tint val="40000"/>
+      </a:schemeClr>
+    </dgm:fillClrLst>
+    <dgm:linClrLst meth="repeat">
+      <a:schemeClr val="accent2">
+        <a:alpha val="90000"/>
+      </a:schemeClr>
+    </dgm:linClrLst>
+    <dgm:effectClrLst/>
+    <dgm:txLinClrLst/>
+    <dgm:txFillClrLst meth="repeat">
+      <a:schemeClr val="dk1"/>
+    </dgm:txFillClrLst>
+    <dgm:txEffectClrLst/>
+  </dgm:styleLbl>
+  <dgm:styleLbl name="alignAccFollowNode1">
+    <dgm:fillClrLst meth="repeat">
+      <a:schemeClr val="lt1">
+        <a:alpha val="90000"/>
+        <a:tint val="40000"/>
+      </a:schemeClr>
+    </dgm:fillClrLst>
+    <dgm:linClrLst meth="repeat">
+      <a:schemeClr val="accent2">
+        <a:alpha val="90000"/>
+      </a:schemeClr>
+    </dgm:linClrLst>
+    <dgm:effectClrLst/>
+    <dgm:txLinClrLst/>
+    <dgm:txFillClrLst meth="repeat">
+      <a:schemeClr val="dk1"/>
+    </dgm:txFillClrLst>
+    <dgm:txEffectClrLst/>
+  </dgm:styleLbl>
+  <dgm:styleLbl name="bgAccFollowNode1">
+    <dgm:fillClrLst meth="repeat">
+      <a:schemeClr val="lt1">
+        <a:alpha val="90000"/>
+        <a:tint val="40000"/>
+      </a:schemeClr>
+    </dgm:fillClrLst>
+    <dgm:linClrLst meth="repeat">
+      <a:schemeClr val="accent2">
+        <a:alpha val="90000"/>
+      </a:schemeClr>
+    </dgm:linClrLst>
+    <dgm:effectClrLst/>
+    <dgm:txLinClrLst/>
+    <dgm:txFillClrLst meth="repeat">
+      <a:schemeClr val="dk1"/>
+    </dgm:txFillClrLst>
+    <dgm:txEffectClrLst/>
+  </dgm:styleLbl>
+  <dgm:styleLbl name="fgAcc0">
+    <dgm:fillClrLst meth="repeat">
+      <a:schemeClr val="accent2">
+        <a:alpha val="90000"/>
+        <a:tint val="40000"/>
+      </a:schemeClr>
+    </dgm:fillClrLst>
+    <dgm:linClrLst meth="repeat">
+      <a:schemeClr val="accent2"/>
+    </dgm:linClrLst>
+    <dgm:effectClrLst/>
+    <dgm:txLinClrLst/>
+    <dgm:txFillClrLst meth="repeat">
+      <a:schemeClr val="dk1"/>
+    </dgm:txFillClrLst>
+    <dgm:txEffectClrLst/>
+  </dgm:styleLbl>
+  <dgm:styleLbl name="fgAcc2">
+    <dgm:fillClrLst meth="repeat">
+      <a:schemeClr val="accent2">
+        <a:alpha val="90000"/>
+        <a:tint val="40000"/>
+      </a:schemeClr>
+    </dgm:fillClrLst>
+    <dgm:linClrLst meth="repeat">
+      <a:schemeClr val="accent2"/>
+    </dgm:linClrLst>
+    <dgm:effectClrLst/>
+    <dgm:txLinClrLst/>
+    <dgm:txFillClrLst meth="repeat">
+      <a:schemeClr val="dk1"/>
+    </dgm:txFillClrLst>
+    <dgm:txEffectClrLst/>
+  </dgm:styleLbl>
+  <dgm:styleLbl name="fgAcc3">
+    <dgm:fillClrLst meth="repeat">
+      <a:schemeClr val="accent2">
+        <a:alpha val="90000"/>
+        <a:tint val="40000"/>
+      </a:schemeClr>
+    </dgm:fillClrLst>
+    <dgm:linClrLst meth="repeat">
+      <a:schemeClr val="accent2"/>
+    </dgm:linClrLst>
+    <dgm:effectClrLst/>
+    <dgm:txLinClrLst/>
+    <dgm:txFillClrLst meth="repeat">
+      <a:schemeClr val="dk1"/>
+    </dgm:txFillClrLst>
+    <dgm:txEffectClrLst/>
+  </dgm:styleLbl>
+  <dgm:styleLbl name="fgAcc4">
+    <dgm:fillClrLst meth="repeat">
+      <a:schemeClr val="accent2">
+        <a:alpha val="90000"/>
+        <a:tint val="40000"/>
+      </a:schemeClr>
+    </dgm:fillClrLst>
+    <dgm:linClrLst meth="repeat">
+      <a:schemeClr val="accent2"/>
+    </dgm:linClrLst>
+    <dgm:effectClrLst/>
+    <dgm:txLinClrLst/>
+    <dgm:txFillClrLst meth="repeat">
+      <a:schemeClr val="dk1"/>
+    </dgm:txFillClrLst>
+    <dgm:txEffectClrLst/>
+  </dgm:styleLbl>
+  <dgm:styleLbl name="bgShp">
+    <dgm:fillClrLst meth="repeat">
+      <a:schemeClr val="accent2">
+        <a:tint val="40000"/>
+      </a:schemeClr>
+    </dgm:fillClrLst>
+    <dgm:linClrLst meth="repeat">
+      <a:schemeClr val="accent2"/>
+    </dgm:linClrLst>
+    <dgm:effectClrLst/>
+    <dgm:txLinClrLst/>
+    <dgm:txFillClrLst meth="repeat">
+      <a:schemeClr val="dk1"/>
+    </dgm:txFillClrLst>
+    <dgm:txEffectClrLst/>
+  </dgm:styleLbl>
+  <dgm:styleLbl name="dkBgShp">
+    <dgm:fillClrLst meth="repeat">
+      <a:schemeClr val="accent2">
+        <a:shade val="80000"/>
+      </a:schemeClr>
+    </dgm:fillClrLst>
+    <dgm:linClrLst meth="repeat">
+      <a:schemeClr val="accent2"/>
+    </dgm:linClrLst>
+    <dgm:effectClrLst/>
+    <dgm:txLinClrLst/>
+    <dgm:txFillClrLst meth="repeat">
+      <a:schemeClr val="lt1"/>
+    </dgm:txFillClrLst>
+    <dgm:txEffectClrLst/>
+  </dgm:styleLbl>
+  <dgm:styleLbl name="trBgShp">
+    <dgm:fillClrLst meth="repeat">
+      <a:schemeClr val="accent2">
+        <a:tint val="50000"/>
+        <a:alpha val="40000"/>
+      </a:schemeClr>
+    </dgm:fillClrLst>
+    <dgm:linClrLst meth="repeat">
+      <a:schemeClr val="accent2"/>
+    </dgm:linClrLst>
+    <dgm:effectClrLst/>
+    <dgm:txLinClrLst/>
+    <dgm:txFillClrLst meth="repeat">
+      <a:schemeClr val="lt1"/>
+    </dgm:txFillClrLst>
+    <dgm:txEffectClrLst/>
+  </dgm:styleLbl>
+  <dgm:styleLbl name="fgShp">
+    <dgm:fillClrLst meth="repeat">
+      <a:schemeClr val="accent2">
+        <a:tint val="60000"/>
+      </a:schemeClr>
+    </dgm:fillClrLst>
+    <dgm:linClrLst meth="repeat">
+      <a:schemeClr val="lt1"/>
+    </dgm:linClrLst>
+    <dgm:effectClrLst/>
+    <dgm:txLinClrLst/>
+    <dgm:txFillClrLst meth="repeat">
+      <a:schemeClr val="dk1"/>
+    </dgm:txFillClrLst>
+    <dgm:txEffectClrLst/>
+  </dgm:styleLbl>
+  <dgm:styleLbl name="revTx">
+    <dgm:fillClrLst meth="repeat">
+      <a:schemeClr val="lt1">
+        <a:alpha val="0"/>
+      </a:schemeClr>
+    </dgm:fillClrLst>
+    <dgm:linClrLst meth="repeat">
+      <a:schemeClr val="dk1">
+        <a:alpha val="0"/>
+      </a:schemeClr>
+    </dgm:linClrLst>
+    <dgm:effectClrLst/>
+    <dgm:txLinClrLst/>
+    <dgm:txFillClrLst meth="repeat">
+      <a:schemeClr val="tx1"/>
+    </dgm:txFillClrLst>
+    <dgm:txEffectClrLst/>
+  </dgm:styleLbl>
+</dgm:colorsDef>
+</file>
+
+<file path=ppt/diagrams/data1.xml><?xml version="1.0" encoding="utf-8"?>
+<dgm:dataModel xmlns:dgm="http://schemas.openxmlformats.org/drawingml/2006/diagram" xmlns:a="http://schemas.openxmlformats.org/drawingml/2006/main">
+  <dgm:ptLst>
+    <dgm:pt modelId="{7E8894B4-8CF6-4F81-A8AD-CB8DB81F86C3}" type="doc">
+      <dgm:prSet loTypeId="urn:microsoft.com/office/officeart/2005/8/layout/hChevron3" loCatId="process" qsTypeId="urn:microsoft.com/office/officeart/2005/8/quickstyle/simple1" qsCatId="simple" csTypeId="urn:microsoft.com/office/officeart/2005/8/colors/accent2_1" csCatId="accent2" phldr="1"/>
+      <dgm:spPr/>
+    </dgm:pt>
+    <dgm:pt modelId="{8AFBFEDB-2A0E-4BC4-AFC2-90190756952E}">
+      <dgm:prSet phldrT="[Text]" custT="1"/>
+      <dgm:spPr>
+        <a:noFill/>
+      </dgm:spPr>
+      <dgm:t>
+        <a:bodyPr/>
+        <a:lstStyle/>
+        <a:p>
+          <a:r>
+            <a:rPr lang="en-AU" sz="1400" b="0" dirty="0" smtClean="0">
+              <a:solidFill>
+                <a:schemeClr val="accent6"/>
+              </a:solidFill>
+              <a:latin typeface="Segoe UI Light" panose="020B0502040204020203" pitchFamily="34" charset="0"/>
+              <a:cs typeface="Segoe UI Light" panose="020B0502040204020203" pitchFamily="34" charset="0"/>
+            </a:rPr>
+            <a:t>2</a:t>
+          </a:r>
+          <a:r>
+            <a:rPr lang="en-AU" sz="1400" b="0" baseline="30000" dirty="0" smtClean="0">
+              <a:solidFill>
+                <a:schemeClr val="accent6"/>
+              </a:solidFill>
+              <a:latin typeface="Segoe UI Light" panose="020B0502040204020203" pitchFamily="34" charset="0"/>
+              <a:cs typeface="Segoe UI Light" panose="020B0502040204020203" pitchFamily="34" charset="0"/>
+            </a:rPr>
+            <a:t>nd</a:t>
+          </a:r>
+          <a:r>
+            <a:rPr lang="en-AU" sz="1400" b="0" dirty="0" smtClean="0">
+              <a:solidFill>
+                <a:schemeClr val="accent6"/>
+              </a:solidFill>
+              <a:latin typeface="Segoe UI Light" panose="020B0502040204020203" pitchFamily="34" charset="0"/>
+              <a:cs typeface="Segoe UI Light" panose="020B0502040204020203" pitchFamily="34" charset="0"/>
+            </a:rPr>
+            <a:t> of May</a:t>
+          </a:r>
+          <a:endParaRPr lang="en-AU" sz="1400" b="0" dirty="0">
+            <a:solidFill>
+              <a:schemeClr val="accent6"/>
+            </a:solidFill>
+            <a:latin typeface="Segoe UI Light" panose="020B0502040204020203" pitchFamily="34" charset="0"/>
+            <a:cs typeface="Segoe UI Light" panose="020B0502040204020203" pitchFamily="34" charset="0"/>
+          </a:endParaRPr>
+        </a:p>
+      </dgm:t>
+    </dgm:pt>
+    <dgm:pt modelId="{F70EDF84-26CC-4C4D-B776-A5C61F0001EB}" type="parTrans" cxnId="{33795D8E-2829-4B01-A6F2-8C54AAE97A24}">
+      <dgm:prSet/>
+      <dgm:spPr/>
+      <dgm:t>
+        <a:bodyPr/>
+        <a:lstStyle/>
+        <a:p>
+          <a:endParaRPr lang="en-AU"/>
+        </a:p>
+      </dgm:t>
+    </dgm:pt>
+    <dgm:pt modelId="{063D8328-086F-403D-A05E-F48EFB380DE1}" type="sibTrans" cxnId="{33795D8E-2829-4B01-A6F2-8C54AAE97A24}">
+      <dgm:prSet/>
+      <dgm:spPr/>
+      <dgm:t>
+        <a:bodyPr/>
+        <a:lstStyle/>
+        <a:p>
+          <a:endParaRPr lang="en-AU"/>
+        </a:p>
+      </dgm:t>
+    </dgm:pt>
+    <dgm:pt modelId="{57F5E970-843F-4BE6-B097-7D70D6BD19E1}">
+      <dgm:prSet phldrT="[Text]" custT="1"/>
+      <dgm:spPr>
+        <a:noFill/>
+      </dgm:spPr>
+      <dgm:t>
+        <a:bodyPr/>
+        <a:lstStyle/>
+        <a:p>
+          <a:r>
+            <a:rPr lang="en-AU" sz="1400" b="0" dirty="0" smtClean="0">
+              <a:solidFill>
+                <a:schemeClr val="accent6"/>
+              </a:solidFill>
+              <a:latin typeface="Segoe UI Light" panose="020B0502040204020203" pitchFamily="34" charset="0"/>
+              <a:cs typeface="Segoe UI Light" panose="020B0502040204020203" pitchFamily="34" charset="0"/>
+            </a:rPr>
+            <a:t>21</a:t>
+          </a:r>
+          <a:r>
+            <a:rPr lang="en-AU" sz="1400" b="0" baseline="30000" dirty="0" smtClean="0">
+              <a:solidFill>
+                <a:schemeClr val="accent6"/>
+              </a:solidFill>
+              <a:latin typeface="Segoe UI Light" panose="020B0502040204020203" pitchFamily="34" charset="0"/>
+              <a:cs typeface="Segoe UI Light" panose="020B0502040204020203" pitchFamily="34" charset="0"/>
+            </a:rPr>
+            <a:t>st</a:t>
+          </a:r>
+          <a:r>
+            <a:rPr lang="en-AU" sz="1400" b="0" dirty="0" smtClean="0">
+              <a:solidFill>
+                <a:schemeClr val="accent6"/>
+              </a:solidFill>
+              <a:latin typeface="Segoe UI Light" panose="020B0502040204020203" pitchFamily="34" charset="0"/>
+              <a:cs typeface="Segoe UI Light" panose="020B0502040204020203" pitchFamily="34" charset="0"/>
+            </a:rPr>
+            <a:t> of June</a:t>
+          </a:r>
+          <a:endParaRPr lang="en-AU" sz="1400" b="0" dirty="0">
+            <a:solidFill>
+              <a:schemeClr val="accent6"/>
+            </a:solidFill>
+            <a:latin typeface="Segoe UI Light" panose="020B0502040204020203" pitchFamily="34" charset="0"/>
+            <a:cs typeface="Segoe UI Light" panose="020B0502040204020203" pitchFamily="34" charset="0"/>
+          </a:endParaRPr>
+        </a:p>
+      </dgm:t>
+    </dgm:pt>
+    <dgm:pt modelId="{E63AEC66-5A46-4B02-BC7D-5E5C7351F312}" type="parTrans" cxnId="{C8716CD3-3786-44F1-9B7F-D4951D20B6C9}">
+      <dgm:prSet/>
+      <dgm:spPr/>
+      <dgm:t>
+        <a:bodyPr/>
+        <a:lstStyle/>
+        <a:p>
+          <a:endParaRPr lang="en-AU"/>
+        </a:p>
+      </dgm:t>
+    </dgm:pt>
+    <dgm:pt modelId="{CDB925EE-9C44-43DF-AA2A-44EF8670425C}" type="sibTrans" cxnId="{C8716CD3-3786-44F1-9B7F-D4951D20B6C9}">
+      <dgm:prSet/>
+      <dgm:spPr/>
+      <dgm:t>
+        <a:bodyPr/>
+        <a:lstStyle/>
+        <a:p>
+          <a:endParaRPr lang="en-AU"/>
+        </a:p>
+      </dgm:t>
+    </dgm:pt>
+    <dgm:pt modelId="{4D20530C-9409-4A54-900F-128B7284F110}">
+      <dgm:prSet phldrT="[Text]" custT="1"/>
+      <dgm:spPr>
+        <a:noFill/>
+      </dgm:spPr>
+      <dgm:t>
+        <a:bodyPr/>
+        <a:lstStyle/>
+        <a:p>
+          <a:r>
+            <a:rPr lang="en-AU" sz="1400" b="0" dirty="0" smtClean="0">
+              <a:solidFill>
+                <a:schemeClr val="accent6"/>
+              </a:solidFill>
+              <a:latin typeface="Segoe UI Light" panose="020B0502040204020203" pitchFamily="34" charset="0"/>
+              <a:cs typeface="Segoe UI Light" panose="020B0502040204020203" pitchFamily="34" charset="0"/>
+            </a:rPr>
+            <a:t>12 weeks of fun!</a:t>
+          </a:r>
+          <a:endParaRPr lang="en-AU" sz="1400" b="0" dirty="0">
+            <a:solidFill>
+              <a:schemeClr val="accent6"/>
+            </a:solidFill>
+            <a:latin typeface="Segoe UI Light" panose="020B0502040204020203" pitchFamily="34" charset="0"/>
+            <a:cs typeface="Segoe UI Light" panose="020B0502040204020203" pitchFamily="34" charset="0"/>
+          </a:endParaRPr>
+        </a:p>
+      </dgm:t>
+    </dgm:pt>
+    <dgm:pt modelId="{73C8E25E-0E2F-401B-B52E-68FABAA69AB7}" type="parTrans" cxnId="{F5BDB295-67FE-4D73-923D-8C1583B32CEA}">
+      <dgm:prSet/>
+      <dgm:spPr/>
+      <dgm:t>
+        <a:bodyPr/>
+        <a:lstStyle/>
+        <a:p>
+          <a:endParaRPr lang="en-AU"/>
+        </a:p>
+      </dgm:t>
+    </dgm:pt>
+    <dgm:pt modelId="{7200F5EE-BA1A-4720-BDEA-F93FA718BD68}" type="sibTrans" cxnId="{F5BDB295-67FE-4D73-923D-8C1583B32CEA}">
+      <dgm:prSet/>
+      <dgm:spPr/>
+      <dgm:t>
+        <a:bodyPr/>
+        <a:lstStyle/>
+        <a:p>
+          <a:endParaRPr lang="en-AU"/>
+        </a:p>
+      </dgm:t>
+    </dgm:pt>
+    <dgm:pt modelId="{123B1FD7-C9DD-4FF8-945F-963ED89DFCF7}" type="pres">
+      <dgm:prSet presAssocID="{7E8894B4-8CF6-4F81-A8AD-CB8DB81F86C3}" presName="Name0" presStyleCnt="0">
+        <dgm:presLayoutVars>
+          <dgm:dir/>
+          <dgm:resizeHandles val="exact"/>
+        </dgm:presLayoutVars>
+      </dgm:prSet>
+      <dgm:spPr/>
+    </dgm:pt>
+    <dgm:pt modelId="{51EF187B-BC47-4573-8950-C48EBB7FBFF7}" type="pres">
+      <dgm:prSet presAssocID="{8AFBFEDB-2A0E-4BC4-AFC2-90190756952E}" presName="parTxOnly" presStyleLbl="node1" presStyleIdx="0" presStyleCnt="3">
+        <dgm:presLayoutVars>
+          <dgm:bulletEnabled val="1"/>
+        </dgm:presLayoutVars>
+      </dgm:prSet>
+      <dgm:spPr/>
+    </dgm:pt>
+    <dgm:pt modelId="{F2D3E699-EF2F-43E5-828B-34E3E2342960}" type="pres">
+      <dgm:prSet presAssocID="{063D8328-086F-403D-A05E-F48EFB380DE1}" presName="parSpace" presStyleCnt="0"/>
+      <dgm:spPr/>
+    </dgm:pt>
+    <dgm:pt modelId="{67DACCAF-686E-4EFD-928D-3FEFD2BF977E}" type="pres">
+      <dgm:prSet presAssocID="{4D20530C-9409-4A54-900F-128B7284F110}" presName="parTxOnly" presStyleLbl="node1" presStyleIdx="1" presStyleCnt="3">
+        <dgm:presLayoutVars>
+          <dgm:bulletEnabled val="1"/>
+        </dgm:presLayoutVars>
+      </dgm:prSet>
+      <dgm:spPr/>
+    </dgm:pt>
+    <dgm:pt modelId="{6E278453-215D-4B5A-89F1-22AE90B08038}" type="pres">
+      <dgm:prSet presAssocID="{7200F5EE-BA1A-4720-BDEA-F93FA718BD68}" presName="parSpace" presStyleCnt="0"/>
+      <dgm:spPr/>
+    </dgm:pt>
+    <dgm:pt modelId="{6CE08CDA-7F5C-4FE7-BDF0-C3EB5E13D646}" type="pres">
+      <dgm:prSet presAssocID="{57F5E970-843F-4BE6-B097-7D70D6BD19E1}" presName="parTxOnly" presStyleLbl="node1" presStyleIdx="2" presStyleCnt="3">
+        <dgm:presLayoutVars>
+          <dgm:bulletEnabled val="1"/>
+        </dgm:presLayoutVars>
+      </dgm:prSet>
+      <dgm:spPr/>
+    </dgm:pt>
+  </dgm:ptLst>
+  <dgm:cxnLst>
+    <dgm:cxn modelId="{C998B63D-F243-4579-809A-9C122299D01C}" type="presOf" srcId="{7E8894B4-8CF6-4F81-A8AD-CB8DB81F86C3}" destId="{123B1FD7-C9DD-4FF8-945F-963ED89DFCF7}" srcOrd="0" destOrd="0" presId="urn:microsoft.com/office/officeart/2005/8/layout/hChevron3"/>
+    <dgm:cxn modelId="{C8716CD3-3786-44F1-9B7F-D4951D20B6C9}" srcId="{7E8894B4-8CF6-4F81-A8AD-CB8DB81F86C3}" destId="{57F5E970-843F-4BE6-B097-7D70D6BD19E1}" srcOrd="2" destOrd="0" parTransId="{E63AEC66-5A46-4B02-BC7D-5E5C7351F312}" sibTransId="{CDB925EE-9C44-43DF-AA2A-44EF8670425C}"/>
+    <dgm:cxn modelId="{4805819B-27ED-4BA1-914A-D3F6662700A4}" type="presOf" srcId="{57F5E970-843F-4BE6-B097-7D70D6BD19E1}" destId="{6CE08CDA-7F5C-4FE7-BDF0-C3EB5E13D646}" srcOrd="0" destOrd="0" presId="urn:microsoft.com/office/officeart/2005/8/layout/hChevron3"/>
+    <dgm:cxn modelId="{55BCDD3A-7CBE-4183-8AA9-CB26AF5DF22A}" type="presOf" srcId="{4D20530C-9409-4A54-900F-128B7284F110}" destId="{67DACCAF-686E-4EFD-928D-3FEFD2BF977E}" srcOrd="0" destOrd="0" presId="urn:microsoft.com/office/officeart/2005/8/layout/hChevron3"/>
+    <dgm:cxn modelId="{F5BDB295-67FE-4D73-923D-8C1583B32CEA}" srcId="{7E8894B4-8CF6-4F81-A8AD-CB8DB81F86C3}" destId="{4D20530C-9409-4A54-900F-128B7284F110}" srcOrd="1" destOrd="0" parTransId="{73C8E25E-0E2F-401B-B52E-68FABAA69AB7}" sibTransId="{7200F5EE-BA1A-4720-BDEA-F93FA718BD68}"/>
+    <dgm:cxn modelId="{86DF8A61-7C7E-4432-84A1-B30EF13EF83E}" type="presOf" srcId="{8AFBFEDB-2A0E-4BC4-AFC2-90190756952E}" destId="{51EF187B-BC47-4573-8950-C48EBB7FBFF7}" srcOrd="0" destOrd="0" presId="urn:microsoft.com/office/officeart/2005/8/layout/hChevron3"/>
+    <dgm:cxn modelId="{33795D8E-2829-4B01-A6F2-8C54AAE97A24}" srcId="{7E8894B4-8CF6-4F81-A8AD-CB8DB81F86C3}" destId="{8AFBFEDB-2A0E-4BC4-AFC2-90190756952E}" srcOrd="0" destOrd="0" parTransId="{F70EDF84-26CC-4C4D-B776-A5C61F0001EB}" sibTransId="{063D8328-086F-403D-A05E-F48EFB380DE1}"/>
+    <dgm:cxn modelId="{7CCD7AA2-670C-4F3F-9424-E05D1288288F}" type="presParOf" srcId="{123B1FD7-C9DD-4FF8-945F-963ED89DFCF7}" destId="{51EF187B-BC47-4573-8950-C48EBB7FBFF7}" srcOrd="0" destOrd="0" presId="urn:microsoft.com/office/officeart/2005/8/layout/hChevron3"/>
+    <dgm:cxn modelId="{C12BFB5A-BD11-43DC-AF43-83FBFE44102C}" type="presParOf" srcId="{123B1FD7-C9DD-4FF8-945F-963ED89DFCF7}" destId="{F2D3E699-EF2F-43E5-828B-34E3E2342960}" srcOrd="1" destOrd="0" presId="urn:microsoft.com/office/officeart/2005/8/layout/hChevron3"/>
+    <dgm:cxn modelId="{EA0E78D0-41AC-4421-B5D3-25E12BFB6DE4}" type="presParOf" srcId="{123B1FD7-C9DD-4FF8-945F-963ED89DFCF7}" destId="{67DACCAF-686E-4EFD-928D-3FEFD2BF977E}" srcOrd="2" destOrd="0" presId="urn:microsoft.com/office/officeart/2005/8/layout/hChevron3"/>
+    <dgm:cxn modelId="{07EB7A3B-6DDB-4300-8505-0C7A30CF0DC3}" type="presParOf" srcId="{123B1FD7-C9DD-4FF8-945F-963ED89DFCF7}" destId="{6E278453-215D-4B5A-89F1-22AE90B08038}" srcOrd="3" destOrd="0" presId="urn:microsoft.com/office/officeart/2005/8/layout/hChevron3"/>
+    <dgm:cxn modelId="{500F5452-5B4D-4F3E-8EF2-D35ACC994DCA}" type="presParOf" srcId="{123B1FD7-C9DD-4FF8-945F-963ED89DFCF7}" destId="{6CE08CDA-7F5C-4FE7-BDF0-C3EB5E13D646}" srcOrd="4" destOrd="0" presId="urn:microsoft.com/office/officeart/2005/8/layout/hChevron3"/>
+  </dgm:cxnLst>
+  <dgm:bg/>
+  <dgm:whole/>
+  <dgm:extLst>
+    <a:ext uri="http://schemas.microsoft.com/office/drawing/2008/diagram">
+      <dsp:dataModelExt xmlns:dsp="http://schemas.microsoft.com/office/drawing/2008/diagram" relId="rId9" minVer="http://schemas.openxmlformats.org/drawingml/2006/diagram"/>
+    </a:ext>
+  </dgm:extLst>
+</dgm:dataModel>
+</file>
+
+<file path=ppt/diagrams/drawing1.xml><?xml version="1.0" encoding="utf-8"?>
+<dsp:drawing xmlns:dgm="http://schemas.openxmlformats.org/drawingml/2006/diagram" xmlns:dsp="http://schemas.microsoft.com/office/drawing/2008/diagram" xmlns:a="http://schemas.openxmlformats.org/drawingml/2006/main">
+  <dsp:spTree>
+    <dsp:nvGrpSpPr>
+      <dsp:cNvPr id="0" name=""/>
+      <dsp:cNvGrpSpPr/>
+    </dsp:nvGrpSpPr>
+    <dsp:grpSpPr/>
+    <dsp:sp modelId="{51EF187B-BC47-4573-8950-C48EBB7FBFF7}">
+      <dsp:nvSpPr>
+        <dsp:cNvPr id="0" name=""/>
+        <dsp:cNvSpPr/>
+      </dsp:nvSpPr>
+      <dsp:spPr>
+        <a:xfrm>
+          <a:off x="1790" y="1338576"/>
+          <a:ext cx="1565607" cy="626243"/>
+        </a:xfrm>
+        <a:prstGeom prst="homePlate">
+          <a:avLst/>
+        </a:prstGeom>
+        <a:noFill/>
+        <a:ln w="15875" cap="flat" cmpd="sng" algn="ctr">
+          <a:solidFill>
+            <a:schemeClr val="accent2">
+              <a:shade val="80000"/>
+              <a:hueOff val="0"/>
+              <a:satOff val="0"/>
+              <a:lumOff val="0"/>
+              <a:alphaOff val="0"/>
+            </a:schemeClr>
+          </a:solidFill>
+          <a:prstDash val="solid"/>
+        </a:ln>
+        <a:effectLst/>
+      </dsp:spPr>
+      <dsp:style>
+        <a:lnRef idx="2">
+          <a:scrgbClr r="0" g="0" b="0"/>
+        </a:lnRef>
+        <a:fillRef idx="1">
+          <a:scrgbClr r="0" g="0" b="0"/>
+        </a:fillRef>
+        <a:effectRef idx="0">
+          <a:scrgbClr r="0" g="0" b="0"/>
+        </a:effectRef>
+        <a:fontRef idx="minor">
+          <a:schemeClr val="lt1"/>
+        </a:fontRef>
+      </dsp:style>
+      <dsp:txBody>
+        <a:bodyPr spcFirstLastPara="0" vert="horz" wrap="square" lIns="74676" tIns="37338" rIns="18669" bIns="37338" numCol="1" spcCol="1270" anchor="ctr" anchorCtr="0">
+          <a:noAutofit/>
+        </a:bodyPr>
+        <a:lstStyle/>
+        <a:p>
+          <a:pPr lvl="0" algn="ctr" defTabSz="622300">
+            <a:lnSpc>
+              <a:spcPct val="90000"/>
+            </a:lnSpc>
+            <a:spcBef>
+              <a:spcPct val="0"/>
+            </a:spcBef>
+            <a:spcAft>
+              <a:spcPct val="35000"/>
+            </a:spcAft>
+          </a:pPr>
+          <a:r>
+            <a:rPr lang="en-AU" sz="1400" b="0" kern="1200" dirty="0" smtClean="0">
+              <a:solidFill>
+                <a:schemeClr val="accent6"/>
+              </a:solidFill>
+              <a:latin typeface="Segoe UI Light" panose="020B0502040204020203" pitchFamily="34" charset="0"/>
+              <a:cs typeface="Segoe UI Light" panose="020B0502040204020203" pitchFamily="34" charset="0"/>
+            </a:rPr>
+            <a:t>2</a:t>
+          </a:r>
+          <a:r>
+            <a:rPr lang="en-AU" sz="1400" b="0" kern="1200" baseline="30000" dirty="0" smtClean="0">
+              <a:solidFill>
+                <a:schemeClr val="accent6"/>
+              </a:solidFill>
+              <a:latin typeface="Segoe UI Light" panose="020B0502040204020203" pitchFamily="34" charset="0"/>
+              <a:cs typeface="Segoe UI Light" panose="020B0502040204020203" pitchFamily="34" charset="0"/>
+            </a:rPr>
+            <a:t>nd</a:t>
+          </a:r>
+          <a:r>
+            <a:rPr lang="en-AU" sz="1400" b="0" kern="1200" dirty="0" smtClean="0">
+              <a:solidFill>
+                <a:schemeClr val="accent6"/>
+              </a:solidFill>
+              <a:latin typeface="Segoe UI Light" panose="020B0502040204020203" pitchFamily="34" charset="0"/>
+              <a:cs typeface="Segoe UI Light" panose="020B0502040204020203" pitchFamily="34" charset="0"/>
+            </a:rPr>
+            <a:t> of May</a:t>
+          </a:r>
+          <a:endParaRPr lang="en-AU" sz="1400" b="0" kern="1200" dirty="0">
+            <a:solidFill>
+              <a:schemeClr val="accent6"/>
+            </a:solidFill>
+            <a:latin typeface="Segoe UI Light" panose="020B0502040204020203" pitchFamily="34" charset="0"/>
+            <a:cs typeface="Segoe UI Light" panose="020B0502040204020203" pitchFamily="34" charset="0"/>
+          </a:endParaRPr>
+        </a:p>
+      </dsp:txBody>
+      <dsp:txXfrm>
+        <a:off x="1790" y="1338576"/>
+        <a:ext cx="1409046" cy="626243"/>
+      </dsp:txXfrm>
+    </dsp:sp>
+    <dsp:sp modelId="{67DACCAF-686E-4EFD-928D-3FEFD2BF977E}">
+      <dsp:nvSpPr>
+        <dsp:cNvPr id="0" name=""/>
+        <dsp:cNvSpPr/>
+      </dsp:nvSpPr>
+      <dsp:spPr>
+        <a:xfrm>
+          <a:off x="1254276" y="1338576"/>
+          <a:ext cx="1565607" cy="626243"/>
+        </a:xfrm>
+        <a:prstGeom prst="chevron">
+          <a:avLst/>
+        </a:prstGeom>
+        <a:noFill/>
+        <a:ln w="15875" cap="flat" cmpd="sng" algn="ctr">
+          <a:solidFill>
+            <a:schemeClr val="accent2">
+              <a:shade val="80000"/>
+              <a:hueOff val="0"/>
+              <a:satOff val="0"/>
+              <a:lumOff val="0"/>
+              <a:alphaOff val="0"/>
+            </a:schemeClr>
+          </a:solidFill>
+          <a:prstDash val="solid"/>
+        </a:ln>
+        <a:effectLst/>
+      </dsp:spPr>
+      <dsp:style>
+        <a:lnRef idx="2">
+          <a:scrgbClr r="0" g="0" b="0"/>
+        </a:lnRef>
+        <a:fillRef idx="1">
+          <a:scrgbClr r="0" g="0" b="0"/>
+        </a:fillRef>
+        <a:effectRef idx="0">
+          <a:scrgbClr r="0" g="0" b="0"/>
+        </a:effectRef>
+        <a:fontRef idx="minor">
+          <a:schemeClr val="lt1"/>
+        </a:fontRef>
+      </dsp:style>
+      <dsp:txBody>
+        <a:bodyPr spcFirstLastPara="0" vert="horz" wrap="square" lIns="56007" tIns="37338" rIns="18669" bIns="37338" numCol="1" spcCol="1270" anchor="ctr" anchorCtr="0">
+          <a:noAutofit/>
+        </a:bodyPr>
+        <a:lstStyle/>
+        <a:p>
+          <a:pPr lvl="0" algn="ctr" defTabSz="622300">
+            <a:lnSpc>
+              <a:spcPct val="90000"/>
+            </a:lnSpc>
+            <a:spcBef>
+              <a:spcPct val="0"/>
+            </a:spcBef>
+            <a:spcAft>
+              <a:spcPct val="35000"/>
+            </a:spcAft>
+          </a:pPr>
+          <a:r>
+            <a:rPr lang="en-AU" sz="1400" b="0" kern="1200" dirty="0" smtClean="0">
+              <a:solidFill>
+                <a:schemeClr val="accent6"/>
+              </a:solidFill>
+              <a:latin typeface="Segoe UI Light" panose="020B0502040204020203" pitchFamily="34" charset="0"/>
+              <a:cs typeface="Segoe UI Light" panose="020B0502040204020203" pitchFamily="34" charset="0"/>
+            </a:rPr>
+            <a:t>12 weeks of fun!</a:t>
+          </a:r>
+          <a:endParaRPr lang="en-AU" sz="1400" b="0" kern="1200" dirty="0">
+            <a:solidFill>
+              <a:schemeClr val="accent6"/>
+            </a:solidFill>
+            <a:latin typeface="Segoe UI Light" panose="020B0502040204020203" pitchFamily="34" charset="0"/>
+            <a:cs typeface="Segoe UI Light" panose="020B0502040204020203" pitchFamily="34" charset="0"/>
+          </a:endParaRPr>
+        </a:p>
+      </dsp:txBody>
+      <dsp:txXfrm>
+        <a:off x="1567398" y="1338576"/>
+        <a:ext cx="939364" cy="626243"/>
+      </dsp:txXfrm>
+    </dsp:sp>
+    <dsp:sp modelId="{6CE08CDA-7F5C-4FE7-BDF0-C3EB5E13D646}">
+      <dsp:nvSpPr>
+        <dsp:cNvPr id="0" name=""/>
+        <dsp:cNvSpPr/>
+      </dsp:nvSpPr>
+      <dsp:spPr>
+        <a:xfrm>
+          <a:off x="2506762" y="1338576"/>
+          <a:ext cx="1565607" cy="626243"/>
+        </a:xfrm>
+        <a:prstGeom prst="chevron">
+          <a:avLst/>
+        </a:prstGeom>
+        <a:noFill/>
+        <a:ln w="15875" cap="flat" cmpd="sng" algn="ctr">
+          <a:solidFill>
+            <a:schemeClr val="accent2">
+              <a:shade val="80000"/>
+              <a:hueOff val="0"/>
+              <a:satOff val="0"/>
+              <a:lumOff val="0"/>
+              <a:alphaOff val="0"/>
+            </a:schemeClr>
+          </a:solidFill>
+          <a:prstDash val="solid"/>
+        </a:ln>
+        <a:effectLst/>
+      </dsp:spPr>
+      <dsp:style>
+        <a:lnRef idx="2">
+          <a:scrgbClr r="0" g="0" b="0"/>
+        </a:lnRef>
+        <a:fillRef idx="1">
+          <a:scrgbClr r="0" g="0" b="0"/>
+        </a:fillRef>
+        <a:effectRef idx="0">
+          <a:scrgbClr r="0" g="0" b="0"/>
+        </a:effectRef>
+        <a:fontRef idx="minor">
+          <a:schemeClr val="lt1"/>
+        </a:fontRef>
+      </dsp:style>
+      <dsp:txBody>
+        <a:bodyPr spcFirstLastPara="0" vert="horz" wrap="square" lIns="56007" tIns="37338" rIns="18669" bIns="37338" numCol="1" spcCol="1270" anchor="ctr" anchorCtr="0">
+          <a:noAutofit/>
+        </a:bodyPr>
+        <a:lstStyle/>
+        <a:p>
+          <a:pPr lvl="0" algn="ctr" defTabSz="622300">
+            <a:lnSpc>
+              <a:spcPct val="90000"/>
+            </a:lnSpc>
+            <a:spcBef>
+              <a:spcPct val="0"/>
+            </a:spcBef>
+            <a:spcAft>
+              <a:spcPct val="35000"/>
+            </a:spcAft>
+          </a:pPr>
+          <a:r>
+            <a:rPr lang="en-AU" sz="1400" b="0" kern="1200" dirty="0" smtClean="0">
+              <a:solidFill>
+                <a:schemeClr val="accent6"/>
+              </a:solidFill>
+              <a:latin typeface="Segoe UI Light" panose="020B0502040204020203" pitchFamily="34" charset="0"/>
+              <a:cs typeface="Segoe UI Light" panose="020B0502040204020203" pitchFamily="34" charset="0"/>
+            </a:rPr>
+            <a:t>21</a:t>
+          </a:r>
+          <a:r>
+            <a:rPr lang="en-AU" sz="1400" b="0" kern="1200" baseline="30000" dirty="0" smtClean="0">
+              <a:solidFill>
+                <a:schemeClr val="accent6"/>
+              </a:solidFill>
+              <a:latin typeface="Segoe UI Light" panose="020B0502040204020203" pitchFamily="34" charset="0"/>
+              <a:cs typeface="Segoe UI Light" panose="020B0502040204020203" pitchFamily="34" charset="0"/>
+            </a:rPr>
+            <a:t>st</a:t>
+          </a:r>
+          <a:r>
+            <a:rPr lang="en-AU" sz="1400" b="0" kern="1200" dirty="0" smtClean="0">
+              <a:solidFill>
+                <a:schemeClr val="accent6"/>
+              </a:solidFill>
+              <a:latin typeface="Segoe UI Light" panose="020B0502040204020203" pitchFamily="34" charset="0"/>
+              <a:cs typeface="Segoe UI Light" panose="020B0502040204020203" pitchFamily="34" charset="0"/>
+            </a:rPr>
+            <a:t> of June</a:t>
+          </a:r>
+          <a:endParaRPr lang="en-AU" sz="1400" b="0" kern="1200" dirty="0">
+            <a:solidFill>
+              <a:schemeClr val="accent6"/>
+            </a:solidFill>
+            <a:latin typeface="Segoe UI Light" panose="020B0502040204020203" pitchFamily="34" charset="0"/>
+            <a:cs typeface="Segoe UI Light" panose="020B0502040204020203" pitchFamily="34" charset="0"/>
+          </a:endParaRPr>
+        </a:p>
+      </dsp:txBody>
+      <dsp:txXfrm>
+        <a:off x="2819884" y="1338576"/>
+        <a:ext cx="939364" cy="626243"/>
+      </dsp:txXfrm>
+    </dsp:sp>
+  </dsp:spTree>
+</dsp:drawing>
+</file>
+
+<file path=ppt/diagrams/layout1.xml><?xml version="1.0" encoding="utf-8"?>
+<dgm:layoutDef xmlns:dgm="http://schemas.openxmlformats.org/drawingml/2006/diagram" xmlns:a="http://schemas.openxmlformats.org/drawingml/2006/main" uniqueId="urn:microsoft.com/office/officeart/2005/8/layout/hChevron3">
+  <dgm:title val=""/>
+  <dgm:desc val=""/>
+  <dgm:catLst>
+    <dgm:cat type="process" pri="10000"/>
+  </dgm:catLst>
+  <dgm:sampData useDef="1">
+    <dgm:dataModel>
+      <dgm:ptLst/>
+      <dgm:bg/>
+      <dgm:whole/>
+    </dgm:dataModel>
+  </dgm:sampData>
+  <dgm:styleData>
+    <dgm:dataModel>
+      <dgm:ptLst>
+        <dgm:pt modelId="0" type="doc"/>
+        <dgm:pt modelId="1"/>
+        <dgm:pt modelId="2"/>
+      </dgm:ptLst>
+      <dgm:cxnLst>
+        <dgm:cxn modelId="3" srcId="0" destId="1" srcOrd="0" destOrd="0"/>
+        <dgm:cxn modelId="4" srcId="0" destId="2" srcOrd="1" destOrd="0"/>
+      </dgm:cxnLst>
+      <dgm:bg/>
+      <dgm:whole/>
+    </dgm:dataModel>
+  </dgm:styleData>
+  <dgm:clrData>
+    <dgm:dataModel>
+      <dgm:ptLst>
+        <dgm:pt modelId="0" type="doc"/>
+        <dgm:pt modelId="1"/>
+        <dgm:pt modelId="2"/>
+        <dgm:pt modelId="3"/>
+        <dgm:pt modelId="4"/>
+      </dgm:ptLst>
+      <dgm:cxnLst>
+        <dgm:cxn modelId="5" srcId="0" destId="1" srcOrd="0" destOrd="0"/>
+        <dgm:cxn modelId="6" srcId="0" destId="2" srcOrd="1" destOrd="0"/>
+        <dgm:cxn modelId="7" srcId="0" destId="3" srcOrd="2" destOrd="0"/>
+        <dgm:cxn modelId="8" srcId="0" destId="4" srcOrd="3" destOrd="0"/>
+      </dgm:cxnLst>
+      <dgm:bg/>
+      <dgm:whole/>
+    </dgm:dataModel>
+  </dgm:clrData>
+  <dgm:layoutNode name="Name0">
+    <dgm:varLst>
+      <dgm:dir/>
+      <dgm:resizeHandles val="exact"/>
+    </dgm:varLst>
+    <dgm:choose name="Name1">
+      <dgm:if name="Name2" func="var" arg="dir" op="equ" val="norm">
+        <dgm:alg type="lin"/>
+      </dgm:if>
+      <dgm:else name="Name3">
+        <dgm:alg type="lin">
+          <dgm:param type="linDir" val="fromR"/>
+        </dgm:alg>
+      </dgm:else>
+    </dgm:choose>
+    <dgm:shape xmlns:r="http://schemas.openxmlformats.org/officeDocument/2006/relationships" r:blip="">
+      <dgm:adjLst/>
+    </dgm:shape>
+    <dgm:presOf/>
+    <dgm:choose name="Name4">
+      <dgm:if name="Name5" axis="root des" func="maxDepth" op="gte" val="2">
+        <dgm:constrLst>
+          <dgm:constr type="w" for="ch" forName="parAndChTx" refType="w"/>
+          <dgm:constr type="primFontSz" for="ch" ptType="node" op="equ"/>
+          <dgm:constr type="w" for="ch" forName="parAndChSpace" refType="w" refFor="ch" refForName="parAndChTx" fact="-0.2"/>
+          <dgm:constr type="w" for="ch" ptType="sibTrans" op="equ"/>
+        </dgm:constrLst>
+        <dgm:ruleLst/>
+        <dgm:forEach name="Name6" axis="ch" ptType="node">
+          <dgm:layoutNode name="parAndChTx">
+            <dgm:varLst>
+              <dgm:bulletEnabled val="1"/>
+            </dgm:varLst>
+            <dgm:alg type="tx"/>
+            <dgm:choose name="Name7">
+              <dgm:if name="Name8" func="var" arg="dir" op="equ" val="norm">
+                <dgm:choose name="Name9">
+                  <dgm:if name="Name10" axis="self" ptType="node" func="pos" op="equ" val="1">
+                    <dgm:shape xmlns:r="http://schemas.openxmlformats.org/officeDocument/2006/relationships" type="homePlate" r:blip="">
+                      <dgm:adjLst>
+                        <dgm:adj idx="1" val="0.25"/>
+                      </dgm:adjLst>
+                    </dgm:shape>
+                    <dgm:presOf axis="desOrSelf" ptType="node"/>
+                    <dgm:constrLst>
+                      <dgm:constr type="h" refType="w" op="equ" fact="0.8"/>
+                      <dgm:constr type="primFontSz" val="65"/>
+                      <dgm:constr type="tMarg" refType="primFontSz" fact="0.2"/>
+                      <dgm:constr type="bMarg" refType="primFontSz" fact="0.2"/>
+                      <dgm:constr type="lMarg" refType="w" fact="0.1"/>
+                      <dgm:constr type="rMarg" refType="w" fact="0.4"/>
+                    </dgm:constrLst>
+                  </dgm:if>
+                  <dgm:else name="Name11">
+                    <dgm:shape xmlns:r="http://schemas.openxmlformats.org/officeDocument/2006/relationships" type="chevron" r:blip="">
+                      <dgm:adjLst>
+                        <dgm:adj idx="1" val="0.25"/>
+                      </dgm:adjLst>
+                    </dgm:shape>
+                    <dgm:presOf axis="desOrSelf" ptType="node"/>
+                    <dgm:constrLst>
+                      <dgm:constr type="h" refType="w" op="equ" fact="0.8"/>
+                      <dgm:constr type="primFontSz" val="65"/>
+                      <dgm:constr type="tMarg" refType="primFontSz" fact="0.2"/>
+                      <dgm:constr type="bMarg" refType="primFontSz" fact="0.2"/>
+                      <dgm:constr type="lMarg" refType="w" fact="0.1"/>
+                      <dgm:constr type="rMarg" refType="w" fact="0.1"/>
+                    </dgm:constrLst>
+                  </dgm:else>
+                </dgm:choose>
+              </dgm:if>
+              <dgm:else name="Name12">
+                <dgm:choose name="Name13">
+                  <dgm:if name="Name14" axis="self" ptType="node" func="pos" op="equ" val="1">
+                    <dgm:shape xmlns:r="http://schemas.openxmlformats.org/officeDocument/2006/relationships" rot="180" type="homePlate" r:blip="">
+                      <dgm:adjLst>
+                        <dgm:adj idx="1" val="0.25"/>
+                      </dgm:adjLst>
+                    </dgm:shape>
+                    <dgm:presOf axis="desOrSelf" ptType="node"/>
+                    <dgm:constrLst>
+                      <dgm:constr type="h" refType="w" op="equ" fact="0.8"/>
+                      <dgm:constr type="primFontSz" val="65"/>
+                      <dgm:constr type="tMarg" refType="primFontSz" fact="0.2"/>
+                      <dgm:constr type="bMarg" refType="primFontSz" fact="0.2"/>
+                      <dgm:constr type="lMarg" refType="w" fact="0.4"/>
+                      <dgm:constr type="rMarg" refType="w" fact="0.1"/>
+                    </dgm:constrLst>
+                  </dgm:if>
+                  <dgm:else name="Name15">
+                    <dgm:shape xmlns:r="http://schemas.openxmlformats.org/officeDocument/2006/relationships" rot="180" type="chevron" r:blip="">
+                      <dgm:adjLst>
+                        <dgm:adj idx="1" val="0.25"/>
+                      </dgm:adjLst>
+                    </dgm:shape>
+                    <dgm:presOf axis="desOrSelf" ptType="node"/>
+                    <dgm:constrLst>
+                      <dgm:constr type="h" refType="w" op="equ" fact="0.8"/>
+                      <dgm:constr type="primFontSz" val="65"/>
+                      <dgm:constr type="tMarg" refType="primFontSz" fact="0.2"/>
+                      <dgm:constr type="bMarg" refType="primFontSz" fact="0.2"/>
+                      <dgm:constr type="lMarg" refType="w" fact="0.1"/>
+                      <dgm:constr type="rMarg" refType="w" fact="0.1"/>
+                    </dgm:constrLst>
+                  </dgm:else>
+                </dgm:choose>
+              </dgm:else>
+            </dgm:choose>
+            <dgm:ruleLst>
+              <dgm:rule type="primFontSz" val="5" fact="NaN" max="NaN"/>
+            </dgm:ruleLst>
+          </dgm:layoutNode>
+          <dgm:forEach name="Name16" axis="followSib" ptType="sibTrans" cnt="1">
+            <dgm:layoutNode name="parAndChSpace">
+              <dgm:alg type="sp"/>
+              <dgm:shape xmlns:r="http://schemas.openxmlformats.org/officeDocument/2006/relationships" r:blip="">
+                <dgm:adjLst/>
+              </dgm:shape>
+              <dgm:presOf/>
+              <dgm:constrLst/>
+              <dgm:ruleLst/>
+            </dgm:layoutNode>
+          </dgm:forEach>
+        </dgm:forEach>
+      </dgm:if>
+      <dgm:else name="Name17">
+        <dgm:constrLst>
+          <dgm:constr type="w" for="ch" forName="parTxOnly" refType="w"/>
+          <dgm:constr type="primFontSz" for="ch" ptType="node" op="equ"/>
+          <dgm:constr type="w" for="ch" forName="parSpace" refType="w" refFor="ch" refForName="parTxOnly" fact="-0.2"/>
+          <dgm:constr type="w" for="ch" ptType="sibTrans" op="equ"/>
+        </dgm:constrLst>
+        <dgm:ruleLst/>
+        <dgm:forEach name="Name18" axis="ch" ptType="node">
+          <dgm:layoutNode name="parTxOnly">
+            <dgm:varLst>
+              <dgm:bulletEnabled val="1"/>
+            </dgm:varLst>
+            <dgm:alg type="tx"/>
+            <dgm:presOf axis="desOrSelf" ptType="node"/>
+            <dgm:choose name="Name19">
+              <dgm:if name="Name20" func="var" arg="dir" op="equ" val="norm">
+                <dgm:choose name="Name21">
+                  <dgm:if name="Name22" axis="self" ptType="node" func="pos" op="equ" val="1">
+                    <dgm:shape xmlns:r="http://schemas.openxmlformats.org/officeDocument/2006/relationships" type="homePlate" r:blip="">
+                      <dgm:adjLst/>
+                    </dgm:shape>
+                    <dgm:constrLst>
+                      <dgm:constr type="h" refType="w" op="equ" fact="0.4"/>
+                      <dgm:constr type="primFontSz" val="65"/>
+                      <dgm:constr type="tMarg" refType="primFontSz" fact="0.21"/>
+                      <dgm:constr type="bMarg" refType="primFontSz" fact="0.21"/>
+                      <dgm:constr type="lMarg" refType="primFontSz" fact="0.42"/>
+                      <dgm:constr type="rMarg" refType="primFontSz" fact="0.105"/>
+                    </dgm:constrLst>
+                  </dgm:if>
+                  <dgm:else name="Name23">
+                    <dgm:shape xmlns:r="http://schemas.openxmlformats.org/officeDocument/2006/relationships" type="chevron" r:blip="">
+                      <dgm:adjLst/>
+                    </dgm:shape>
+                    <dgm:constrLst>
+                      <dgm:constr type="h" refType="w" op="equ" fact="0.4"/>
+                      <dgm:constr type="primFontSz" val="65"/>
+                      <dgm:constr type="tMarg" refType="primFontSz" fact="0.21"/>
+                      <dgm:constr type="bMarg" refType="primFontSz" fact="0.21"/>
+                      <dgm:constr type="lMarg" refType="primFontSz" fact="0.315"/>
+                      <dgm:constr type="rMarg" refType="primFontSz" fact="0.105"/>
+                    </dgm:constrLst>
+                  </dgm:else>
+                </dgm:choose>
+              </dgm:if>
+              <dgm:else name="Name24">
+                <dgm:choose name="Name25">
+                  <dgm:if name="Name26" axis="self" ptType="node" func="pos" op="equ" val="1">
+                    <dgm:shape xmlns:r="http://schemas.openxmlformats.org/officeDocument/2006/relationships" rot="180" type="homePlate" r:blip="">
+                      <dgm:adjLst/>
+                    </dgm:shape>
+                    <dgm:constrLst>
+                      <dgm:constr type="h" refType="w" op="equ" fact="0.4"/>
+                      <dgm:constr type="primFontSz" val="65"/>
+                      <dgm:constr type="tMarg" refType="primFontSz" fact="0.21"/>
+                      <dgm:constr type="bMarg" refType="primFontSz" fact="0.21"/>
+                      <dgm:constr type="lMarg" refType="primFontSz" fact="0.105"/>
+                      <dgm:constr type="rMarg" refType="primFontSz" fact="0.42"/>
+                    </dgm:constrLst>
+                  </dgm:if>
+                  <dgm:else name="Name27">
+                    <dgm:shape xmlns:r="http://schemas.openxmlformats.org/officeDocument/2006/relationships" rot="180" type="chevron" r:blip="">
+                      <dgm:adjLst/>
+                    </dgm:shape>
+                    <dgm:constrLst>
+                      <dgm:constr type="h" refType="w" op="equ" fact="0.4"/>
+                      <dgm:constr type="primFontSz" val="65"/>
+                      <dgm:constr type="tMarg" refType="primFontSz" fact="0.21"/>
+                      <dgm:constr type="bMarg" refType="primFontSz" fact="0.21"/>
+                      <dgm:constr type="lMarg" refType="primFontSz" fact="0.105"/>
+                      <dgm:constr type="rMarg" refType="primFontSz" fact="0.315"/>
+                    </dgm:constrLst>
+                  </dgm:else>
+                </dgm:choose>
+              </dgm:else>
+            </dgm:choose>
+            <dgm:ruleLst>
+              <dgm:rule type="primFontSz" val="5" fact="NaN" max="NaN"/>
+            </dgm:ruleLst>
+          </dgm:layoutNode>
+          <dgm:forEach name="Name28" axis="followSib" ptType="sibTrans" cnt="1">
+            <dgm:layoutNode name="parSpace">
+              <dgm:alg type="sp"/>
+              <dgm:shape xmlns:r="http://schemas.openxmlformats.org/officeDocument/2006/relationships" r:blip="">
+                <dgm:adjLst/>
+              </dgm:shape>
+              <dgm:presOf/>
+              <dgm:constrLst/>
+              <dgm:ruleLst/>
+            </dgm:layoutNode>
+          </dgm:forEach>
+        </dgm:forEach>
+      </dgm:else>
+    </dgm:choose>
+  </dgm:layoutNode>
+</dgm:layoutDef>
+</file>
+
+<file path=ppt/diagrams/quickStyle1.xml><?xml version="1.0" encoding="utf-8"?>
+<dgm:styleDef xmlns:dgm="http://schemas.openxmlformats.org/drawingml/2006/diagram" xmlns:a="http://schemas.openxmlformats.org/drawingml/2006/main" uniqueId="urn:microsoft.com/office/officeart/2005/8/quickstyle/simple1">
+  <dgm:title val=""/>
+  <dgm:desc val=""/>
+  <dgm:catLst>
+    <dgm:cat type="simple" pri="10100"/>
+  </dgm:catLst>
+  <dgm:scene3d>
+    <a:camera prst="orthographicFront"/>
+    <a:lightRig rig="threePt" dir="t"/>
+  </dgm:scene3d>
+  <dgm:styleLbl name="node0">
+    <dgm:scene3d>
+      <a:camera prst="orthographicFront"/>
+      <a:lightRig rig="threePt" dir="t"/>
+    </dgm:scene3d>
+    <dgm:sp3d/>
+    <dgm:txPr/>
+    <dgm:style>
+      <a:lnRef idx="2">
+        <a:scrgbClr r="0" g="0" b="0"/>
+      </a:lnRef>
+      <a:fillRef idx="1">
+        <a:scrgbClr r="0" g="0" b="0"/>
+      </a:fillRef>
+      <a:effectRef idx="0">
+        <a:scrgbClr r="0" g="0" b="0"/>
+      </a:effectRef>
+      <a:fontRef idx="minor">
+        <a:schemeClr val="lt1"/>
+      </a:fontRef>
+    </dgm:style>
+  </dgm:styleLbl>
+  <dgm:styleLbl name="lnNode1">
+    <dgm:scene3d>
+      <a:camera prst="orthographicFront"/>
+      <a:lightRig rig="threePt" dir="t"/>
+    </dgm:scene3d>
+    <dgm:sp3d/>
+    <dgm:txPr/>
+    <dgm:style>
+      <a:lnRef idx="2">
+        <a:scrgbClr r="0" g="0" b="0"/>
+      </a:lnRef>
+      <a:fillRef idx="1">
+        <a:scrgbClr r="0" g="0" b="0"/>
+      </a:fillRef>
+      <a:effectRef idx="0">
+        <a:scrgbClr r="0" g="0" b="0"/>
+      </a:effectRef>
+      <a:fontRef idx="minor">
+        <a:schemeClr val="lt1"/>
+      </a:fontRef>
+    </dgm:style>
+  </dgm:styleLbl>
+  <dgm:styleLbl name="vennNode1">
+    <dgm:scene3d>
+      <a:camera prst="orthographicFront"/>
+      <a:lightRig rig="threePt" dir="t"/>
+    </dgm:scene3d>
+    <dgm:sp3d/>
+    <dgm:txPr/>
+    <dgm:style>
+      <a:lnRef idx="2">
+        <a:scrgbClr r="0" g="0" b="0"/>
+      </a:lnRef>
+      <a:fillRef idx="1">
+        <a:scrgbClr r="0" g="0" b="0"/>
+      </a:fillRef>
+      <a:effectRef idx="0">
+        <a:scrgbClr r="0" g="0" b="0"/>
+      </a:effectRef>
+      <a:fontRef idx="minor">
+        <a:schemeClr val="tx1"/>
+      </a:fontRef>
+    </dgm:style>
+  </dgm:styleLbl>
+  <dgm:styleLbl name="alignNode1">
+    <dgm:scene3d>
+      <a:camera prst="orthographicFront"/>
+      <a:lightRig rig="threePt" dir="t"/>
+    </dgm:scene3d>
+    <dgm:sp3d/>
+    <dgm:txPr/>
+    <dgm:style>
+      <a:lnRef idx="2">
+        <a:scrgbClr r="0" g="0" b="0"/>
+      </a:lnRef>
+      <a:fillRef idx="1">
+        <a:scrgbClr r="0" g="0" b="0"/>
+      </a:fillRef>
+      <a:effectRef idx="0">
+        <a:scrgbClr r="0" g="0" b="0"/>
+      </a:effectRef>
+      <a:fontRef idx="minor">
+        <a:schemeClr val="lt1"/>
+      </a:fontRef>
+    </dgm:style>
+  </dgm:styleLbl>
+  <dgm:styleLbl name="node1">
+    <dgm:scene3d>
+      <a:camera prst="orthographicFront"/>
+      <a:lightRig rig="threePt" dir="t"/>
+    </dgm:scene3d>
+    <dgm:sp3d/>
+    <dgm:txPr/>
+    <dgm:style>
+      <a:lnRef idx="2">
+        <a:scrgbClr r="0" g="0" b="0"/>
+      </a:lnRef>
+      <a:fillRef idx="1">
+        <a:scrgbClr r="0" g="0" b="0"/>
+      </a:fillRef>
+      <a:effectRef idx="0">
+        <a:scrgbClr r="0" g="0" b="0"/>
+      </a:effectRef>
+      <a:fontRef idx="minor">
+        <a:schemeClr val="lt1"/>
+      </a:fontRef>
+    </dgm:style>
+  </dgm:styleLbl>
+  <dgm:styleLbl name="node2">
+    <dgm:scene3d>
+      <a:camera prst="orthographicFront"/>
+      <a:lightRig rig="threePt" dir="t"/>
+    </dgm:scene3d>
+    <dgm:sp3d/>
+    <dgm:txPr/>
+    <dgm:style>
+      <a:lnRef idx="2">
+        <a:scrgbClr r="0" g="0" b="0"/>
+      </a:lnRef>
+      <a:fillRef idx="1">
+        <a:scrgbClr r="0" g="0" b="0"/>
+      </a:fillRef>
+      <a:effectRef idx="0">
+        <a:scrgbClr r="0" g="0" b="0"/>
+      </a:effectRef>
+      <a:fontRef idx="minor">
+        <a:schemeClr val="lt1"/>
+      </a:fontRef>
+    </dgm:style>
+  </dgm:styleLbl>
+  <dgm:styleLbl name="node3">
+    <dgm:scene3d>
+      <a:camera prst="orthographicFront"/>
+      <a:lightRig rig="threePt" dir="t"/>
+    </dgm:scene3d>
+    <dgm:sp3d/>
+    <dgm:txPr/>
+    <dgm:style>
+      <a:lnRef idx="2">
+        <a:scrgbClr r="0" g="0" b="0"/>
+      </a:lnRef>
+      <a:fillRef idx="1">
+        <a:scrgbClr r="0" g="0" b="0"/>
+      </a:fillRef>
+      <a:effectRef idx="0">
+        <a:scrgbClr r="0" g="0" b="0"/>
+      </a:effectRef>
+      <a:fontRef idx="minor">
+        <a:schemeClr val="lt1"/>
+      </a:fontRef>
+    </dgm:style>
+  </dgm:styleLbl>
+  <dgm:styleLbl name="node4">
+    <dgm:scene3d>
+      <a:camera prst="orthographicFront"/>
+      <a:lightRig rig="threePt" dir="t"/>
+    </dgm:scene3d>
+    <dgm:sp3d/>
+    <dgm:txPr/>
+    <dgm:style>
+      <a:lnRef idx="2">
+        <a:scrgbClr r="0" g="0" b="0"/>
+      </a:lnRef>
+      <a:fillRef idx="1">
+        <a:scrgbClr r="0" g="0" b="0"/>
+      </a:fillRef>
+      <a:effectRef idx="0">
+        <a:scrgbClr r="0" g="0" b="0"/>
+      </a:effectRef>
+      <a:fontRef idx="minor">
+        <a:schemeClr val="lt1"/>
+      </a:fontRef>
+    </dgm:style>
+  </dgm:styleLbl>
+  <dgm:styleLbl name="fgImgPlace1">
+    <dgm:scene3d>
+      <a:camera prst="orthographicFront"/>
+      <a:lightRig rig="threePt" dir="t"/>
+    </dgm:scene3d>
+    <dgm:sp3d/>
+    <dgm:txPr/>
+    <dgm:style>
+      <a:lnRef idx="2">
+        <a:scrgbClr r="0" g="0" b="0"/>
+      </a:lnRef>
+      <a:fillRef idx="1">
+        <a:scrgbClr r="0" g="0" b="0"/>
+      </a:fillRef>
+      <a:effectRef idx="0">
+        <a:scrgbClr r="0" g="0" b="0"/>
+      </a:effectRef>
+      <a:fontRef idx="minor"/>
+    </dgm:style>
+  </dgm:styleLbl>
+  <dgm:styleLbl name="alignImgPlace1">
+    <dgm:scene3d>
+      <a:camera prst="orthographicFront"/>
+      <a:lightRig rig="threePt" dir="t"/>
+    </dgm:scene3d>
+    <dgm:sp3d/>
+    <dgm:txPr/>
+    <dgm:style>
+      <a:lnRef idx="2">
+        <a:scrgbClr r="0" g="0" b="0"/>
+      </a:lnRef>
+      <a:fillRef idx="1">
+        <a:scrgbClr r="0" g="0" b="0"/>
+      </a:fillRef>
+      <a:effectRef idx="0">
+        <a:scrgbClr r="0" g="0" b="0"/>
+      </a:effectRef>
+      <a:fontRef idx="minor"/>
+    </dgm:style>
+  </dgm:styleLbl>
+  <dgm:styleLbl name="bgImgPlace1">
+    <dgm:scene3d>
+      <a:camera prst="orthographicFront"/>
+      <a:lightRig rig="threePt" dir="t"/>
+    </dgm:scene3d>
+    <dgm:sp3d/>
+    <dgm:txPr/>
+    <dgm:style>
+      <a:lnRef idx="2">
+        <a:scrgbClr r="0" g="0" b="0"/>
+      </a:lnRef>
+      <a:fillRef idx="1">
+        <a:scrgbClr r="0" g="0" b="0"/>
+      </a:fillRef>
+      <a:effectRef idx="0">
+        <a:scrgbClr r="0" g="0" b="0"/>
+      </a:effectRef>
+      <a:fontRef idx="minor"/>
+    </dgm:style>
+  </dgm:styleLbl>
+  <dgm:styleLbl name="sibTrans2D1">
+    <dgm:scene3d>
+      <a:camera prst="orthographicFront"/>
+      <a:lightRig rig="threePt" dir="t"/>
+    </dgm:scene3d>
+    <dgm:sp3d/>
+    <dgm:txPr/>
+    <dgm:style>
+      <a:lnRef idx="0">
+        <a:scrgbClr r="0" g="0" b="0"/>
+      </a:lnRef>
+      <a:fillRef idx="1">
+        <a:scrgbClr r="0" g="0" b="0"/>
+      </a:fillRef>
+      <a:effectRef idx="0">
+        <a:scrgbClr r="0" g="0" b="0"/>
+      </a:effectRef>
+      <a:fontRef idx="minor">
+        <a:schemeClr val="lt1"/>
+      </a:fontRef>
+    </dgm:style>
+  </dgm:styleLbl>
+  <dgm:styleLbl name="fgSibTrans2D1">
+    <dgm:scene3d>
+      <a:camera prst="orthographicFront"/>
+      <a:lightRig rig="threePt" dir="t"/>
+    </dgm:scene3d>
+    <dgm:sp3d/>
+    <dgm:txPr/>
+    <dgm:style>
+      <a:lnRef idx="0">
+        <a:scrgbClr r="0" g="0" b="0"/>
+      </a:lnRef>
+      <a:fillRef idx="1">
+        <a:scrgbClr r="0" g="0" b="0"/>
+      </a:fillRef>
+      <a:effectRef idx="0">
+        <a:scrgbClr r="0" g="0" b="0"/>
+      </a:effectRef>
+      <a:fontRef idx="minor">
+        <a:schemeClr val="lt1"/>
+      </a:fontRef>
+    </dgm:style>
+  </dgm:styleLbl>
+  <dgm:styleLbl name="bgSibTrans2D1">
+    <dgm:scene3d>
+      <a:camera prst="orthographicFront"/>
+      <a:lightRig rig="threePt" dir="t"/>
+    </dgm:scene3d>
+    <dgm:sp3d/>
+    <dgm:txPr/>
+    <dgm:style>
+      <a:lnRef idx="0">
+        <a:scrgbClr r="0" g="0" b="0"/>
+      </a:lnRef>
+      <a:fillRef idx="1">
+        <a:scrgbClr r="0" g="0" b="0"/>
+      </a:fillRef>
+      <a:effectRef idx="0">
+        <a:scrgbClr r="0" g="0" b="0"/>
+      </a:effectRef>
+      <a:fontRef idx="minor">
+        <a:schemeClr val="lt1"/>
+      </a:fontRef>
+    </dgm:style>
+  </dgm:styleLbl>
+  <dgm:styleLbl name="sibTrans1D1">
+    <dgm:scene3d>
+      <a:camera prst="orthographicFront"/>
+      <a:lightRig rig="threePt" dir="t"/>
+    </dgm:scene3d>
+    <dgm:sp3d/>
+    <dgm:txPr/>
+    <dgm:style>
+      <a:lnRef idx="1">
+        <a:scrgbClr r="0" g="0" b="0"/>
+      </a:lnRef>
+      <a:fillRef idx="0">
+        <a:scrgbClr r="0" g="0" b="0"/>
+      </a:fillRef>
+      <a:effectRef idx="0">
+        <a:scrgbClr r="0" g="0" b="0"/>
+      </a:effectRef>
+      <a:fontRef idx="minor"/>
+    </dgm:style>
+  </dgm:styleLbl>
+  <dgm:styleLbl name="callout">
+    <dgm:scene3d>
+      <a:camera prst="orthographicFront"/>
+      <a:lightRig rig="threePt" dir="t"/>
+    </dgm:scene3d>
+    <dgm:sp3d/>
+    <dgm:txPr/>
+    <dgm:style>
+      <a:lnRef idx="2">
+        <a:scrgbClr r="0" g="0" b="0"/>
+      </a:lnRef>
+      <a:fillRef idx="1">
+        <a:scrgbClr r="0" g="0" b="0"/>
+      </a:fillRef>
+      <a:effectRef idx="0">
+        <a:scrgbClr r="0" g="0" b="0"/>
+      </a:effectRef>
+      <a:fontRef idx="minor"/>
+    </dgm:style>
+  </dgm:styleLbl>
+  <dgm:styleLbl name="asst0">
+    <dgm:scene3d>
+      <a:camera prst="orthographicFront"/>
+      <a:lightRig rig="threePt" dir="t"/>
+    </dgm:scene3d>
+    <dgm:sp3d/>
+    <dgm:txPr/>
+    <dgm:style>
+      <a:lnRef idx="2">
+        <a:scrgbClr r="0" g="0" b="0"/>
+      </a:lnRef>
+      <a:fillRef idx="1">
+        <a:scrgbClr r="0" g="0" b="0"/>
+      </a:fillRef>
+      <a:effectRef idx="0">
+        <a:scrgbClr r="0" g="0" b="0"/>
+      </a:effectRef>
+      <a:fontRef idx="minor">
+        <a:schemeClr val="lt1"/>
+      </a:fontRef>
+    </dgm:style>
+  </dgm:styleLbl>
+  <dgm:styleLbl name="asst1">
+    <dgm:scene3d>
+      <a:camera prst="orthographicFront"/>
+      <a:lightRig rig="threePt" dir="t"/>
+    </dgm:scene3d>
+    <dgm:sp3d/>
+    <dgm:txPr/>
+    <dgm:style>
+      <a:lnRef idx="2">
+        <a:scrgbClr r="0" g="0" b="0"/>
+      </a:lnRef>
+      <a:fillRef idx="1">
+        <a:scrgbClr r="0" g="0" b="0"/>
+      </a:fillRef>
+      <a:effectRef idx="0">
+        <a:scrgbClr r="0" g="0" b="0"/>
+      </a:effectRef>
+      <a:fontRef idx="minor">
+        <a:schemeClr val="lt1"/>
+      </a:fontRef>
+    </dgm:style>
+  </dgm:styleLbl>
+  <dgm:styleLbl name="asst2">
+    <dgm:scene3d>
+      <a:camera prst="orthographicFront"/>
+      <a:lightRig rig="threePt" dir="t"/>
+    </dgm:scene3d>
+    <dgm:sp3d/>
+    <dgm:txPr/>
+    <dgm:style>
+      <a:lnRef idx="2">
+        <a:scrgbClr r="0" g="0" b="0"/>
+      </a:lnRef>
+      <a:fillRef idx="1">
+        <a:scrgbClr r="0" g="0" b="0"/>
+      </a:fillRef>
+      <a:effectRef idx="0">
+        <a:scrgbClr r="0" g="0" b="0"/>
+      </a:effectRef>
+      <a:fontRef idx="minor">
+        <a:schemeClr val="lt1"/>
+      </a:fontRef>
+    </dgm:style>
+  </dgm:styleLbl>
+  <dgm:styleLbl name="asst3">
+    <dgm:scene3d>
+      <a:camera prst="orthographicFront"/>
+      <a:lightRig rig="threePt" dir="t"/>
+    </dgm:scene3d>
+    <dgm:sp3d/>
+    <dgm:txPr/>
+    <dgm:style>
+      <a:lnRef idx="2">
+        <a:scrgbClr r="0" g="0" b="0"/>
+      </a:lnRef>
+      <a:fillRef idx="1">
+        <a:scrgbClr r="0" g="0" b="0"/>
+      </a:fillRef>
+      <a:effectRef idx="0">
+        <a:scrgbClr r="0" g="0" b="0"/>
+      </a:effectRef>
+      <a:fontRef idx="minor">
+        <a:schemeClr val="lt1"/>
+      </a:fontRef>
+    </dgm:style>
+  </dgm:styleLbl>
+  <dgm:styleLbl name="asst4">
+    <dgm:scene3d>
+      <a:camera prst="orthographicFront"/>
+      <a:lightRig rig="threePt" dir="t"/>
+    </dgm:scene3d>
+    <dgm:sp3d/>
+    <dgm:txPr/>
+    <dgm:style>
+      <a:lnRef idx="2">
+        <a:scrgbClr r="0" g="0" b="0"/>
+      </a:lnRef>
+      <a:fillRef idx="1">
+        <a:scrgbClr r="0" g="0" b="0"/>
+      </a:fillRef>
+      <a:effectRef idx="0">
+        <a:scrgbClr r="0" g="0" b="0"/>
+      </a:effectRef>
+      <a:fontRef idx="minor">
+        <a:schemeClr val="lt1"/>
+      </a:fontRef>
+    </dgm:style>
+  </dgm:styleLbl>
+  <dgm:styleLbl name="parChTrans2D1">
+    <dgm:scene3d>
+      <a:camera prst="orthographicFront"/>
+      <a:lightRig rig="threePt" dir="t"/>
+    </dgm:scene3d>
+    <dgm:sp3d/>
+    <dgm:txPr/>
+    <dgm:style>
+      <a:lnRef idx="2">
+        <a:scrgbClr r="0" g="0" b="0"/>
+      </a:lnRef>
+      <a:fillRef idx="1">
+        <a:scrgbClr r="0" g="0" b="0"/>
+      </a:fillRef>
+      <a:effectRef idx="0">
+        <a:scrgbClr r="0" g="0" b="0"/>
+      </a:effectRef>
+      <a:fontRef idx="minor">
+        <a:schemeClr val="lt1"/>
+      </a:fontRef>
+    </dgm:style>
+  </dgm:styleLbl>
+  <dgm:styleLbl name="parChTrans2D2">
+    <dgm:scene3d>
+      <a:camera prst="orthographicFront"/>
+      <a:lightRig rig="threePt" dir="t"/>
+    </dgm:scene3d>
+    <dgm:sp3d/>
+    <dgm:txPr/>
+    <dgm:style>
+      <a:lnRef idx="2">
+        <a:scrgbClr r="0" g="0" b="0"/>
+      </a:lnRef>
+      <a:fillRef idx="1">
+        <a:scrgbClr r="0" g="0" b="0"/>
+      </a:fillRef>
+      <a:effectRef idx="0">
+        <a:scrgbClr r="0" g="0" b="0"/>
+      </a:effectRef>
+      <a:fontRef idx="minor">
+        <a:schemeClr val="lt1"/>
+      </a:fontRef>
+    </dgm:style>
+  </dgm:styleLbl>
+  <dgm:styleLbl name="parChTrans2D3">
+    <dgm:scene3d>
+      <a:camera prst="orthographicFront"/>
+      <a:lightRig rig="threePt" dir="t"/>
+    </dgm:scene3d>
+    <dgm:sp3d/>
+    <dgm:txPr/>
+    <dgm:style>
+      <a:lnRef idx="2">
+        <a:scrgbClr r="0" g="0" b="0"/>
+      </a:lnRef>
+      <a:fillRef idx="1">
+        <a:scrgbClr r="0" g="0" b="0"/>
+      </a:fillRef>
+      <a:effectRef idx="0">
+        <a:scrgbClr r="0" g="0" b="0"/>
+      </a:effectRef>
+      <a:fontRef idx="minor">
+        <a:schemeClr val="lt1"/>
+      </a:fontRef>
+    </dgm:style>
+  </dgm:styleLbl>
+  <dgm:styleLbl name="parChTrans2D4">
+    <dgm:scene3d>
+      <a:camera prst="orthographicFront"/>
+      <a:lightRig rig="threePt" dir="t"/>
+    </dgm:scene3d>
+    <dgm:sp3d/>
+    <dgm:txPr/>
+    <dgm:style>
+      <a:lnRef idx="2">
+        <a:scrgbClr r="0" g="0" b="0"/>
+      </a:lnRef>
+      <a:fillRef idx="1">
+        <a:scrgbClr r="0" g="0" b="0"/>
+      </a:fillRef>
+      <a:effectRef idx="0">
+        <a:scrgbClr r="0" g="0" b="0"/>
+      </a:effectRef>
+      <a:fontRef idx="minor">
+        <a:schemeClr val="lt1"/>
+      </a:fontRef>
+    </dgm:style>
+  </dgm:styleLbl>
+  <dgm:styleLbl name="parChTrans1D1">
+    <dgm:scene3d>
+      <a:camera prst="orthographicFront"/>
+      <a:lightRig rig="threePt" dir="t"/>
+    </dgm:scene3d>
+    <dgm:sp3d/>
+    <dgm:txPr/>
+    <dgm:style>
+      <a:lnRef idx="2">
+        <a:scrgbClr r="0" g="0" b="0"/>
+      </a:lnRef>
+      <a:fillRef idx="0">
+        <a:scrgbClr r="0" g="0" b="0"/>
+      </a:fillRef>
+      <a:effectRef idx="0">
+        <a:scrgbClr r="0" g="0" b="0"/>
+      </a:effectRef>
+      <a:fontRef idx="minor"/>
+    </dgm:style>
+  </dgm:styleLbl>
+  <dgm:styleLbl name="parChTrans1D2">
+    <dgm:scene3d>
+      <a:camera prst="orthographicFront"/>
+      <a:lightRig rig="threePt" dir="t"/>
+    </dgm:scene3d>
+    <dgm:sp3d/>
+    <dgm:txPr/>
+    <dgm:style>
+      <a:lnRef idx="2">
+        <a:scrgbClr r="0" g="0" b="0"/>
+      </a:lnRef>
+      <a:fillRef idx="0">
+        <a:scrgbClr r="0" g="0" b="0"/>
+      </a:fillRef>
+      <a:effectRef idx="0">
+        <a:scrgbClr r="0" g="0" b="0"/>
+      </a:effectRef>
+      <a:fontRef idx="minor"/>
+    </dgm:style>
+  </dgm:styleLbl>
+  <dgm:styleLbl name="parChTrans1D3">
+    <dgm:scene3d>
+      <a:camera prst="orthographicFront"/>
+      <a:lightRig rig="threePt" dir="t"/>
+    </dgm:scene3d>
+    <dgm:sp3d/>
+    <dgm:txPr/>
+    <dgm:style>
+      <a:lnRef idx="2">
+        <a:scrgbClr r="0" g="0" b="0"/>
+      </a:lnRef>
+      <a:fillRef idx="0">
+        <a:scrgbClr r="0" g="0" b="0"/>
+      </a:fillRef>
+      <a:effectRef idx="0">
+        <a:scrgbClr r="0" g="0" b="0"/>
+      </a:effectRef>
+      <a:fontRef idx="minor"/>
+    </dgm:style>
+  </dgm:styleLbl>
+  <dgm:styleLbl name="parChTrans1D4">
+    <dgm:scene3d>
+      <a:camera prst="orthographicFront"/>
+      <a:lightRig rig="threePt" dir="t"/>
+    </dgm:scene3d>
+    <dgm:sp3d/>
+    <dgm:txPr/>
+    <dgm:style>
+      <a:lnRef idx="2">
+        <a:scrgbClr r="0" g="0" b="0"/>
+      </a:lnRef>
+      <a:fillRef idx="0">
+        <a:scrgbClr r="0" g="0" b="0"/>
+      </a:fillRef>
+      <a:effectRef idx="0">
+        <a:scrgbClr r="0" g="0" b="0"/>
+      </a:effectRef>
+      <a:fontRef idx="minor"/>
+    </dgm:style>
+  </dgm:styleLbl>
+  <dgm:styleLbl name="fgAcc1">
+    <dgm:scene3d>
+      <a:camera prst="orthographicFront"/>
+      <a:lightRig rig="threePt" dir="t"/>
+    </dgm:scene3d>
+    <dgm:sp3d/>
+    <dgm:txPr/>
+    <dgm:style>
+      <a:lnRef idx="2">
+        <a:scrgbClr r="0" g="0" b="0"/>
+      </a:lnRef>
+      <a:fillRef idx="1">
+        <a:scrgbClr r="0" g="0" b="0"/>
+      </a:fillRef>
+      <a:effectRef idx="0">
+        <a:scrgbClr r="0" g="0" b="0"/>
+      </a:effectRef>
+      <a:fontRef idx="minor"/>
+    </dgm:style>
+  </dgm:styleLbl>
+  <dgm:styleLbl name="conFgAcc1">
+    <dgm:scene3d>
+      <a:camera prst="orthographicFront"/>
+      <a:lightRig rig="threePt" dir="t"/>
+    </dgm:scene3d>
+    <dgm:sp3d/>
+    <dgm:txPr/>
+    <dgm:style>
+      <a:lnRef idx="2">
+        <a:scrgbClr r="0" g="0" b="0"/>
+      </a:lnRef>
+      <a:fillRef idx="1">
+        <a:scrgbClr r="0" g="0" b="0"/>
+      </a:fillRef>
+      <a:effectRef idx="0">
+        <a:scrgbClr r="0" g="0" b="0"/>
+      </a:effectRef>
+      <a:fontRef idx="minor"/>
+    </dgm:style>
+  </dgm:styleLbl>
+  <dgm:styleLbl name="alignAcc1">
+    <dgm:scene3d>
+      <a:camera prst="orthographicFront"/>
+      <a:lightRig rig="threePt" dir="t"/>
+    </dgm:scene3d>
+    <dgm:sp3d/>
+    <dgm:txPr/>
+    <dgm:style>
+      <a:lnRef idx="2">
+        <a:scrgbClr r="0" g="0" b="0"/>
+      </a:lnRef>
+      <a:fillRef idx="1">
+        <a:scrgbClr r="0" g="0" b="0"/>
+      </a:fillRef>
+      <a:effectRef idx="0">
+        <a:scrgbClr r="0" g="0" b="0"/>
+      </a:effectRef>
+      <a:fontRef idx="minor"/>
+    </dgm:style>
+  </dgm:styleLbl>
+  <dgm:styleLbl name="trAlignAcc1">
+    <dgm:scene3d>
+      <a:camera prst="orthographicFront"/>
+      <a:lightRig rig="threePt" dir="t"/>
+    </dgm:scene3d>
+    <dgm:sp3d/>
+    <dgm:txPr/>
+    <dgm:style>
+      <a:lnRef idx="1">
+        <a:scrgbClr r="0" g="0" b="0"/>
+      </a:lnRef>
+      <a:fillRef idx="1">
+        <a:scrgbClr r="0" g="0" b="0"/>
+      </a:fillRef>
+      <a:effectRef idx="0">
+        <a:scrgbClr r="0" g="0" b="0"/>
+      </a:effectRef>
+      <a:fontRef idx="minor"/>
+    </dgm:style>
+  </dgm:styleLbl>
+  <dgm:styleLbl name="bgAcc1">
+    <dgm:scene3d>
+      <a:camera prst="orthographicFront"/>
+      <a:lightRig rig="threePt" dir="t"/>
+    </dgm:scene3d>
+    <dgm:sp3d/>
+    <dgm:txPr/>
+    <dgm:style>
+      <a:lnRef idx="2">
+        <a:scrgbClr r="0" g="0" b="0"/>
+      </a:lnRef>
+      <a:fillRef idx="1">
+        <a:scrgbClr r="0" g="0" b="0"/>
+      </a:fillRef>
+      <a:effectRef idx="0">
+        <a:scrgbClr r="0" g="0" b="0"/>
+      </a:effectRef>
+      <a:fontRef idx="minor"/>
+    </dgm:style>
+  </dgm:styleLbl>
+  <dgm:styleLbl name="solidFgAcc1">
+    <dgm:scene3d>
+      <a:camera prst="orthographicFront"/>
+      <a:lightRig rig="threePt" dir="t"/>
+    </dgm:scene3d>
+    <dgm:sp3d/>
+    <dgm:txPr/>
+    <dgm:style>
+      <a:lnRef idx="2">
+        <a:scrgbClr r="0" g="0" b="0"/>
+      </a:lnRef>
+      <a:fillRef idx="1">
+        <a:scrgbClr r="0" g="0" b="0"/>
+      </a:fillRef>
+      <a:effectRef idx="0">
+        <a:scrgbClr r="0" g="0" b="0"/>
+      </a:effectRef>
+      <a:fontRef idx="minor"/>
+    </dgm:style>
+  </dgm:styleLbl>
+  <dgm:styleLbl name="solidAlignAcc1">
+    <dgm:scene3d>
+      <a:camera prst="orthographicFront"/>
+      <a:lightRig rig="threePt" dir="t"/>
+    </dgm:scene3d>
+    <dgm:sp3d/>
+    <dgm:txPr/>
+    <dgm:style>
+      <a:lnRef idx="2">
+        <a:scrgbClr r="0" g="0" b="0"/>
+      </a:lnRef>
+      <a:fillRef idx="1">
+        <a:scrgbClr r="0" g="0" b="0"/>
+      </a:fillRef>
+      <a:effectRef idx="0">
+        <a:scrgbClr r="0" g="0" b="0"/>
+      </a:effectRef>
+      <a:fontRef idx="minor"/>
+    </dgm:style>
+  </dgm:styleLbl>
+  <dgm:styleLbl name="solidBgAcc1">
+    <dgm:scene3d>
+      <a:camera prst="orthographicFront"/>
+      <a:lightRig rig="threePt" dir="t"/>
+    </dgm:scene3d>
+    <dgm:sp3d/>
+    <dgm:txPr/>
+    <dgm:style>
+      <a:lnRef idx="2">
+        <a:scrgbClr r="0" g="0" b="0"/>
+      </a:lnRef>
+      <a:fillRef idx="1">
+        <a:scrgbClr r="0" g="0" b="0"/>
+      </a:fillRef>
+      <a:effectRef idx="0">
+        <a:scrgbClr r="0" g="0" b="0"/>
+      </a:effectRef>
+      <a:fontRef idx="minor"/>
+    </dgm:style>
+  </dgm:styleLbl>
+  <dgm:styleLbl name="fgAccFollowNode1">
+    <dgm:scene3d>
+      <a:camera prst="orthographicFront"/>
+      <a:lightRig rig="threePt" dir="t"/>
+    </dgm:scene3d>
+    <dgm:sp3d/>
+    <dgm:txPr/>
+    <dgm:style>
+      <a:lnRef idx="2">
+        <a:scrgbClr r="0" g="0" b="0"/>
+      </a:lnRef>
+      <a:fillRef idx="1">
+        <a:scrgbClr r="0" g="0" b="0"/>
+      </a:fillRef>
+      <a:effectRef idx="0">
+        <a:scrgbClr r="0" g="0" b="0"/>
+      </a:effectRef>
+      <a:fontRef idx="minor"/>
+    </dgm:style>
+  </dgm:styleLbl>
+  <dgm:styleLbl name="alignAccFollowNode1">
+    <dgm:scene3d>
+      <a:camera prst="orthographicFront"/>
+      <a:lightRig rig="threePt" dir="t"/>
+    </dgm:scene3d>
+    <dgm:sp3d/>
+    <dgm:txPr/>
+    <dgm:style>
+      <a:lnRef idx="2">
+        <a:scrgbClr r="0" g="0" b="0"/>
+      </a:lnRef>
+      <a:fillRef idx="1">
+        <a:scrgbClr r="0" g="0" b="0"/>
+      </a:fillRef>
+      <a:effectRef idx="0">
+        <a:scrgbClr r="0" g="0" b="0"/>
+      </a:effectRef>
+      <a:fontRef idx="minor"/>
+    </dgm:style>
+  </dgm:styleLbl>
+  <dgm:styleLbl name="bgAccFollowNode1">
+    <dgm:scene3d>
+      <a:camera prst="orthographicFront"/>
+      <a:lightRig rig="threePt" dir="t"/>
+    </dgm:scene3d>
+    <dgm:sp3d/>
+    <dgm:txPr/>
+    <dgm:style>
+      <a:lnRef idx="2">
+        <a:scrgbClr r="0" g="0" b="0"/>
+      </a:lnRef>
+      <a:fillRef idx="1">
+        <a:scrgbClr r="0" g="0" b="0"/>
+      </a:fillRef>
+      <a:effectRef idx="0">
+        <a:scrgbClr r="0" g="0" b="0"/>
+      </a:effectRef>
+      <a:fontRef idx="minor"/>
+    </dgm:style>
+  </dgm:styleLbl>
+  <dgm:styleLbl name="fgAcc0">
+    <dgm:scene3d>
+      <a:camera prst="orthographicFront"/>
+      <a:lightRig rig="threePt" dir="t"/>
+    </dgm:scene3d>
+    <dgm:sp3d/>
+    <dgm:txPr/>
+    <dgm:style>
+      <a:lnRef idx="2">
+        <a:scrgbClr r="0" g="0" b="0"/>
+      </a:lnRef>
+      <a:fillRef idx="1">
+        <a:scrgbClr r="0" g="0" b="0"/>
+      </a:fillRef>
+      <a:effectRef idx="0">
+        <a:scrgbClr r="0" g="0" b="0"/>
+      </a:effectRef>
+      <a:fontRef idx="minor"/>
+    </dgm:style>
+  </dgm:styleLbl>
+  <dgm:styleLbl name="fgAcc2">
+    <dgm:scene3d>
+      <a:camera prst="orthographicFront"/>
+      <a:lightRig rig="threePt" dir="t"/>
+    </dgm:scene3d>
+    <dgm:sp3d/>
+    <dgm:txPr/>
+    <dgm:style>
+      <a:lnRef idx="2">
+        <a:scrgbClr r="0" g="0" b="0"/>
+      </a:lnRef>
+      <a:fillRef idx="1">
+        <a:scrgbClr r="0" g="0" b="0"/>
+      </a:fillRef>
+      <a:effectRef idx="0">
+        <a:scrgbClr r="0" g="0" b="0"/>
+      </a:effectRef>
+      <a:fontRef idx="minor"/>
+    </dgm:style>
+  </dgm:styleLbl>
+  <dgm:styleLbl name="fgAcc3">
+    <dgm:scene3d>
+      <a:camera prst="orthographicFront"/>
+      <a:lightRig rig="threePt" dir="t"/>
+    </dgm:scene3d>
+    <dgm:sp3d/>
+    <dgm:txPr/>
+    <dgm:style>
+      <a:lnRef idx="2">
+        <a:scrgbClr r="0" g="0" b="0"/>
+      </a:lnRef>
+      <a:fillRef idx="1">
+        <a:scrgbClr r="0" g="0" b="0"/>
+      </a:fillRef>
+      <a:effectRef idx="0">
+        <a:scrgbClr r="0" g="0" b="0"/>
+      </a:effectRef>
+      <a:fontRef idx="minor"/>
+    </dgm:style>
+  </dgm:styleLbl>
+  <dgm:styleLbl name="fgAcc4">
+    <dgm:scene3d>
+      <a:camera prst="orthographicFront"/>
+      <a:lightRig rig="threePt" dir="t"/>
+    </dgm:scene3d>
+    <dgm:sp3d/>
+    <dgm:txPr/>
+    <dgm:style>
+      <a:lnRef idx="2">
+        <a:scrgbClr r="0" g="0" b="0"/>
+      </a:lnRef>
+      <a:fillRef idx="1">
+        <a:scrgbClr r="0" g="0" b="0"/>
+      </a:fillRef>
+      <a:effectRef idx="0">
+        <a:scrgbClr r="0" g="0" b="0"/>
+      </a:effectRef>
+      <a:fontRef idx="minor"/>
+    </dgm:style>
+  </dgm:styleLbl>
+  <dgm:styleLbl name="bgShp">
+    <dgm:scene3d>
+      <a:camera prst="orthographicFront"/>
+      <a:lightRig rig="threePt" dir="t"/>
+    </dgm:scene3d>
+    <dgm:sp3d/>
+    <dgm:txPr/>
+    <dgm:style>
+      <a:lnRef idx="0">
+        <a:scrgbClr r="0" g="0" b="0"/>
+      </a:lnRef>
+      <a:fillRef idx="1">
+        <a:scrgbClr r="0" g="0" b="0"/>
+      </a:fillRef>
+      <a:effectRef idx="0">
+        <a:scrgbClr r="0" g="0" b="0"/>
+      </a:effectRef>
+      <a:fontRef idx="minor"/>
+    </dgm:style>
+  </dgm:styleLbl>
+  <dgm:styleLbl name="dkBgShp">
+    <dgm:scene3d>
+      <a:camera prst="orthographicFront"/>
+      <a:lightRig rig="threePt" dir="t"/>
+    </dgm:scene3d>
+    <dgm:sp3d/>
+    <dgm:txPr/>
+    <dgm:style>
+      <a:lnRef idx="0">
+        <a:scrgbClr r="0" g="0" b="0"/>
+      </a:lnRef>
+      <a:fillRef idx="1">
+        <a:scrgbClr r="0" g="0" b="0"/>
+      </a:fillRef>
+      <a:effectRef idx="0">
+        <a:scrgbClr r="0" g="0" b="0"/>
+      </a:effectRef>
+      <a:fontRef idx="minor"/>
+    </dgm:style>
+  </dgm:styleLbl>
+  <dgm:styleLbl name="trBgShp">
+    <dgm:scene3d>
+      <a:camera prst="orthographicFront"/>
+      <a:lightRig rig="threePt" dir="t"/>
+    </dgm:scene3d>
+    <dgm:sp3d/>
+    <dgm:txPr/>
+    <dgm:style>
+      <a:lnRef idx="0">
+        <a:scrgbClr r="0" g="0" b="0"/>
+      </a:lnRef>
+      <a:fillRef idx="1">
+        <a:scrgbClr r="0" g="0" b="0"/>
+      </a:fillRef>
+      <a:effectRef idx="0">
+        <a:scrgbClr r="0" g="0" b="0"/>
+      </a:effectRef>
+      <a:fontRef idx="minor"/>
+    </dgm:style>
+  </dgm:styleLbl>
+  <dgm:styleLbl name="fgShp">
+    <dgm:scene3d>
+      <a:camera prst="orthographicFront"/>
+      <a:lightRig rig="threePt" dir="t"/>
+    </dgm:scene3d>
+    <dgm:sp3d/>
+    <dgm:txPr/>
+    <dgm:style>
+      <a:lnRef idx="2">
+        <a:scrgbClr r="0" g="0" b="0"/>
+      </a:lnRef>
+      <a:fillRef idx="1">
+        <a:scrgbClr r="0" g="0" b="0"/>
+      </a:fillRef>
+      <a:effectRef idx="0">
+        <a:scrgbClr r="0" g="0" b="0"/>
+      </a:effectRef>
+      <a:fontRef idx="minor"/>
+    </dgm:style>
+  </dgm:styleLbl>
+  <dgm:styleLbl name="revTx">
+    <dgm:scene3d>
+      <a:camera prst="orthographicFront"/>
+      <a:lightRig rig="threePt" dir="t"/>
+    </dgm:scene3d>
+    <dgm:sp3d/>
+    <dgm:txPr/>
+    <dgm:style>
+      <a:lnRef idx="0">
+        <a:scrgbClr r="0" g="0" b="0"/>
+      </a:lnRef>
+      <a:fillRef idx="0">
+        <a:scrgbClr r="0" g="0" b="0"/>
+      </a:fillRef>
+      <a:effectRef idx="0">
+        <a:scrgbClr r="0" g="0" b="0"/>
+      </a:effectRef>
+      <a:fontRef idx="minor"/>
+    </dgm:style>
+  </dgm:styleLbl>
+</dgm:styleDef>
+</file>
+
 <file path=ppt/slideLayouts/slideLayout1.xml><?xml version="1.0" encoding="utf-8"?>
 <p:sldLayout xmlns:a="http://schemas.openxmlformats.org/drawingml/2006/main" xmlns:r="http://schemas.openxmlformats.org/officeDocument/2006/relationships" xmlns:p="http://schemas.openxmlformats.org/presentationml/2006/main" showMasterSp="0" type="title" preserve="1">
   <p:cSld name="Title Slide">
@@ -179,7 +2859,7 @@
           <a:noFill/>
           <a:extLst>
             <a:ext uri="{909E8E84-426E-40dd-AFC4-6F175D3DCCD1}">
-              <a14:hiddenFill xmlns="" xmlns:a14="http://schemas.microsoft.com/office/drawing/2010/main">
+              <a14:hiddenFill xmlns:a14="http://schemas.microsoft.com/office/drawing/2010/main" xmlns="">
                 <a:solidFill>
                   <a:srgbClr val="FFFFFF"/>
                 </a:solidFill>
@@ -238,7 +2918,7 @@
             </a:ln>
             <a:extLst>
               <a:ext uri="{91240B29-F687-4f45-9708-019B960494DF}">
-                <a14:hiddenLine xmlns="" xmlns:a14="http://schemas.microsoft.com/office/drawing/2010/main" w="9525">
+                <a14:hiddenLine xmlns:a14="http://schemas.microsoft.com/office/drawing/2010/main" xmlns="" w="9525">
                   <a:solidFill>
                     <a:srgbClr val="000000"/>
                   </a:solidFill>
@@ -328,7 +3008,7 @@
             </a:ln>
             <a:extLst>
               <a:ext uri="{91240B29-F687-4f45-9708-019B960494DF}">
-                <a14:hiddenLine xmlns="" xmlns:a14="http://schemas.microsoft.com/office/drawing/2010/main" w="9525">
+                <a14:hiddenLine xmlns:a14="http://schemas.microsoft.com/office/drawing/2010/main" xmlns="" w="9525">
                   <a:solidFill>
                     <a:srgbClr val="000000"/>
                   </a:solidFill>
@@ -418,7 +3098,7 @@
             </a:ln>
             <a:extLst>
               <a:ext uri="{91240B29-F687-4f45-9708-019B960494DF}">
-                <a14:hiddenLine xmlns="" xmlns:a14="http://schemas.microsoft.com/office/drawing/2010/main" w="9525">
+                <a14:hiddenLine xmlns:a14="http://schemas.microsoft.com/office/drawing/2010/main" xmlns="" w="9525">
                   <a:solidFill>
                     <a:srgbClr val="000000"/>
                   </a:solidFill>
@@ -452,7 +3132,7 @@
             </a:ln>
             <a:extLst>
               <a:ext uri="{91240B29-F687-4f45-9708-019B960494DF}">
-                <a14:hiddenLine xmlns="" xmlns:a14="http://schemas.microsoft.com/office/drawing/2010/main" w="9525">
+                <a14:hiddenLine xmlns:a14="http://schemas.microsoft.com/office/drawing/2010/main" xmlns="" w="9525">
                   <a:solidFill>
                     <a:srgbClr val="000000"/>
                   </a:solidFill>
@@ -542,7 +3222,7 @@
             </a:ln>
             <a:extLst>
               <a:ext uri="{91240B29-F687-4f45-9708-019B960494DF}">
-                <a14:hiddenLine xmlns="" xmlns:a14="http://schemas.microsoft.com/office/drawing/2010/main" w="9525">
+                <a14:hiddenLine xmlns:a14="http://schemas.microsoft.com/office/drawing/2010/main" xmlns="" w="9525">
                   <a:solidFill>
                     <a:srgbClr val="000000"/>
                   </a:solidFill>
@@ -604,7 +3284,7 @@
             </a:ln>
             <a:extLst>
               <a:ext uri="{91240B29-F687-4f45-9708-019B960494DF}">
-                <a14:hiddenLine xmlns="" xmlns:a14="http://schemas.microsoft.com/office/drawing/2010/main" w="9525">
+                <a14:hiddenLine xmlns:a14="http://schemas.microsoft.com/office/drawing/2010/main" xmlns="" w="9525">
                   <a:solidFill>
                     <a:srgbClr val="000000"/>
                   </a:solidFill>
@@ -666,7 +3346,7 @@
             </a:ln>
             <a:extLst>
               <a:ext uri="{91240B29-F687-4f45-9708-019B960494DF}">
-                <a14:hiddenLine xmlns="" xmlns:a14="http://schemas.microsoft.com/office/drawing/2010/main" w="9525">
+                <a14:hiddenLine xmlns:a14="http://schemas.microsoft.com/office/drawing/2010/main" xmlns="" w="9525">
                   <a:solidFill>
                     <a:srgbClr val="000000"/>
                   </a:solidFill>
@@ -756,7 +3436,7 @@
             </a:ln>
             <a:extLst>
               <a:ext uri="{91240B29-F687-4f45-9708-019B960494DF}">
-                <a14:hiddenLine xmlns="" xmlns:a14="http://schemas.microsoft.com/office/drawing/2010/main" w="9525">
+                <a14:hiddenLine xmlns:a14="http://schemas.microsoft.com/office/drawing/2010/main" xmlns="" w="9525">
                   <a:solidFill>
                     <a:srgbClr val="000000"/>
                   </a:solidFill>
@@ -818,7 +3498,7 @@
             </a:ln>
             <a:extLst>
               <a:ext uri="{91240B29-F687-4f45-9708-019B960494DF}">
-                <a14:hiddenLine xmlns="" xmlns:a14="http://schemas.microsoft.com/office/drawing/2010/main" w="9525">
+                <a14:hiddenLine xmlns:a14="http://schemas.microsoft.com/office/drawing/2010/main" xmlns="" w="9525">
                   <a:solidFill>
                     <a:srgbClr val="000000"/>
                   </a:solidFill>
@@ -880,7 +3560,7 @@
             </a:ln>
             <a:extLst>
               <a:ext uri="{91240B29-F687-4f45-9708-019B960494DF}">
-                <a14:hiddenLine xmlns="" xmlns:a14="http://schemas.microsoft.com/office/drawing/2010/main" w="9525">
+                <a14:hiddenLine xmlns:a14="http://schemas.microsoft.com/office/drawing/2010/main" xmlns="" w="9525">
                   <a:solidFill>
                     <a:srgbClr val="000000"/>
                   </a:solidFill>
@@ -970,7 +3650,7 @@
             </a:ln>
             <a:extLst>
               <a:ext uri="{91240B29-F687-4f45-9708-019B960494DF}">
-                <a14:hiddenLine xmlns="" xmlns:a14="http://schemas.microsoft.com/office/drawing/2010/main" w="9525">
+                <a14:hiddenLine xmlns:a14="http://schemas.microsoft.com/office/drawing/2010/main" xmlns="" w="9525">
                   <a:solidFill>
                     <a:srgbClr val="000000"/>
                   </a:solidFill>
@@ -1060,7 +3740,7 @@
             </a:ln>
             <a:extLst>
               <a:ext uri="{91240B29-F687-4f45-9708-019B960494DF}">
-                <a14:hiddenLine xmlns="" xmlns:a14="http://schemas.microsoft.com/office/drawing/2010/main" w="9525">
+                <a14:hiddenLine xmlns:a14="http://schemas.microsoft.com/office/drawing/2010/main" xmlns="" w="9525">
                   <a:solidFill>
                     <a:srgbClr val="000000"/>
                   </a:solidFill>
@@ -1122,7 +3802,7 @@
             </a:ln>
             <a:extLst>
               <a:ext uri="{91240B29-F687-4f45-9708-019B960494DF}">
-                <a14:hiddenLine xmlns="" xmlns:a14="http://schemas.microsoft.com/office/drawing/2010/main" w="9525">
+                <a14:hiddenLine xmlns:a14="http://schemas.microsoft.com/office/drawing/2010/main" xmlns="" w="9525">
                   <a:solidFill>
                     <a:srgbClr val="000000"/>
                   </a:solidFill>
@@ -1232,7 +3912,7 @@
             </a:ln>
             <a:extLst>
               <a:ext uri="{91240B29-F687-4f45-9708-019B960494DF}">
-                <a14:hiddenLine xmlns="" xmlns:a14="http://schemas.microsoft.com/office/drawing/2010/main" w="9525">
+                <a14:hiddenLine xmlns:a14="http://schemas.microsoft.com/office/drawing/2010/main" xmlns="" w="9525">
                   <a:solidFill>
                     <a:srgbClr val="000000"/>
                   </a:solidFill>
@@ -1294,7 +3974,7 @@
             </a:ln>
             <a:extLst>
               <a:ext uri="{91240B29-F687-4f45-9708-019B960494DF}">
-                <a14:hiddenLine xmlns="" xmlns:a14="http://schemas.microsoft.com/office/drawing/2010/main" w="9525">
+                <a14:hiddenLine xmlns:a14="http://schemas.microsoft.com/office/drawing/2010/main" xmlns="" w="9525">
                   <a:solidFill>
                     <a:srgbClr val="000000"/>
                   </a:solidFill>
@@ -1384,7 +4064,7 @@
             </a:ln>
             <a:extLst>
               <a:ext uri="{91240B29-F687-4f45-9708-019B960494DF}">
-                <a14:hiddenLine xmlns="" xmlns:a14="http://schemas.microsoft.com/office/drawing/2010/main" w="9525">
+                <a14:hiddenLine xmlns:a14="http://schemas.microsoft.com/office/drawing/2010/main" xmlns="" w="9525">
                   <a:solidFill>
                     <a:srgbClr val="000000"/>
                   </a:solidFill>
@@ -1474,7 +4154,7 @@
             </a:ln>
             <a:extLst>
               <a:ext uri="{91240B29-F687-4f45-9708-019B960494DF}">
-                <a14:hiddenLine xmlns="" xmlns:a14="http://schemas.microsoft.com/office/drawing/2010/main" w="9525">
+                <a14:hiddenLine xmlns:a14="http://schemas.microsoft.com/office/drawing/2010/main" xmlns="" w="9525">
                   <a:solidFill>
                     <a:srgbClr val="000000"/>
                   </a:solidFill>
@@ -1536,7 +4216,7 @@
             </a:ln>
             <a:extLst>
               <a:ext uri="{91240B29-F687-4f45-9708-019B960494DF}">
-                <a14:hiddenLine xmlns="" xmlns:a14="http://schemas.microsoft.com/office/drawing/2010/main" w="9525">
+                <a14:hiddenLine xmlns:a14="http://schemas.microsoft.com/office/drawing/2010/main" xmlns="" w="9525">
                   <a:solidFill>
                     <a:srgbClr val="000000"/>
                   </a:solidFill>
@@ -1626,7 +4306,7 @@
             </a:ln>
             <a:extLst>
               <a:ext uri="{91240B29-F687-4f45-9708-019B960494DF}">
-                <a14:hiddenLine xmlns="" xmlns:a14="http://schemas.microsoft.com/office/drawing/2010/main" w="9525">
+                <a14:hiddenLine xmlns:a14="http://schemas.microsoft.com/office/drawing/2010/main" xmlns="" w="9525">
                   <a:solidFill>
                     <a:srgbClr val="000000"/>
                   </a:solidFill>
@@ -1716,7 +4396,7 @@
             </a:ln>
             <a:extLst>
               <a:ext uri="{91240B29-F687-4f45-9708-019B960494DF}">
-                <a14:hiddenLine xmlns="" xmlns:a14="http://schemas.microsoft.com/office/drawing/2010/main" w="9525">
+                <a14:hiddenLine xmlns:a14="http://schemas.microsoft.com/office/drawing/2010/main" xmlns="" w="9525">
                   <a:solidFill>
                     <a:srgbClr val="000000"/>
                   </a:solidFill>
@@ -1772,7 +4452,7 @@
             </a:ln>
             <a:extLst>
               <a:ext uri="{91240B29-F687-4f45-9708-019B960494DF}">
-                <a14:hiddenLine xmlns="" xmlns:a14="http://schemas.microsoft.com/office/drawing/2010/main" w="9525">
+                <a14:hiddenLine xmlns:a14="http://schemas.microsoft.com/office/drawing/2010/main" xmlns="" w="9525">
                   <a:solidFill>
                     <a:srgbClr val="000000"/>
                   </a:solidFill>
@@ -1862,7 +4542,7 @@
             </a:ln>
             <a:extLst>
               <a:ext uri="{91240B29-F687-4f45-9708-019B960494DF}">
-                <a14:hiddenLine xmlns="" xmlns:a14="http://schemas.microsoft.com/office/drawing/2010/main" w="9525">
+                <a14:hiddenLine xmlns:a14="http://schemas.microsoft.com/office/drawing/2010/main" xmlns="" w="9525">
                   <a:solidFill>
                     <a:srgbClr val="000000"/>
                   </a:solidFill>
@@ -1918,7 +4598,7 @@
             </a:ln>
             <a:extLst>
               <a:ext uri="{91240B29-F687-4f45-9708-019B960494DF}">
-                <a14:hiddenLine xmlns="" xmlns:a14="http://schemas.microsoft.com/office/drawing/2010/main" w="9525">
+                <a14:hiddenLine xmlns:a14="http://schemas.microsoft.com/office/drawing/2010/main" xmlns="" w="9525">
                   <a:solidFill>
                     <a:srgbClr val="000000"/>
                   </a:solidFill>
@@ -2008,7 +4688,7 @@
             </a:ln>
             <a:extLst>
               <a:ext uri="{91240B29-F687-4f45-9708-019B960494DF}">
-                <a14:hiddenLine xmlns="" xmlns:a14="http://schemas.microsoft.com/office/drawing/2010/main" w="9525">
+                <a14:hiddenLine xmlns:a14="http://schemas.microsoft.com/office/drawing/2010/main" xmlns="" w="9525">
                   <a:solidFill>
                     <a:srgbClr val="000000"/>
                   </a:solidFill>
@@ -2076,7 +4756,7 @@
             </a:ln>
             <a:extLst>
               <a:ext uri="{91240B29-F687-4f45-9708-019B960494DF}">
-                <a14:hiddenLine xmlns="" xmlns:a14="http://schemas.microsoft.com/office/drawing/2010/main" w="9525">
+                <a14:hiddenLine xmlns:a14="http://schemas.microsoft.com/office/drawing/2010/main" xmlns="" w="9525">
                   <a:solidFill>
                     <a:srgbClr val="000000"/>
                   </a:solidFill>
@@ -2166,7 +4846,7 @@
             </a:ln>
             <a:extLst>
               <a:ext uri="{91240B29-F687-4f45-9708-019B960494DF}">
-                <a14:hiddenLine xmlns="" xmlns:a14="http://schemas.microsoft.com/office/drawing/2010/main" w="9525">
+                <a14:hiddenLine xmlns:a14="http://schemas.microsoft.com/office/drawing/2010/main" xmlns="" w="9525">
                   <a:solidFill>
                     <a:srgbClr val="000000"/>
                   </a:solidFill>
@@ -2234,7 +4914,7 @@
             </a:ln>
             <a:extLst>
               <a:ext uri="{91240B29-F687-4f45-9708-019B960494DF}">
-                <a14:hiddenLine xmlns="" xmlns:a14="http://schemas.microsoft.com/office/drawing/2010/main" w="9525">
+                <a14:hiddenLine xmlns:a14="http://schemas.microsoft.com/office/drawing/2010/main" xmlns="" w="9525">
                   <a:solidFill>
                     <a:srgbClr val="000000"/>
                   </a:solidFill>
@@ -2324,7 +5004,7 @@
             </a:ln>
             <a:extLst>
               <a:ext uri="{91240B29-F687-4f45-9708-019B960494DF}">
-                <a14:hiddenLine xmlns="" xmlns:a14="http://schemas.microsoft.com/office/drawing/2010/main" w="9525">
+                <a14:hiddenLine xmlns:a14="http://schemas.microsoft.com/office/drawing/2010/main" xmlns="" w="9525">
                   <a:solidFill>
                     <a:srgbClr val="000000"/>
                   </a:solidFill>
@@ -2358,7 +5038,7 @@
             </a:ln>
             <a:extLst>
               <a:ext uri="{91240B29-F687-4f45-9708-019B960494DF}">
-                <a14:hiddenLine xmlns="" xmlns:a14="http://schemas.microsoft.com/office/drawing/2010/main" w="9525">
+                <a14:hiddenLine xmlns:a14="http://schemas.microsoft.com/office/drawing/2010/main" xmlns="" w="9525">
                   <a:solidFill>
                     <a:srgbClr val="000000"/>
                   </a:solidFill>
@@ -2448,7 +5128,7 @@
             </a:ln>
             <a:extLst>
               <a:ext uri="{91240B29-F687-4f45-9708-019B960494DF}">
-                <a14:hiddenLine xmlns="" xmlns:a14="http://schemas.microsoft.com/office/drawing/2010/main" w="9525">
+                <a14:hiddenLine xmlns:a14="http://schemas.microsoft.com/office/drawing/2010/main" xmlns="" w="9525">
                   <a:solidFill>
                     <a:srgbClr val="000000"/>
                   </a:solidFill>
@@ -2510,7 +5190,7 @@
             </a:ln>
             <a:extLst>
               <a:ext uri="{91240B29-F687-4f45-9708-019B960494DF}">
-                <a14:hiddenLine xmlns="" xmlns:a14="http://schemas.microsoft.com/office/drawing/2010/main" w="9525">
+                <a14:hiddenLine xmlns:a14="http://schemas.microsoft.com/office/drawing/2010/main" xmlns="" w="9525">
                   <a:solidFill>
                     <a:srgbClr val="000000"/>
                   </a:solidFill>
@@ -2572,7 +5252,7 @@
             </a:ln>
             <a:extLst>
               <a:ext uri="{91240B29-F687-4f45-9708-019B960494DF}">
-                <a14:hiddenLine xmlns="" xmlns:a14="http://schemas.microsoft.com/office/drawing/2010/main" w="9525">
+                <a14:hiddenLine xmlns:a14="http://schemas.microsoft.com/office/drawing/2010/main" xmlns="" w="9525">
                   <a:solidFill>
                     <a:srgbClr val="000000"/>
                   </a:solidFill>
@@ -2662,7 +5342,7 @@
             </a:ln>
             <a:extLst>
               <a:ext uri="{91240B29-F687-4f45-9708-019B960494DF}">
-                <a14:hiddenLine xmlns="" xmlns:a14="http://schemas.microsoft.com/office/drawing/2010/main" w="9525">
+                <a14:hiddenLine xmlns:a14="http://schemas.microsoft.com/office/drawing/2010/main" xmlns="" w="9525">
                   <a:solidFill>
                     <a:srgbClr val="000000"/>
                   </a:solidFill>
@@ -2730,7 +5410,7 @@
             </a:ln>
             <a:extLst>
               <a:ext uri="{91240B29-F687-4f45-9708-019B960494DF}">
-                <a14:hiddenLine xmlns="" xmlns:a14="http://schemas.microsoft.com/office/drawing/2010/main" w="9525">
+                <a14:hiddenLine xmlns:a14="http://schemas.microsoft.com/office/drawing/2010/main" xmlns="" w="9525">
                   <a:solidFill>
                     <a:srgbClr val="000000"/>
                   </a:solidFill>
@@ -2792,7 +5472,7 @@
             </a:ln>
             <a:extLst>
               <a:ext uri="{91240B29-F687-4f45-9708-019B960494DF}">
-                <a14:hiddenLine xmlns="" xmlns:a14="http://schemas.microsoft.com/office/drawing/2010/main" w="9525">
+                <a14:hiddenLine xmlns:a14="http://schemas.microsoft.com/office/drawing/2010/main" xmlns="" w="9525">
                   <a:solidFill>
                     <a:srgbClr val="000000"/>
                   </a:solidFill>
@@ -2882,7 +5562,7 @@
             </a:ln>
             <a:extLst>
               <a:ext uri="{91240B29-F687-4f45-9708-019B960494DF}">
-                <a14:hiddenLine xmlns="" xmlns:a14="http://schemas.microsoft.com/office/drawing/2010/main" w="9525">
+                <a14:hiddenLine xmlns:a14="http://schemas.microsoft.com/office/drawing/2010/main" xmlns="" w="9525">
                   <a:solidFill>
                     <a:srgbClr val="000000"/>
                   </a:solidFill>
@@ -2944,7 +5624,7 @@
             </a:ln>
             <a:extLst>
               <a:ext uri="{91240B29-F687-4f45-9708-019B960494DF}">
-                <a14:hiddenLine xmlns="" xmlns:a14="http://schemas.microsoft.com/office/drawing/2010/main" w="9525">
+                <a14:hiddenLine xmlns:a14="http://schemas.microsoft.com/office/drawing/2010/main" xmlns="" w="9525">
                   <a:solidFill>
                     <a:srgbClr val="000000"/>
                   </a:solidFill>
@@ -3034,7 +5714,7 @@
             </a:ln>
             <a:extLst>
               <a:ext uri="{91240B29-F687-4f45-9708-019B960494DF}">
-                <a14:hiddenLine xmlns="" xmlns:a14="http://schemas.microsoft.com/office/drawing/2010/main" w="9525">
+                <a14:hiddenLine xmlns:a14="http://schemas.microsoft.com/office/drawing/2010/main" xmlns="" w="9525">
                   <a:solidFill>
                     <a:srgbClr val="000000"/>
                   </a:solidFill>
@@ -3096,7 +5776,7 @@
             </a:ln>
             <a:extLst>
               <a:ext uri="{91240B29-F687-4f45-9708-019B960494DF}">
-                <a14:hiddenLine xmlns="" xmlns:a14="http://schemas.microsoft.com/office/drawing/2010/main" w="9525">
+                <a14:hiddenLine xmlns:a14="http://schemas.microsoft.com/office/drawing/2010/main" xmlns="" w="9525">
                   <a:solidFill>
                     <a:srgbClr val="000000"/>
                   </a:solidFill>
@@ -3186,7 +5866,7 @@
             </a:ln>
             <a:extLst>
               <a:ext uri="{91240B29-F687-4f45-9708-019B960494DF}">
-                <a14:hiddenLine xmlns="" xmlns:a14="http://schemas.microsoft.com/office/drawing/2010/main" w="9525">
+                <a14:hiddenLine xmlns:a14="http://schemas.microsoft.com/office/drawing/2010/main" xmlns="" w="9525">
                   <a:solidFill>
                     <a:srgbClr val="000000"/>
                   </a:solidFill>
@@ -3220,7 +5900,7 @@
             </a:ln>
             <a:extLst>
               <a:ext uri="{91240B29-F687-4f45-9708-019B960494DF}">
-                <a14:hiddenLine xmlns="" xmlns:a14="http://schemas.microsoft.com/office/drawing/2010/main" w="9525">
+                <a14:hiddenLine xmlns:a14="http://schemas.microsoft.com/office/drawing/2010/main" xmlns="" w="9525">
                   <a:solidFill>
                     <a:srgbClr val="000000"/>
                   </a:solidFill>
@@ -3285,7 +5965,7 @@
             </a:ln>
             <a:extLst>
               <a:ext uri="{91240B29-F687-4f45-9708-019B960494DF}">
-                <a14:hiddenLine xmlns="" xmlns:a14="http://schemas.microsoft.com/office/drawing/2010/main" w="9525">
+                <a14:hiddenLine xmlns:a14="http://schemas.microsoft.com/office/drawing/2010/main" xmlns="" w="9525">
                   <a:solidFill>
                     <a:srgbClr val="000000"/>
                   </a:solidFill>
@@ -3375,7 +6055,7 @@
             </a:ln>
             <a:extLst>
               <a:ext uri="{91240B29-F687-4f45-9708-019B960494DF}">
-                <a14:hiddenLine xmlns="" xmlns:a14="http://schemas.microsoft.com/office/drawing/2010/main" w="9525">
+                <a14:hiddenLine xmlns:a14="http://schemas.microsoft.com/office/drawing/2010/main" xmlns="" w="9525">
                   <a:solidFill>
                     <a:srgbClr val="000000"/>
                   </a:solidFill>
@@ -3437,7 +6117,7 @@
             </a:ln>
             <a:extLst>
               <a:ext uri="{91240B29-F687-4f45-9708-019B960494DF}">
-                <a14:hiddenLine xmlns="" xmlns:a14="http://schemas.microsoft.com/office/drawing/2010/main" w="9525">
+                <a14:hiddenLine xmlns:a14="http://schemas.microsoft.com/office/drawing/2010/main" xmlns="" w="9525">
                   <a:solidFill>
                     <a:srgbClr val="000000"/>
                   </a:solidFill>
@@ -3527,7 +6207,7 @@
             </a:ln>
             <a:extLst>
               <a:ext uri="{91240B29-F687-4f45-9708-019B960494DF}">
-                <a14:hiddenLine xmlns="" xmlns:a14="http://schemas.microsoft.com/office/drawing/2010/main" w="9525">
+                <a14:hiddenLine xmlns:a14="http://schemas.microsoft.com/office/drawing/2010/main" xmlns="" w="9525">
                   <a:solidFill>
                     <a:srgbClr val="000000"/>
                   </a:solidFill>
@@ -3617,7 +6297,7 @@
             </a:ln>
             <a:extLst>
               <a:ext uri="{91240B29-F687-4f45-9708-019B960494DF}">
-                <a14:hiddenLine xmlns="" xmlns:a14="http://schemas.microsoft.com/office/drawing/2010/main" w="9525">
+                <a14:hiddenLine xmlns:a14="http://schemas.microsoft.com/office/drawing/2010/main" xmlns="" w="9525">
                   <a:solidFill>
                     <a:srgbClr val="000000"/>
                   </a:solidFill>
@@ -3682,7 +6362,7 @@
             </a:ln>
             <a:extLst>
               <a:ext uri="{91240B29-F687-4f45-9708-019B960494DF}">
-                <a14:hiddenLine xmlns="" xmlns:a14="http://schemas.microsoft.com/office/drawing/2010/main" w="9525">
+                <a14:hiddenLine xmlns:a14="http://schemas.microsoft.com/office/drawing/2010/main" xmlns="" w="9525">
                   <a:solidFill>
                     <a:srgbClr val="000000"/>
                   </a:solidFill>
@@ -3744,7 +6424,7 @@
             </a:ln>
             <a:extLst>
               <a:ext uri="{91240B29-F687-4f45-9708-019B960494DF}">
-                <a14:hiddenLine xmlns="" xmlns:a14="http://schemas.microsoft.com/office/drawing/2010/main" w="9525">
+                <a14:hiddenLine xmlns:a14="http://schemas.microsoft.com/office/drawing/2010/main" xmlns="" w="9525">
                   <a:solidFill>
                     <a:srgbClr val="000000"/>
                   </a:solidFill>
@@ -3834,7 +6514,7 @@
             </a:ln>
             <a:extLst>
               <a:ext uri="{91240B29-F687-4f45-9708-019B960494DF}">
-                <a14:hiddenLine xmlns="" xmlns:a14="http://schemas.microsoft.com/office/drawing/2010/main" w="9525">
+                <a14:hiddenLine xmlns:a14="http://schemas.microsoft.com/office/drawing/2010/main" xmlns="" w="9525">
                   <a:solidFill>
                     <a:srgbClr val="000000"/>
                   </a:solidFill>
@@ -3924,7 +6604,7 @@
             </a:ln>
             <a:extLst>
               <a:ext uri="{91240B29-F687-4f45-9708-019B960494DF}">
-                <a14:hiddenLine xmlns="" xmlns:a14="http://schemas.microsoft.com/office/drawing/2010/main" w="9525">
+                <a14:hiddenLine xmlns:a14="http://schemas.microsoft.com/office/drawing/2010/main" xmlns="" w="9525">
                   <a:solidFill>
                     <a:srgbClr val="000000"/>
                   </a:solidFill>
@@ -3986,7 +6666,7 @@
             </a:ln>
             <a:extLst>
               <a:ext uri="{91240B29-F687-4f45-9708-019B960494DF}">
-                <a14:hiddenLine xmlns="" xmlns:a14="http://schemas.microsoft.com/office/drawing/2010/main" w="9525">
+                <a14:hiddenLine xmlns:a14="http://schemas.microsoft.com/office/drawing/2010/main" xmlns="" w="9525">
                   <a:solidFill>
                     <a:srgbClr val="000000"/>
                   </a:solidFill>
@@ -4106,7 +6786,7 @@
             </a:ln>
             <a:extLst>
               <a:ext uri="{91240B29-F687-4f45-9708-019B960494DF}">
-                <a14:hiddenLine xmlns="" xmlns:a14="http://schemas.microsoft.com/office/drawing/2010/main" w="9525">
+                <a14:hiddenLine xmlns:a14="http://schemas.microsoft.com/office/drawing/2010/main" xmlns="" w="9525">
                   <a:solidFill>
                     <a:srgbClr val="000000"/>
                   </a:solidFill>
@@ -4174,7 +6854,7 @@
             </a:ln>
             <a:extLst>
               <a:ext uri="{91240B29-F687-4f45-9708-019B960494DF}">
-                <a14:hiddenLine xmlns="" xmlns:a14="http://schemas.microsoft.com/office/drawing/2010/main" w="9525">
+                <a14:hiddenLine xmlns:a14="http://schemas.microsoft.com/office/drawing/2010/main" xmlns="" w="9525">
                   <a:solidFill>
                     <a:srgbClr val="000000"/>
                   </a:solidFill>
@@ -4264,7 +6944,7 @@
             </a:ln>
             <a:extLst>
               <a:ext uri="{91240B29-F687-4f45-9708-019B960494DF}">
-                <a14:hiddenLine xmlns="" xmlns:a14="http://schemas.microsoft.com/office/drawing/2010/main" w="9525">
+                <a14:hiddenLine xmlns:a14="http://schemas.microsoft.com/office/drawing/2010/main" xmlns="" w="9525">
                   <a:solidFill>
                     <a:srgbClr val="000000"/>
                   </a:solidFill>
@@ -4404,7 +7084,7 @@
           <a:p>
             <a:fld id="{48A87A34-81AB-432B-8DAE-1953F412C126}" type="datetimeFigureOut">
               <a:rPr lang="en-US" smtClean="0"/>
-              <a:t>7/13/2017</a:t>
+              <a:t>7/18/2017</a:t>
             </a:fld>
             <a:endParaRPr lang="en-US" dirty="0"/>
           </a:p>
@@ -4671,7 +7351,7 @@
           <a:p>
             <a:fld id="{48A87A34-81AB-432B-8DAE-1953F412C126}" type="datetimeFigureOut">
               <a:rPr lang="en-US" smtClean="0"/>
-              <a:t>7/13/2017</a:t>
+              <a:t>7/18/2017</a:t>
             </a:fld>
             <a:endParaRPr lang="en-US" dirty="0"/>
           </a:p>
@@ -4868,7 +7548,7 @@
             <a:fld id="{48A87A34-81AB-432B-8DAE-1953F412C126}" type="datetimeFigureOut">
               <a:rPr lang="en-US" smtClean="0"/>
               <a:pPr/>
-              <a:t>7/13/2017</a:t>
+              <a:t>7/18/2017</a:t>
             </a:fld>
             <a:endParaRPr lang="en-US" dirty="0"/>
           </a:p>
@@ -5132,7 +7812,7 @@
             <a:fld id="{48A87A34-81AB-432B-8DAE-1953F412C126}" type="datetimeFigureOut">
               <a:rPr lang="en-US" smtClean="0"/>
               <a:pPr/>
-              <a:t>7/13/2017</a:t>
+              <a:t>7/18/2017</a:t>
             </a:fld>
             <a:endParaRPr lang="en-US" dirty="0"/>
           </a:p>
@@ -5567,7 +8247,7 @@
             <a:fld id="{48A87A34-81AB-432B-8DAE-1953F412C126}" type="datetimeFigureOut">
               <a:rPr lang="en-US" smtClean="0"/>
               <a:pPr/>
-              <a:t>7/13/2017</a:t>
+              <a:t>7/18/2017</a:t>
             </a:fld>
             <a:endParaRPr lang="en-US" dirty="0"/>
           </a:p>
@@ -6113,7 +8793,7 @@
           <a:p>
             <a:fld id="{48A87A34-81AB-432B-8DAE-1953F412C126}" type="datetimeFigureOut">
               <a:rPr lang="en-US" smtClean="0"/>
-              <a:t>7/13/2017</a:t>
+              <a:t>7/18/2017</a:t>
             </a:fld>
             <a:endParaRPr lang="en-US" dirty="0"/>
           </a:p>
@@ -6833,7 +9513,7 @@
           <a:p>
             <a:fld id="{48A87A34-81AB-432B-8DAE-1953F412C126}" type="datetimeFigureOut">
               <a:rPr lang="en-US" smtClean="0"/>
-              <a:t>7/13/2017</a:t>
+              <a:t>7/18/2017</a:t>
             </a:fld>
             <a:endParaRPr lang="en-US" dirty="0"/>
           </a:p>
@@ -7003,7 +9683,7 @@
           <a:p>
             <a:fld id="{48A87A34-81AB-432B-8DAE-1953F412C126}" type="datetimeFigureOut">
               <a:rPr lang="en-US" smtClean="0"/>
-              <a:t>7/13/2017</a:t>
+              <a:t>7/18/2017</a:t>
             </a:fld>
             <a:endParaRPr lang="en-US" dirty="0"/>
           </a:p>
@@ -7184,7 +9864,7 @@
             <a:fld id="{48A87A34-81AB-432B-8DAE-1953F412C126}" type="datetimeFigureOut">
               <a:rPr lang="en-US" smtClean="0"/>
               <a:pPr/>
-              <a:t>7/13/2017</a:t>
+              <a:t>7/18/2017</a:t>
             </a:fld>
             <a:endParaRPr lang="en-US" dirty="0"/>
           </a:p>
@@ -7354,7 +10034,7 @@
           <a:p>
             <a:fld id="{48A87A34-81AB-432B-8DAE-1953F412C126}" type="datetimeFigureOut">
               <a:rPr lang="en-US" smtClean="0"/>
-              <a:t>7/13/2017</a:t>
+              <a:t>7/18/2017</a:t>
             </a:fld>
             <a:endParaRPr lang="en-US" dirty="0"/>
           </a:p>
@@ -7605,7 +10285,7 @@
             <a:fld id="{48A87A34-81AB-432B-8DAE-1953F412C126}" type="datetimeFigureOut">
               <a:rPr lang="en-US" smtClean="0"/>
               <a:pPr/>
-              <a:t>7/13/2017</a:t>
+              <a:t>7/18/2017</a:t>
             </a:fld>
             <a:endParaRPr lang="en-US" dirty="0"/>
           </a:p>
@@ -7837,7 +10517,7 @@
           <a:p>
             <a:fld id="{48A87A34-81AB-432B-8DAE-1953F412C126}" type="datetimeFigureOut">
               <a:rPr lang="en-US" smtClean="0"/>
-              <a:t>7/13/2017</a:t>
+              <a:t>7/18/2017</a:t>
             </a:fld>
             <a:endParaRPr lang="en-US" dirty="0"/>
           </a:p>
@@ -8218,7 +10898,7 @@
           <a:p>
             <a:fld id="{48A87A34-81AB-432B-8DAE-1953F412C126}" type="datetimeFigureOut">
               <a:rPr lang="en-US" smtClean="0"/>
-              <a:t>7/13/2017</a:t>
+              <a:t>7/18/2017</a:t>
             </a:fld>
             <a:endParaRPr lang="en-US" dirty="0"/>
           </a:p>
@@ -8336,7 +11016,7 @@
           <a:p>
             <a:fld id="{48A87A34-81AB-432B-8DAE-1953F412C126}" type="datetimeFigureOut">
               <a:rPr lang="en-US" smtClean="0"/>
-              <a:t>7/13/2017</a:t>
+              <a:t>7/18/2017</a:t>
             </a:fld>
             <a:endParaRPr lang="en-US" dirty="0"/>
           </a:p>
@@ -8431,7 +11111,7 @@
           <a:p>
             <a:fld id="{48A87A34-81AB-432B-8DAE-1953F412C126}" type="datetimeFigureOut">
               <a:rPr lang="en-US" smtClean="0"/>
-              <a:t>7/13/2017</a:t>
+              <a:t>7/18/2017</a:t>
             </a:fld>
             <a:endParaRPr lang="en-US" dirty="0"/>
           </a:p>
@@ -8680,7 +11360,7 @@
           <a:p>
             <a:fld id="{48A87A34-81AB-432B-8DAE-1953F412C126}" type="datetimeFigureOut">
               <a:rPr lang="en-US" smtClean="0"/>
-              <a:t>7/13/2017</a:t>
+              <a:t>7/18/2017</a:t>
             </a:fld>
             <a:endParaRPr lang="en-US" dirty="0"/>
           </a:p>
@@ -8960,7 +11640,7 @@
           <a:p>
             <a:fld id="{48A87A34-81AB-432B-8DAE-1953F412C126}" type="datetimeFigureOut">
               <a:rPr lang="en-US" smtClean="0"/>
-              <a:t>7/13/2017</a:t>
+              <a:t>7/18/2017</a:t>
             </a:fld>
             <a:endParaRPr lang="en-US" dirty="0"/>
           </a:p>
@@ -9025,8 +11705,8 @@
 <p:sldMaster xmlns:a="http://schemas.openxmlformats.org/drawingml/2006/main" xmlns:r="http://schemas.openxmlformats.org/officeDocument/2006/relationships" xmlns:p="http://schemas.openxmlformats.org/presentationml/2006/main">
   <p:cSld>
     <p:bg>
-      <p:bgRef idx="1003">
-        <a:schemeClr val="bg2"/>
+      <p:bgRef idx="1001">
+        <a:schemeClr val="bg1"/>
       </p:bgRef>
     </p:bg>
     <p:spTree>
@@ -9083,7 +11763,7 @@
           <a:noFill/>
           <a:extLst>
             <a:ext uri="{909E8E84-426E-40dd-AFC4-6F175D3DCCD1}">
-              <a14:hiddenFill xmlns="" xmlns:a14="http://schemas.microsoft.com/office/drawing/2010/main">
+              <a14:hiddenFill xmlns:a14="http://schemas.microsoft.com/office/drawing/2010/main" xmlns="">
                 <a:solidFill>
                   <a:srgbClr val="FFFFFF"/>
                 </a:solidFill>
@@ -9157,7 +11837,7 @@
               </a:ln>
               <a:extLst>
                 <a:ext uri="{91240B29-F687-4f45-9708-019B960494DF}">
-                  <a14:hiddenLine xmlns="" xmlns:a14="http://schemas.microsoft.com/office/drawing/2010/main" w="9525">
+                  <a14:hiddenLine xmlns:a14="http://schemas.microsoft.com/office/drawing/2010/main" xmlns="" w="9525">
                     <a:solidFill>
                       <a:srgbClr val="000000"/>
                     </a:solidFill>
@@ -9247,7 +11927,7 @@
               </a:ln>
               <a:extLst>
                 <a:ext uri="{91240B29-F687-4f45-9708-019B960494DF}">
-                  <a14:hiddenLine xmlns="" xmlns:a14="http://schemas.microsoft.com/office/drawing/2010/main" w="9525">
+                  <a14:hiddenLine xmlns:a14="http://schemas.microsoft.com/office/drawing/2010/main" xmlns="" w="9525">
                     <a:solidFill>
                       <a:srgbClr val="000000"/>
                     </a:solidFill>
@@ -9337,7 +12017,7 @@
               </a:ln>
               <a:extLst>
                 <a:ext uri="{91240B29-F687-4f45-9708-019B960494DF}">
-                  <a14:hiddenLine xmlns="" xmlns:a14="http://schemas.microsoft.com/office/drawing/2010/main" w="9525">
+                  <a14:hiddenLine xmlns:a14="http://schemas.microsoft.com/office/drawing/2010/main" xmlns="" w="9525">
                     <a:solidFill>
                       <a:srgbClr val="000000"/>
                     </a:solidFill>
@@ -9399,7 +12079,7 @@
               </a:ln>
               <a:extLst>
                 <a:ext uri="{91240B29-F687-4f45-9708-019B960494DF}">
-                  <a14:hiddenLine xmlns="" xmlns:a14="http://schemas.microsoft.com/office/drawing/2010/main" w="9525">
+                  <a14:hiddenLine xmlns:a14="http://schemas.microsoft.com/office/drawing/2010/main" xmlns="" w="9525">
                     <a:solidFill>
                       <a:srgbClr val="000000"/>
                     </a:solidFill>
@@ -9489,7 +12169,7 @@
               </a:ln>
               <a:extLst>
                 <a:ext uri="{91240B29-F687-4f45-9708-019B960494DF}">
-                  <a14:hiddenLine xmlns="" xmlns:a14="http://schemas.microsoft.com/office/drawing/2010/main" w="9525">
+                  <a14:hiddenLine xmlns:a14="http://schemas.microsoft.com/office/drawing/2010/main" xmlns="" w="9525">
                     <a:solidFill>
                       <a:srgbClr val="000000"/>
                     </a:solidFill>
@@ -9551,7 +12231,7 @@
               </a:ln>
               <a:extLst>
                 <a:ext uri="{91240B29-F687-4f45-9708-019B960494DF}">
-                  <a14:hiddenLine xmlns="" xmlns:a14="http://schemas.microsoft.com/office/drawing/2010/main" w="9525">
+                  <a14:hiddenLine xmlns:a14="http://schemas.microsoft.com/office/drawing/2010/main" xmlns="" w="9525">
                     <a:solidFill>
                       <a:srgbClr val="000000"/>
                     </a:solidFill>
@@ -9613,7 +12293,7 @@
               </a:ln>
               <a:extLst>
                 <a:ext uri="{91240B29-F687-4f45-9708-019B960494DF}">
-                  <a14:hiddenLine xmlns="" xmlns:a14="http://schemas.microsoft.com/office/drawing/2010/main" w="9525">
+                  <a14:hiddenLine xmlns:a14="http://schemas.microsoft.com/office/drawing/2010/main" xmlns="" w="9525">
                     <a:solidFill>
                       <a:srgbClr val="000000"/>
                     </a:solidFill>
@@ -9703,7 +12383,7 @@
               </a:ln>
               <a:extLst>
                 <a:ext uri="{91240B29-F687-4f45-9708-019B960494DF}">
-                  <a14:hiddenLine xmlns="" xmlns:a14="http://schemas.microsoft.com/office/drawing/2010/main" w="9525">
+                  <a14:hiddenLine xmlns:a14="http://schemas.microsoft.com/office/drawing/2010/main" xmlns="" w="9525">
                     <a:solidFill>
                       <a:srgbClr val="000000"/>
                     </a:solidFill>
@@ -9793,7 +12473,7 @@
               </a:ln>
               <a:extLst>
                 <a:ext uri="{91240B29-F687-4f45-9708-019B960494DF}">
-                  <a14:hiddenLine xmlns="" xmlns:a14="http://schemas.microsoft.com/office/drawing/2010/main" w="9525">
+                  <a14:hiddenLine xmlns:a14="http://schemas.microsoft.com/office/drawing/2010/main" xmlns="" w="9525">
                     <a:solidFill>
                       <a:srgbClr val="000000"/>
                     </a:solidFill>
@@ -9855,7 +12535,7 @@
               </a:ln>
               <a:extLst>
                 <a:ext uri="{91240B29-F687-4f45-9708-019B960494DF}">
-                  <a14:hiddenLine xmlns="" xmlns:a14="http://schemas.microsoft.com/office/drawing/2010/main" w="9525">
+                  <a14:hiddenLine xmlns:a14="http://schemas.microsoft.com/office/drawing/2010/main" xmlns="" w="9525">
                     <a:solidFill>
                       <a:srgbClr val="000000"/>
                     </a:solidFill>
@@ -9965,7 +12645,7 @@
               </a:ln>
               <a:extLst>
                 <a:ext uri="{91240B29-F687-4f45-9708-019B960494DF}">
-                  <a14:hiddenLine xmlns="" xmlns:a14="http://schemas.microsoft.com/office/drawing/2010/main" w="9525">
+                  <a14:hiddenLine xmlns:a14="http://schemas.microsoft.com/office/drawing/2010/main" xmlns="" w="9525">
                     <a:solidFill>
                       <a:srgbClr val="000000"/>
                     </a:solidFill>
@@ -10049,7 +12729,7 @@
               </a:ln>
               <a:extLst>
                 <a:ext uri="{91240B29-F687-4f45-9708-019B960494DF}">
-                  <a14:hiddenLine xmlns="" xmlns:a14="http://schemas.microsoft.com/office/drawing/2010/main" w="9525">
+                  <a14:hiddenLine xmlns:a14="http://schemas.microsoft.com/office/drawing/2010/main" xmlns="" w="9525">
                     <a:solidFill>
                       <a:srgbClr val="000000"/>
                     </a:solidFill>
@@ -10111,7 +12791,7 @@
               </a:ln>
               <a:extLst>
                 <a:ext uri="{91240B29-F687-4f45-9708-019B960494DF}">
-                  <a14:hiddenLine xmlns="" xmlns:a14="http://schemas.microsoft.com/office/drawing/2010/main" w="9525">
+                  <a14:hiddenLine xmlns:a14="http://schemas.microsoft.com/office/drawing/2010/main" xmlns="" w="9525">
                     <a:solidFill>
                       <a:srgbClr val="000000"/>
                     </a:solidFill>
@@ -10173,7 +12853,7 @@
               </a:ln>
               <a:extLst>
                 <a:ext uri="{91240B29-F687-4f45-9708-019B960494DF}">
-                  <a14:hiddenLine xmlns="" xmlns:a14="http://schemas.microsoft.com/office/drawing/2010/main" w="9525">
+                  <a14:hiddenLine xmlns:a14="http://schemas.microsoft.com/office/drawing/2010/main" xmlns="" w="9525">
                     <a:solidFill>
                       <a:srgbClr val="000000"/>
                     </a:solidFill>
@@ -10263,7 +12943,7 @@
               </a:ln>
               <a:extLst>
                 <a:ext uri="{91240B29-F687-4f45-9708-019B960494DF}">
-                  <a14:hiddenLine xmlns="" xmlns:a14="http://schemas.microsoft.com/office/drawing/2010/main" w="9525">
+                  <a14:hiddenLine xmlns:a14="http://schemas.microsoft.com/office/drawing/2010/main" xmlns="" w="9525">
                     <a:solidFill>
                       <a:srgbClr val="000000"/>
                     </a:solidFill>
@@ -10297,7 +12977,7 @@
               </a:ln>
               <a:extLst>
                 <a:ext uri="{91240B29-F687-4f45-9708-019B960494DF}">
-                  <a14:hiddenLine xmlns="" xmlns:a14="http://schemas.microsoft.com/office/drawing/2010/main" w="9525">
+                  <a14:hiddenLine xmlns:a14="http://schemas.microsoft.com/office/drawing/2010/main" xmlns="" w="9525">
                     <a:solidFill>
                       <a:srgbClr val="000000"/>
                     </a:solidFill>
@@ -10362,7 +13042,7 @@
               </a:ln>
               <a:extLst>
                 <a:ext uri="{91240B29-F687-4f45-9708-019B960494DF}">
-                  <a14:hiddenLine xmlns="" xmlns:a14="http://schemas.microsoft.com/office/drawing/2010/main" w="9525">
+                  <a14:hiddenLine xmlns:a14="http://schemas.microsoft.com/office/drawing/2010/main" xmlns="" w="9525">
                     <a:solidFill>
                       <a:srgbClr val="000000"/>
                     </a:solidFill>
@@ -10452,7 +13132,7 @@
               </a:ln>
               <a:extLst>
                 <a:ext uri="{91240B29-F687-4f45-9708-019B960494DF}">
-                  <a14:hiddenLine xmlns="" xmlns:a14="http://schemas.microsoft.com/office/drawing/2010/main" w="9525">
+                  <a14:hiddenLine xmlns:a14="http://schemas.microsoft.com/office/drawing/2010/main" xmlns="" w="9525">
                     <a:solidFill>
                       <a:srgbClr val="000000"/>
                     </a:solidFill>
@@ -10514,7 +13194,7 @@
               </a:ln>
               <a:extLst>
                 <a:ext uri="{91240B29-F687-4f45-9708-019B960494DF}">
-                  <a14:hiddenLine xmlns="" xmlns:a14="http://schemas.microsoft.com/office/drawing/2010/main" w="9525">
+                  <a14:hiddenLine xmlns:a14="http://schemas.microsoft.com/office/drawing/2010/main" xmlns="" w="9525">
                     <a:solidFill>
                       <a:srgbClr val="000000"/>
                     </a:solidFill>
@@ -10604,7 +13284,7 @@
               </a:ln>
               <a:extLst>
                 <a:ext uri="{91240B29-F687-4f45-9708-019B960494DF}">
-                  <a14:hiddenLine xmlns="" xmlns:a14="http://schemas.microsoft.com/office/drawing/2010/main" w="9525">
+                  <a14:hiddenLine xmlns:a14="http://schemas.microsoft.com/office/drawing/2010/main" xmlns="" w="9525">
                     <a:solidFill>
                       <a:srgbClr val="000000"/>
                     </a:solidFill>
@@ -10669,7 +13349,7 @@
               </a:ln>
               <a:extLst>
                 <a:ext uri="{91240B29-F687-4f45-9708-019B960494DF}">
-                  <a14:hiddenLine xmlns="" xmlns:a14="http://schemas.microsoft.com/office/drawing/2010/main" w="9525">
+                  <a14:hiddenLine xmlns:a14="http://schemas.microsoft.com/office/drawing/2010/main" xmlns="" w="9525">
                     <a:solidFill>
                       <a:srgbClr val="000000"/>
                     </a:solidFill>
@@ -10731,7 +13411,7 @@
               </a:ln>
               <a:extLst>
                 <a:ext uri="{91240B29-F687-4f45-9708-019B960494DF}">
-                  <a14:hiddenLine xmlns="" xmlns:a14="http://schemas.microsoft.com/office/drawing/2010/main" w="9525">
+                  <a14:hiddenLine xmlns:a14="http://schemas.microsoft.com/office/drawing/2010/main" xmlns="" w="9525">
                     <a:solidFill>
                       <a:srgbClr val="000000"/>
                     </a:solidFill>
@@ -10821,7 +13501,7 @@
               </a:ln>
               <a:extLst>
                 <a:ext uri="{91240B29-F687-4f45-9708-019B960494DF}">
-                  <a14:hiddenLine xmlns="" xmlns:a14="http://schemas.microsoft.com/office/drawing/2010/main" w="9525">
+                  <a14:hiddenLine xmlns:a14="http://schemas.microsoft.com/office/drawing/2010/main" xmlns="" w="9525">
                     <a:solidFill>
                       <a:srgbClr val="000000"/>
                     </a:solidFill>
@@ -10911,7 +13591,7 @@
               </a:ln>
               <a:extLst>
                 <a:ext uri="{91240B29-F687-4f45-9708-019B960494DF}">
-                  <a14:hiddenLine xmlns="" xmlns:a14="http://schemas.microsoft.com/office/drawing/2010/main" w="9525">
+                  <a14:hiddenLine xmlns:a14="http://schemas.microsoft.com/office/drawing/2010/main" xmlns="" w="9525">
                     <a:solidFill>
                       <a:srgbClr val="000000"/>
                     </a:solidFill>
@@ -10976,7 +13656,7 @@
               </a:ln>
               <a:extLst>
                 <a:ext uri="{91240B29-F687-4f45-9708-019B960494DF}">
-                  <a14:hiddenLine xmlns="" xmlns:a14="http://schemas.microsoft.com/office/drawing/2010/main" w="9525">
+                  <a14:hiddenLine xmlns:a14="http://schemas.microsoft.com/office/drawing/2010/main" xmlns="" w="9525">
                     <a:solidFill>
                       <a:srgbClr val="000000"/>
                     </a:solidFill>
@@ -11096,7 +13776,7 @@
               </a:ln>
               <a:extLst>
                 <a:ext uri="{91240B29-F687-4f45-9708-019B960494DF}">
-                  <a14:hiddenLine xmlns="" xmlns:a14="http://schemas.microsoft.com/office/drawing/2010/main" w="9525">
+                  <a14:hiddenLine xmlns:a14="http://schemas.microsoft.com/office/drawing/2010/main" xmlns="" w="9525">
                     <a:solidFill>
                       <a:srgbClr val="000000"/>
                     </a:solidFill>
@@ -11177,7 +13857,7 @@
               </a:ln>
               <a:extLst>
                 <a:ext uri="{91240B29-F687-4f45-9708-019B960494DF}">
-                  <a14:hiddenLine xmlns="" xmlns:a14="http://schemas.microsoft.com/office/drawing/2010/main" w="9525">
+                  <a14:hiddenLine xmlns:a14="http://schemas.microsoft.com/office/drawing/2010/main" xmlns="" w="9525">
                     <a:solidFill>
                       <a:srgbClr val="000000"/>
                     </a:solidFill>
@@ -11292,7 +13972,7 @@
               </a:ln>
               <a:extLst>
                 <a:ext uri="{91240B29-F687-4f45-9708-019B960494DF}">
-                  <a14:hiddenLine xmlns="" xmlns:a14="http://schemas.microsoft.com/office/drawing/2010/main" w="9525">
+                  <a14:hiddenLine xmlns:a14="http://schemas.microsoft.com/office/drawing/2010/main" xmlns="" w="9525">
                     <a:solidFill>
                       <a:srgbClr val="000000"/>
                     </a:solidFill>
@@ -11382,7 +14062,7 @@
               </a:ln>
               <a:extLst>
                 <a:ext uri="{91240B29-F687-4f45-9708-019B960494DF}">
-                  <a14:hiddenLine xmlns="" xmlns:a14="http://schemas.microsoft.com/office/drawing/2010/main" w="9525">
+                  <a14:hiddenLine xmlns:a14="http://schemas.microsoft.com/office/drawing/2010/main" xmlns="" w="9525">
                     <a:solidFill>
                       <a:srgbClr val="000000"/>
                     </a:solidFill>
@@ -11447,7 +14127,7 @@
               </a:ln>
               <a:extLst>
                 <a:ext uri="{91240B29-F687-4f45-9708-019B960494DF}">
-                  <a14:hiddenLine xmlns="" xmlns:a14="http://schemas.microsoft.com/office/drawing/2010/main" w="9525">
+                  <a14:hiddenLine xmlns:a14="http://schemas.microsoft.com/office/drawing/2010/main" xmlns="" w="9525">
                     <a:solidFill>
                       <a:srgbClr val="000000"/>
                     </a:solidFill>
@@ -11537,7 +14217,7 @@
               </a:ln>
               <a:extLst>
                 <a:ext uri="{91240B29-F687-4f45-9708-019B960494DF}">
-                  <a14:hiddenLine xmlns="" xmlns:a14="http://schemas.microsoft.com/office/drawing/2010/main" w="9525">
+                  <a14:hiddenLine xmlns:a14="http://schemas.microsoft.com/office/drawing/2010/main" xmlns="" w="9525">
                     <a:solidFill>
                       <a:srgbClr val="000000"/>
                     </a:solidFill>
@@ -11605,7 +14285,7 @@
               </a:ln>
               <a:extLst>
                 <a:ext uri="{91240B29-F687-4f45-9708-019B960494DF}">
-                  <a14:hiddenLine xmlns="" xmlns:a14="http://schemas.microsoft.com/office/drawing/2010/main" w="9525">
+                  <a14:hiddenLine xmlns:a14="http://schemas.microsoft.com/office/drawing/2010/main" xmlns="" w="9525">
                     <a:solidFill>
                       <a:srgbClr val="000000"/>
                     </a:solidFill>
@@ -11695,7 +14375,7 @@
               </a:ln>
               <a:extLst>
                 <a:ext uri="{91240B29-F687-4f45-9708-019B960494DF}">
-                  <a14:hiddenLine xmlns="" xmlns:a14="http://schemas.microsoft.com/office/drawing/2010/main" w="9525">
+                  <a14:hiddenLine xmlns:a14="http://schemas.microsoft.com/office/drawing/2010/main" xmlns="" w="9525">
                     <a:solidFill>
                       <a:srgbClr val="000000"/>
                     </a:solidFill>
@@ -11763,7 +14443,7 @@
               </a:ln>
               <a:extLst>
                 <a:ext uri="{91240B29-F687-4f45-9708-019B960494DF}">
-                  <a14:hiddenLine xmlns="" xmlns:a14="http://schemas.microsoft.com/office/drawing/2010/main" w="9525">
+                  <a14:hiddenLine xmlns:a14="http://schemas.microsoft.com/office/drawing/2010/main" xmlns="" w="9525">
                     <a:solidFill>
                       <a:srgbClr val="000000"/>
                     </a:solidFill>
@@ -11853,7 +14533,7 @@
               </a:ln>
               <a:extLst>
                 <a:ext uri="{91240B29-F687-4f45-9708-019B960494DF}">
-                  <a14:hiddenLine xmlns="" xmlns:a14="http://schemas.microsoft.com/office/drawing/2010/main" w="9525">
+                  <a14:hiddenLine xmlns:a14="http://schemas.microsoft.com/office/drawing/2010/main" xmlns="" w="9525">
                     <a:solidFill>
                       <a:srgbClr val="000000"/>
                     </a:solidFill>
@@ -11887,7 +14567,7 @@
               </a:ln>
               <a:extLst>
                 <a:ext uri="{91240B29-F687-4f45-9708-019B960494DF}">
-                  <a14:hiddenLine xmlns="" xmlns:a14="http://schemas.microsoft.com/office/drawing/2010/main" w="9525">
+                  <a14:hiddenLine xmlns:a14="http://schemas.microsoft.com/office/drawing/2010/main" xmlns="" w="9525">
                     <a:solidFill>
                       <a:srgbClr val="000000"/>
                     </a:solidFill>
@@ -12028,7 +14708,7 @@
             <a:fld id="{48A87A34-81AB-432B-8DAE-1953F412C126}" type="datetimeFigureOut">
               <a:rPr lang="en-US" smtClean="0"/>
               <a:pPr/>
-              <a:t>7/13/2017</a:t>
+              <a:t>7/18/2017</a:t>
             </a:fld>
             <a:endParaRPr lang="en-US" dirty="0"/>
           </a:p>
@@ -12120,7 +14800,7 @@
       </p:ext>
     </p:extLst>
   </p:cSld>
-  <p:clrMap bg1="dk1" tx1="lt1" bg2="dk2" tx2="lt2" accent1="accent1" accent2="accent2" accent3="accent3" accent4="accent4" accent5="accent5" accent6="accent6" hlink="hlink" folHlink="folHlink"/>
+  <p:clrMap bg1="lt1" tx1="dk1" bg2="lt2" tx2="dk2" accent1="accent1" accent2="accent2" accent3="accent3" accent4="accent4" accent5="accent5" accent6="accent6" hlink="hlink" folHlink="folHlink"/>
   <p:sldLayoutIdLst>
     <p:sldLayoutId id="2147483706" r:id="rId1"/>
     <p:sldLayoutId id="2147483707" r:id="rId2"/>
@@ -12435,6 +15115,14 @@
 <file path=ppt/slides/slide1.xml><?xml version="1.0" encoding="utf-8"?>
 <p:sld xmlns:a="http://schemas.openxmlformats.org/drawingml/2006/main" xmlns:r="http://schemas.openxmlformats.org/officeDocument/2006/relationships" xmlns:p="http://schemas.openxmlformats.org/presentationml/2006/main">
   <p:cSld>
+    <p:bg>
+      <p:bgPr>
+        <a:solidFill>
+          <a:schemeClr val="bg1"/>
+        </a:solidFill>
+        <a:effectLst/>
+      </p:bgPr>
+    </p:bg>
     <p:spTree>
       <p:nvGrpSpPr>
         <p:cNvPr id="1" name=""/>
@@ -12521,7 +15209,7 @@
             </a:r>
             <a:r>
               <a:rPr lang="en-AU" i="1" dirty="0" smtClean="0"/>
-              <a:t>Baljevic, Dorotea; Bohle Moritz; </a:t>
+              <a:t>Baljevic, Dorotea; </a:t>
             </a:r>
             <a:r>
               <a:rPr lang="en-AU" i="1" dirty="0" err="1" smtClean="0"/>
@@ -12556,7 +15244,11 @@
               <a:t>; </a:t>
             </a:r>
             <a:r>
-              <a:rPr lang="en-AU" i="1" dirty="0" err="1" smtClean="0"/>
+              <a:rPr lang="en-AU" i="1" dirty="0"/>
+              <a:t>Bohle Moritz; </a:t>
+            </a:r>
+            <a:r>
+              <a:rPr lang="en-AU" i="1" dirty="0" err="1"/>
               <a:t>moore</a:t>
             </a:r>
             <a:r>
@@ -12568,15 +15260,75 @@
           <a:p>
             <a:r>
               <a:rPr lang="en-AU" b="1" dirty="0" smtClean="0"/>
-              <a:t>Team: </a:t>
+              <a:t>Team</a:t>
+            </a:r>
+            <a:r>
+              <a:rPr lang="en-AU" b="1" dirty="0" smtClean="0"/>
+              <a:t>: </a:t>
+            </a:r>
+            <a:r>
+              <a:rPr lang="en-AU" dirty="0" err="1"/>
+              <a:t>Ajaj</a:t>
+            </a:r>
+            <a:r>
+              <a:rPr lang="en-AU" dirty="0"/>
+              <a:t> , Tamer; </a:t>
+            </a:r>
+            <a:r>
+              <a:rPr lang="en-AU" dirty="0" err="1"/>
+              <a:t>Atanaszov</a:t>
+            </a:r>
+            <a:r>
+              <a:rPr lang="en-AU" dirty="0"/>
+              <a:t>, </a:t>
+            </a:r>
+            <a:r>
+              <a:rPr lang="en-AU" dirty="0" err="1"/>
+              <a:t>Olivér</a:t>
+            </a:r>
+            <a:r>
+              <a:rPr lang="en-AU" dirty="0"/>
+              <a:t>; Baljevic, Dorotea; Bohle, </a:t>
             </a:r>
             <a:r>
               <a:rPr lang="en-AU" dirty="0" smtClean="0"/>
-              <a:t>Dorotea </a:t>
+              <a:t>MORITZ; Hesse</a:t>
             </a:r>
             <a:r>
               <a:rPr lang="en-AU" dirty="0"/>
-              <a:t>Baljevic, Moritz Bohle, </a:t>
+              <a:t>, Eric; Kress, Elisabeth</a:t>
+            </a:r>
+            <a:r>
+              <a:rPr lang="en-AU" dirty="0" smtClean="0"/>
+              <a:t>; </a:t>
+            </a:r>
+            <a:r>
+              <a:rPr lang="en-AU" dirty="0"/>
+              <a:t>Moore, Alexander; Suarez, Paola; </a:t>
+            </a:r>
+            <a:r>
+              <a:rPr lang="en-AU" dirty="0" err="1"/>
+              <a:t>Winklmayr</a:t>
+            </a:r>
+            <a:r>
+              <a:rPr lang="en-AU" dirty="0"/>
+              <a:t>, Claudia ; Wu, </a:t>
+            </a:r>
+            <a:r>
+              <a:rPr lang="en-AU" dirty="0" err="1"/>
+              <a:t>Jiameng</a:t>
+            </a:r>
+            <a:r>
+              <a:rPr lang="en-AU" dirty="0"/>
+              <a:t>; </a:t>
+            </a:r>
+            <a:r>
+              <a:rPr lang="en-AU" dirty="0" err="1"/>
+              <a:t>Ymeraj</a:t>
+            </a:r>
+            <a:r>
+              <a:rPr lang="en-AU" dirty="0"/>
+              <a:t>, </a:t>
             </a:r>
             <a:r>
               <a:rPr lang="en-AU" dirty="0" err="1"/>
@@ -12584,11 +15336,11 @@
             </a:r>
             <a:r>
               <a:rPr lang="en-AU" dirty="0"/>
-              <a:t> </a:t>
+              <a:t>; </a:t>
             </a:r>
             <a:r>
               <a:rPr lang="en-AU" dirty="0" err="1"/>
-              <a:t>Ymeraj</a:t>
+              <a:t>Zariei</a:t>
             </a:r>
             <a:r>
               <a:rPr lang="en-AU" dirty="0"/>
@@ -12596,54 +15348,18 @@
             </a:r>
             <a:r>
               <a:rPr lang="en-AU" dirty="0" err="1"/>
-              <a:t>Jiameng</a:t>
-            </a:r>
-            <a:r>
-              <a:rPr lang="en-AU" dirty="0"/>
-              <a:t> Wu, Paola Suarez, Alexander Moore, Elisabeth Cress, Eric Hesse, </a:t>
-            </a:r>
-            <a:r>
-              <a:rPr lang="en-AU" dirty="0" err="1"/>
               <a:t>Negin</a:t>
             </a:r>
-            <a:r>
-              <a:rPr lang="en-AU" dirty="0"/>
-              <a:t> </a:t>
-            </a:r>
-            <a:r>
-              <a:rPr lang="en-AU" dirty="0" err="1"/>
-              <a:t>Zairi</a:t>
-            </a:r>
-            <a:r>
-              <a:rPr lang="en-AU" dirty="0"/>
-              <a:t>, </a:t>
-            </a:r>
-            <a:r>
-              <a:rPr lang="en-AU" dirty="0" err="1"/>
-              <a:t>Olver</a:t>
-            </a:r>
-            <a:r>
-              <a:rPr lang="en-AU" dirty="0"/>
-              <a:t> </a:t>
-            </a:r>
-            <a:r>
-              <a:rPr lang="en-AU" dirty="0" err="1"/>
-              <a:t>atanaszov</a:t>
-            </a:r>
-            <a:r>
-              <a:rPr lang="en-AU" dirty="0"/>
-              <a:t>, Tamer AJAJ, CLAUDIA  </a:t>
-            </a:r>
-            <a:r>
-              <a:rPr lang="en-AU" dirty="0" smtClean="0"/>
-              <a:t>XXXX</a:t>
-            </a:r>
-            <a:endParaRPr lang="en-AU" b="1" dirty="0" smtClean="0"/>
+            <a:endParaRPr lang="en-AU" dirty="0"/>
           </a:p>
           <a:p>
             <a:r>
               <a:rPr lang="en-AU" b="1" dirty="0" smtClean="0"/>
-              <a:t>supervisors: </a:t>
+              <a:t>supervisors</a:t>
+            </a:r>
+            <a:r>
+              <a:rPr lang="en-AU" b="1" dirty="0" smtClean="0"/>
+              <a:t>: </a:t>
             </a:r>
             <a:r>
               <a:rPr lang="en-AU" dirty="0" smtClean="0"/>
@@ -12653,6 +15369,29 @@
           </a:p>
         </p:txBody>
       </p:sp>
+      <p:pic>
+        <p:nvPicPr>
+          <p:cNvPr id="5" name="Picture 4"/>
+          <p:cNvPicPr>
+            <a:picLocks noChangeAspect="1"/>
+          </p:cNvPicPr>
+          <p:nvPr/>
+        </p:nvPicPr>
+        <p:blipFill rotWithShape="1">
+          <a:blip r:embed="rId2"/>
+          <a:srcRect/>
+          <a:stretch/>
+        </p:blipFill>
+        <p:spPr>
+          <a:xfrm>
+            <a:off x="11369230" y="4483524"/>
+            <a:ext cx="758762" cy="800149"/>
+          </a:xfrm>
+          <a:prstGeom prst="rect">
+            <a:avLst/>
+          </a:prstGeom>
+        </p:spPr>
+      </p:pic>
     </p:spTree>
     <p:extLst>
       <p:ext uri="{BB962C8B-B14F-4D97-AF65-F5344CB8AC3E}">
@@ -12774,6 +15513,29 @@
           </a:p>
         </p:txBody>
       </p:sp>
+      <p:pic>
+        <p:nvPicPr>
+          <p:cNvPr id="5" name="Picture 4"/>
+          <p:cNvPicPr>
+            <a:picLocks noChangeAspect="1"/>
+          </p:cNvPicPr>
+          <p:nvPr/>
+        </p:nvPicPr>
+        <p:blipFill rotWithShape="1">
+          <a:blip r:embed="rId2"/>
+          <a:srcRect/>
+          <a:stretch/>
+        </p:blipFill>
+        <p:spPr>
+          <a:xfrm>
+            <a:off x="11369230" y="4483524"/>
+            <a:ext cx="758762" cy="800149"/>
+          </a:xfrm>
+          <a:prstGeom prst="rect">
+            <a:avLst/>
+          </a:prstGeom>
+        </p:spPr>
+      </p:pic>
     </p:spTree>
     <p:extLst>
       <p:ext uri="{BB962C8B-B14F-4D97-AF65-F5344CB8AC3E}">
@@ -12784,6 +15546,13 @@
   <p:clrMapOvr>
     <a:masterClrMapping/>
   </p:clrMapOvr>
+  <p:timing>
+    <p:tnLst>
+      <p:par>
+        <p:cTn id="1" dur="indefinite" restart="never" nodeType="tmRoot"/>
+      </p:par>
+    </p:tnLst>
+  </p:timing>
 </p:sld>
 </file>
 
@@ -12846,6 +15615,29 @@
           </a:p>
         </p:txBody>
       </p:sp>
+      <p:pic>
+        <p:nvPicPr>
+          <p:cNvPr id="4" name="Picture 3"/>
+          <p:cNvPicPr>
+            <a:picLocks noChangeAspect="1"/>
+          </p:cNvPicPr>
+          <p:nvPr/>
+        </p:nvPicPr>
+        <p:blipFill rotWithShape="1">
+          <a:blip r:embed="rId2"/>
+          <a:srcRect/>
+          <a:stretch/>
+        </p:blipFill>
+        <p:spPr>
+          <a:xfrm>
+            <a:off x="11369230" y="4483524"/>
+            <a:ext cx="758762" cy="800149"/>
+          </a:xfrm>
+          <a:prstGeom prst="rect">
+            <a:avLst/>
+          </a:prstGeom>
+        </p:spPr>
+      </p:pic>
     </p:spTree>
     <p:extLst>
       <p:ext uri="{BB962C8B-B14F-4D97-AF65-F5344CB8AC3E}">
@@ -12912,62 +15704,222 @@
         <p:spPr/>
         <p:txBody>
           <a:bodyPr>
-            <a:normAutofit fontScale="70000" lnSpcReduction="20000"/>
+            <a:normAutofit fontScale="92500"/>
           </a:bodyPr>
           <a:lstStyle/>
           <a:p>
-            <a:r>
-              <a:rPr lang="en-AU" dirty="0" smtClean="0"/>
-              <a:t>Goal</a:t>
-            </a:r>
-          </a:p>
-          <a:p>
-            <a:endParaRPr lang="en-AU" dirty="0"/>
-          </a:p>
-          <a:p>
-            <a:r>
-              <a:rPr lang="en-AU" dirty="0" smtClean="0"/>
-              <a:t>Design Principles</a:t>
-            </a:r>
-          </a:p>
-          <a:p>
-            <a:endParaRPr lang="en-AU" dirty="0"/>
-          </a:p>
-          <a:p>
-            <a:r>
-              <a:rPr lang="en-AU" dirty="0" smtClean="0"/>
-              <a:t>Timeline</a:t>
-            </a:r>
-          </a:p>
-          <a:p>
-            <a:endParaRPr lang="en-AU" dirty="0"/>
-          </a:p>
-          <a:p>
-            <a:r>
-              <a:rPr lang="en-AU" dirty="0" smtClean="0"/>
-              <a:t>Team</a:t>
-            </a:r>
-          </a:p>
-          <a:p>
-            <a:endParaRPr lang="en-AU" dirty="0"/>
-          </a:p>
-          <a:p>
-            <a:r>
-              <a:rPr lang="en-AU" dirty="0" smtClean="0"/>
-              <a:t>Key statistics (i.e. hours, commits </a:t>
-            </a:r>
-            <a:r>
-              <a:rPr lang="en-AU" dirty="0" err="1" smtClean="0"/>
-              <a:t>etc</a:t>
-            </a:r>
-            <a:r>
-              <a:rPr lang="en-AU" smtClean="0"/>
-              <a:t>)</a:t>
-            </a:r>
-            <a:endParaRPr lang="en-AU" dirty="0"/>
+            <a:pPr marL="0" indent="0">
+              <a:buNone/>
+            </a:pPr>
+            <a:r>
+              <a:rPr lang="en-AU" dirty="0"/>
+              <a:t/>
+            </a:r>
+            <a:br>
+              <a:rPr lang="en-AU" dirty="0"/>
+            </a:br>
+            <a:r>
+              <a:rPr lang="en-AU" sz="3600" b="1" i="1" dirty="0">
+                <a:solidFill>
+                  <a:schemeClr val="accent6"/>
+                </a:solidFill>
+              </a:rPr>
+              <a:t>A</a:t>
+            </a:r>
+            <a:r>
+              <a:rPr lang="en-AU" sz="3600" i="1" dirty="0">
+                <a:solidFill>
+                  <a:schemeClr val="accent6"/>
+                </a:solidFill>
+              </a:rPr>
+              <a:t> </a:t>
+            </a:r>
+            <a:r>
+              <a:rPr lang="en-AU" sz="3600" b="1" i="1" dirty="0">
+                <a:solidFill>
+                  <a:schemeClr val="accent6"/>
+                </a:solidFill>
+              </a:rPr>
+              <a:t>product</a:t>
+            </a:r>
+            <a:r>
+              <a:rPr lang="en-AU" sz="3600" i="1" dirty="0">
+                <a:solidFill>
+                  <a:schemeClr val="accent6"/>
+                </a:solidFill>
+              </a:rPr>
+              <a:t> </a:t>
+            </a:r>
+            <a:r>
+              <a:rPr lang="en-AU" sz="3600" i="1" dirty="0">
+                <a:solidFill>
+                  <a:schemeClr val="bg1">
+                    <a:lumMod val="65000"/>
+                  </a:schemeClr>
+                </a:solidFill>
+              </a:rPr>
+              <a:t>that would be able to </a:t>
+            </a:r>
+            <a:r>
+              <a:rPr lang="en-AU" sz="3600" b="1" i="1" dirty="0">
+                <a:solidFill>
+                  <a:schemeClr val="accent6"/>
+                </a:solidFill>
+              </a:rPr>
+              <a:t>predict</a:t>
+            </a:r>
+            <a:r>
+              <a:rPr lang="en-AU" sz="3600" i="1" dirty="0">
+                <a:solidFill>
+                  <a:schemeClr val="accent6"/>
+                </a:solidFill>
+              </a:rPr>
+              <a:t> </a:t>
+            </a:r>
+            <a:r>
+              <a:rPr lang="en-AU" sz="3600" b="1" i="1" dirty="0">
+                <a:solidFill>
+                  <a:schemeClr val="accent6"/>
+                </a:solidFill>
+              </a:rPr>
+              <a:t>the election results </a:t>
+            </a:r>
+            <a:r>
+              <a:rPr lang="en-AU" sz="3600" i="1" dirty="0">
+                <a:solidFill>
+                  <a:schemeClr val="bg1">
+                    <a:lumMod val="65000"/>
+                  </a:schemeClr>
+                </a:solidFill>
+              </a:rPr>
+              <a:t>in Germany based on the secondary vote, which uses a </a:t>
+            </a:r>
+            <a:r>
+              <a:rPr lang="en-AU" sz="3600" b="1" i="1" dirty="0">
+                <a:solidFill>
+                  <a:schemeClr val="accent6"/>
+                </a:solidFill>
+              </a:rPr>
+              <a:t>structured back end</a:t>
+            </a:r>
+            <a:r>
+              <a:rPr lang="en-AU" sz="3600" i="1" dirty="0">
+                <a:solidFill>
+                  <a:schemeClr val="accent6"/>
+                </a:solidFill>
+              </a:rPr>
+              <a:t>.</a:t>
+            </a:r>
+            <a:r>
+              <a:rPr lang="en-AU" sz="3600" b="1" i="1" dirty="0">
+                <a:solidFill>
+                  <a:schemeClr val="accent6"/>
+                </a:solidFill>
+              </a:rPr>
+              <a:t> </a:t>
+            </a:r>
+            <a:r>
+              <a:rPr lang="en-AU" sz="3600" i="1" dirty="0">
+                <a:solidFill>
+                  <a:schemeClr val="bg1">
+                    <a:lumMod val="65000"/>
+                  </a:schemeClr>
+                </a:solidFill>
+              </a:rPr>
+              <a:t>T</a:t>
+            </a:r>
+            <a:r>
+              <a:rPr lang="en-AU" sz="3600" i="1" dirty="0" smtClean="0">
+                <a:solidFill>
+                  <a:schemeClr val="bg1">
+                    <a:lumMod val="65000"/>
+                  </a:schemeClr>
+                </a:solidFill>
+              </a:rPr>
+              <a:t>he</a:t>
+            </a:r>
+            <a:r>
+              <a:rPr lang="en-AU" sz="3600" i="1" dirty="0" smtClean="0">
+                <a:solidFill>
+                  <a:schemeClr val="accent6"/>
+                </a:solidFill>
+              </a:rPr>
+              <a:t> </a:t>
+            </a:r>
+            <a:r>
+              <a:rPr lang="en-AU" sz="3600" b="1" i="1" dirty="0">
+                <a:solidFill>
+                  <a:schemeClr val="accent6"/>
+                </a:solidFill>
+              </a:rPr>
+              <a:t>results are visualised </a:t>
+            </a:r>
+            <a:r>
+              <a:rPr lang="en-AU" sz="3600" i="1" dirty="0">
+                <a:solidFill>
+                  <a:schemeClr val="bg1">
+                    <a:lumMod val="65000"/>
+                  </a:schemeClr>
+                </a:solidFill>
+              </a:rPr>
+              <a:t>in two charts (an election seat diagram and a timeline prediction graph</a:t>
+            </a:r>
+            <a:r>
+              <a:rPr lang="en-AU" sz="3600" i="1" dirty="0" smtClean="0">
+                <a:solidFill>
+                  <a:schemeClr val="bg1">
+                    <a:lumMod val="65000"/>
+                  </a:schemeClr>
+                </a:solidFill>
+              </a:rPr>
+              <a:t>).</a:t>
+            </a:r>
+            <a:r>
+              <a:rPr lang="en-AU" sz="4000" dirty="0" smtClean="0">
+                <a:solidFill>
+                  <a:schemeClr val="bg1">
+                    <a:lumMod val="65000"/>
+                  </a:schemeClr>
+                </a:solidFill>
+              </a:rPr>
+              <a:t> </a:t>
+            </a:r>
+            <a:endParaRPr lang="en-AU" sz="4000" dirty="0" smtClean="0">
+              <a:solidFill>
+                <a:schemeClr val="bg1">
+                  <a:lumMod val="65000"/>
+                </a:schemeClr>
+              </a:solidFill>
+            </a:endParaRPr>
+          </a:p>
+          <a:p>
+            <a:endParaRPr lang="en-AU" sz="4000" dirty="0"/>
           </a:p>
         </p:txBody>
       </p:sp>
+      <p:pic>
+        <p:nvPicPr>
+          <p:cNvPr id="6" name="Picture 5"/>
+          <p:cNvPicPr>
+            <a:picLocks noChangeAspect="1"/>
+          </p:cNvPicPr>
+          <p:nvPr/>
+        </p:nvPicPr>
+        <p:blipFill rotWithShape="1">
+          <a:blip r:embed="rId2"/>
+          <a:srcRect/>
+          <a:stretch/>
+        </p:blipFill>
+        <p:spPr>
+          <a:xfrm>
+            <a:off x="11369230" y="4483524"/>
+            <a:ext cx="758762" cy="800149"/>
+          </a:xfrm>
+          <a:prstGeom prst="rect">
+            <a:avLst/>
+          </a:prstGeom>
+        </p:spPr>
+      </p:pic>
     </p:spTree>
     <p:extLst>
       <p:ext uri="{BB962C8B-B14F-4D97-AF65-F5344CB8AC3E}">
@@ -13005,6 +15957,857 @@
           <a:chExt cx="0" cy="0"/>
         </a:xfrm>
       </p:grpSpPr>
+      <p:sp>
+        <p:nvSpPr>
+          <p:cNvPr id="4" name="Slide Number Placeholder 3"/>
+          <p:cNvSpPr>
+            <a:spLocks noGrp="1"/>
+          </p:cNvSpPr>
+          <p:nvPr>
+            <p:ph type="sldNum" sz="quarter" idx="10"/>
+          </p:nvPr>
+        </p:nvSpPr>
+        <p:spPr>
+          <a:xfrm>
+            <a:off x="4480559" y="6550536"/>
+            <a:ext cx="253659" cy="262840"/>
+          </a:xfrm>
+        </p:spPr>
+        <p:txBody>
+          <a:bodyPr/>
+          <a:lstStyle/>
+          <a:p>
+            <a:pPr>
+              <a:defRPr/>
+            </a:pPr>
+            <a:fld id="{DCD35B81-8265-412C-BD00-2DFF921067BD}" type="slidenum">
+              <a:rPr lang="en-US" smtClean="0">
+                <a:latin typeface="Segoe UI Light" panose="020B0502040204020203" pitchFamily="34" charset="0"/>
+                <a:cs typeface="Segoe UI Light" panose="020B0502040204020203" pitchFamily="34" charset="0"/>
+              </a:rPr>
+              <a:pPr>
+                <a:defRPr/>
+              </a:pPr>
+              <a:t>3</a:t>
+            </a:fld>
+            <a:endParaRPr lang="en-US" dirty="0">
+              <a:latin typeface="Segoe UI Light" panose="020B0502040204020203" pitchFamily="34" charset="0"/>
+              <a:cs typeface="Segoe UI Light" panose="020B0502040204020203" pitchFamily="34" charset="0"/>
+            </a:endParaRPr>
+          </a:p>
+        </p:txBody>
+      </p:sp>
+      <p:cxnSp>
+        <p:nvCxnSpPr>
+          <p:cNvPr id="5" name="Straight Connector 4"/>
+          <p:cNvCxnSpPr/>
+          <p:nvPr/>
+        </p:nvCxnSpPr>
+        <p:spPr>
+          <a:xfrm>
+            <a:off x="3845080" y="1842584"/>
+            <a:ext cx="4406977" cy="13750"/>
+          </a:xfrm>
+          <a:prstGeom prst="line">
+            <a:avLst/>
+          </a:prstGeom>
+          <a:ln>
+            <a:solidFill>
+              <a:schemeClr val="accent4"/>
+            </a:solidFill>
+          </a:ln>
+        </p:spPr>
+        <p:style>
+          <a:lnRef idx="2">
+            <a:schemeClr val="accent4"/>
+          </a:lnRef>
+          <a:fillRef idx="1">
+            <a:schemeClr val="lt1"/>
+          </a:fillRef>
+          <a:effectRef idx="0">
+            <a:schemeClr val="accent4"/>
+          </a:effectRef>
+          <a:fontRef idx="minor">
+            <a:schemeClr val="dk1"/>
+          </a:fontRef>
+        </p:style>
+      </p:cxnSp>
+      <p:sp>
+        <p:nvSpPr>
+          <p:cNvPr id="6" name="TextBox 5"/>
+          <p:cNvSpPr txBox="1"/>
+          <p:nvPr/>
+        </p:nvSpPr>
+        <p:spPr>
+          <a:xfrm>
+            <a:off x="3897897" y="554184"/>
+            <a:ext cx="4354160" cy="523220"/>
+          </a:xfrm>
+          <a:prstGeom prst="rect">
+            <a:avLst/>
+          </a:prstGeom>
+          <a:noFill/>
+          <a:ln>
+            <a:noFill/>
+          </a:ln>
+        </p:spPr>
+        <p:style>
+          <a:lnRef idx="2">
+            <a:schemeClr val="accent4"/>
+          </a:lnRef>
+          <a:fillRef idx="1">
+            <a:schemeClr val="lt1"/>
+          </a:fillRef>
+          <a:effectRef idx="0">
+            <a:schemeClr val="accent4"/>
+          </a:effectRef>
+          <a:fontRef idx="minor">
+            <a:schemeClr val="dk1"/>
+          </a:fontRef>
+        </p:style>
+        <p:txBody>
+          <a:bodyPr wrap="square" rtlCol="0">
+            <a:spAutoFit/>
+          </a:bodyPr>
+          <a:lstStyle/>
+          <a:p>
+            <a:pPr algn="ctr"/>
+            <a:r>
+              <a:rPr lang="en-AU" sz="2800" b="1" dirty="0" smtClean="0">
+                <a:solidFill>
+                  <a:schemeClr val="accent5"/>
+                </a:solidFill>
+                <a:latin typeface="Segoe UI Light" panose="020B0502040204020203" pitchFamily="34" charset="0"/>
+                <a:cs typeface="Segoe UI Light" panose="020B0502040204020203" pitchFamily="34" charset="0"/>
+              </a:rPr>
+              <a:t>Foxy Predictor</a:t>
+            </a:r>
+            <a:endParaRPr lang="en-AU" sz="2800" b="1" dirty="0">
+              <a:solidFill>
+                <a:schemeClr val="accent5"/>
+              </a:solidFill>
+              <a:latin typeface="Segoe UI Light" panose="020B0502040204020203" pitchFamily="34" charset="0"/>
+              <a:cs typeface="Segoe UI Light" panose="020B0502040204020203" pitchFamily="34" charset="0"/>
+            </a:endParaRPr>
+          </a:p>
+        </p:txBody>
+      </p:sp>
+      <p:sp>
+        <p:nvSpPr>
+          <p:cNvPr id="7" name="Rounded Rectangle 6"/>
+          <p:cNvSpPr/>
+          <p:nvPr/>
+        </p:nvSpPr>
+        <p:spPr>
+          <a:xfrm>
+            <a:off x="5403774" y="1165049"/>
+            <a:ext cx="3513321" cy="504056"/>
+          </a:xfrm>
+          <a:prstGeom prst="roundRect">
+            <a:avLst/>
+          </a:prstGeom>
+          <a:noFill/>
+          <a:ln>
+            <a:noFill/>
+          </a:ln>
+        </p:spPr>
+        <p:style>
+          <a:lnRef idx="2">
+            <a:schemeClr val="accent4"/>
+          </a:lnRef>
+          <a:fillRef idx="1">
+            <a:schemeClr val="lt1"/>
+          </a:fillRef>
+          <a:effectRef idx="0">
+            <a:schemeClr val="accent4"/>
+          </a:effectRef>
+          <a:fontRef idx="minor">
+            <a:schemeClr val="dk1"/>
+          </a:fontRef>
+        </p:style>
+        <p:txBody>
+          <a:bodyPr rtlCol="0" anchor="ctr"/>
+          <a:lstStyle/>
+          <a:p>
+            <a:pPr marL="171450" indent="-171450">
+              <a:buFont typeface="Arial" panose="020B0604020202020204" pitchFamily="34" charset="0"/>
+              <a:buChar char="•"/>
+            </a:pPr>
+            <a:r>
+              <a:rPr lang="en-AU" sz="1100" b="0" dirty="0" smtClean="0">
+                <a:solidFill>
+                  <a:schemeClr val="accent6"/>
+                </a:solidFill>
+                <a:latin typeface="Segoe UI Light" panose="020B0502040204020203" pitchFamily="34" charset="0"/>
+                <a:cs typeface="Segoe UI Light" panose="020B0502040204020203" pitchFamily="34" charset="0"/>
+              </a:rPr>
+              <a:t>12 Team members</a:t>
+            </a:r>
+          </a:p>
+          <a:p>
+            <a:pPr marL="628650" lvl="1" indent="-171450">
+              <a:buFont typeface="Arial" panose="020B0604020202020204" pitchFamily="34" charset="0"/>
+              <a:buChar char="•"/>
+            </a:pPr>
+            <a:r>
+              <a:rPr lang="en-AU" sz="1100" dirty="0" smtClean="0">
+                <a:solidFill>
+                  <a:schemeClr val="accent6"/>
+                </a:solidFill>
+                <a:latin typeface="Segoe UI Light" panose="020B0502040204020203" pitchFamily="34" charset="0"/>
+                <a:cs typeface="Segoe UI Light" panose="020B0502040204020203" pitchFamily="34" charset="0"/>
+              </a:rPr>
+              <a:t>TU and HU students</a:t>
+            </a:r>
+          </a:p>
+          <a:p>
+            <a:pPr marL="628650" lvl="1" indent="-171450">
+              <a:buFont typeface="Arial" panose="020B0604020202020204" pitchFamily="34" charset="0"/>
+              <a:buChar char="•"/>
+            </a:pPr>
+            <a:r>
+              <a:rPr lang="en-AU" sz="1100" dirty="0" smtClean="0">
+                <a:solidFill>
+                  <a:schemeClr val="accent6"/>
+                </a:solidFill>
+                <a:latin typeface="Segoe UI Light" panose="020B0502040204020203" pitchFamily="34" charset="0"/>
+                <a:cs typeface="Segoe UI Light" panose="020B0502040204020203" pitchFamily="34" charset="0"/>
+              </a:rPr>
+              <a:t>Four sub-teams</a:t>
+            </a:r>
+            <a:endParaRPr lang="en-AU" sz="1100" b="0" dirty="0">
+              <a:solidFill>
+                <a:schemeClr val="accent6"/>
+              </a:solidFill>
+              <a:latin typeface="Segoe UI Light" panose="020B0502040204020203" pitchFamily="34" charset="0"/>
+              <a:cs typeface="Segoe UI Light" panose="020B0502040204020203" pitchFamily="34" charset="0"/>
+            </a:endParaRPr>
+          </a:p>
+        </p:txBody>
+      </p:sp>
+      <p:sp>
+        <p:nvSpPr>
+          <p:cNvPr id="8" name="TextBox 7"/>
+          <p:cNvSpPr txBox="1"/>
+          <p:nvPr/>
+        </p:nvSpPr>
+        <p:spPr>
+          <a:xfrm>
+            <a:off x="5836762" y="4281887"/>
+            <a:ext cx="2592288" cy="261610"/>
+          </a:xfrm>
+          <a:prstGeom prst="rect">
+            <a:avLst/>
+          </a:prstGeom>
+          <a:noFill/>
+          <a:ln>
+            <a:noFill/>
+          </a:ln>
+        </p:spPr>
+        <p:style>
+          <a:lnRef idx="2">
+            <a:schemeClr val="accent5"/>
+          </a:lnRef>
+          <a:fillRef idx="1">
+            <a:schemeClr val="lt1"/>
+          </a:fillRef>
+          <a:effectRef idx="0">
+            <a:schemeClr val="accent5"/>
+          </a:effectRef>
+          <a:fontRef idx="minor">
+            <a:schemeClr val="dk1"/>
+          </a:fontRef>
+        </p:style>
+        <p:txBody>
+          <a:bodyPr wrap="square" rtlCol="0">
+            <a:spAutoFit/>
+          </a:bodyPr>
+          <a:lstStyle/>
+          <a:p>
+            <a:pPr algn="ctr"/>
+            <a:r>
+              <a:rPr lang="en-AU" sz="1100" dirty="0" smtClean="0">
+                <a:solidFill>
+                  <a:schemeClr val="accent6"/>
+                </a:solidFill>
+                <a:latin typeface="Segoe UI Light" panose="020B0502040204020203" pitchFamily="34" charset="0"/>
+                <a:cs typeface="Segoe UI Light" panose="020B0502040204020203" pitchFamily="34" charset="0"/>
+              </a:rPr>
+              <a:t>426 Commits</a:t>
+            </a:r>
+            <a:endParaRPr lang="en-AU" sz="1100" dirty="0">
+              <a:solidFill>
+                <a:schemeClr val="accent6"/>
+              </a:solidFill>
+              <a:latin typeface="Segoe UI Light" panose="020B0502040204020203" pitchFamily="34" charset="0"/>
+              <a:cs typeface="Segoe UI Light" panose="020B0502040204020203" pitchFamily="34" charset="0"/>
+            </a:endParaRPr>
+          </a:p>
+        </p:txBody>
+      </p:sp>
+      <p:sp>
+        <p:nvSpPr>
+          <p:cNvPr id="9" name="TextBox 8"/>
+          <p:cNvSpPr txBox="1"/>
+          <p:nvPr/>
+        </p:nvSpPr>
+        <p:spPr>
+          <a:xfrm>
+            <a:off x="3904347" y="4296847"/>
+            <a:ext cx="1852435" cy="261610"/>
+          </a:xfrm>
+          <a:prstGeom prst="rect">
+            <a:avLst/>
+          </a:prstGeom>
+          <a:noFill/>
+          <a:ln>
+            <a:noFill/>
+          </a:ln>
+        </p:spPr>
+        <p:style>
+          <a:lnRef idx="2">
+            <a:schemeClr val="accent5"/>
+          </a:lnRef>
+          <a:fillRef idx="1">
+            <a:schemeClr val="lt1"/>
+          </a:fillRef>
+          <a:effectRef idx="0">
+            <a:schemeClr val="accent5"/>
+          </a:effectRef>
+          <a:fontRef idx="minor">
+            <a:schemeClr val="dk1"/>
+          </a:fontRef>
+        </p:style>
+        <p:txBody>
+          <a:bodyPr wrap="square" rtlCol="0">
+            <a:spAutoFit/>
+          </a:bodyPr>
+          <a:lstStyle/>
+          <a:p>
+            <a:pPr algn="ctr"/>
+            <a:r>
+              <a:rPr lang="en-AU" sz="1100" b="1" dirty="0" smtClean="0">
+                <a:solidFill>
+                  <a:schemeClr val="accent6"/>
+                </a:solidFill>
+                <a:latin typeface="Segoe UI Light" panose="020B0502040204020203" pitchFamily="34" charset="0"/>
+                <a:cs typeface="Segoe UI Light" panose="020B0502040204020203" pitchFamily="34" charset="0"/>
+              </a:rPr>
+              <a:t>Over 550</a:t>
+            </a:r>
+            <a:r>
+              <a:rPr lang="en-AU" sz="1100" dirty="0" smtClean="0">
+                <a:solidFill>
+                  <a:schemeClr val="accent6"/>
+                </a:solidFill>
+                <a:latin typeface="Segoe UI Light" panose="020B0502040204020203" pitchFamily="34" charset="0"/>
+                <a:cs typeface="Segoe UI Light" panose="020B0502040204020203" pitchFamily="34" charset="0"/>
+              </a:rPr>
+              <a:t> coding hours</a:t>
+            </a:r>
+            <a:endParaRPr lang="en-AU" sz="1100" dirty="0">
+              <a:solidFill>
+                <a:schemeClr val="accent6"/>
+              </a:solidFill>
+              <a:latin typeface="Segoe UI Light" panose="020B0502040204020203" pitchFamily="34" charset="0"/>
+              <a:cs typeface="Segoe UI Light" panose="020B0502040204020203" pitchFamily="34" charset="0"/>
+            </a:endParaRPr>
+          </a:p>
+        </p:txBody>
+      </p:sp>
+      <p:cxnSp>
+        <p:nvCxnSpPr>
+          <p:cNvPr id="10" name="Straight Connector 9"/>
+          <p:cNvCxnSpPr/>
+          <p:nvPr/>
+        </p:nvCxnSpPr>
+        <p:spPr>
+          <a:xfrm>
+            <a:off x="3854944" y="3806062"/>
+            <a:ext cx="4412179" cy="0"/>
+          </a:xfrm>
+          <a:prstGeom prst="line">
+            <a:avLst/>
+          </a:prstGeom>
+          <a:ln>
+            <a:solidFill>
+              <a:schemeClr val="accent4"/>
+            </a:solidFill>
+          </a:ln>
+        </p:spPr>
+        <p:style>
+          <a:lnRef idx="2">
+            <a:schemeClr val="accent4"/>
+          </a:lnRef>
+          <a:fillRef idx="1">
+            <a:schemeClr val="lt1"/>
+          </a:fillRef>
+          <a:effectRef idx="0">
+            <a:schemeClr val="accent4"/>
+          </a:effectRef>
+          <a:fontRef idx="minor">
+            <a:schemeClr val="dk1"/>
+          </a:fontRef>
+        </p:style>
+      </p:cxnSp>
+      <p:cxnSp>
+        <p:nvCxnSpPr>
+          <p:cNvPr id="11" name="Straight Connector 10"/>
+          <p:cNvCxnSpPr/>
+          <p:nvPr/>
+        </p:nvCxnSpPr>
+        <p:spPr>
+          <a:xfrm>
+            <a:off x="3845080" y="454952"/>
+            <a:ext cx="4412179" cy="0"/>
+          </a:xfrm>
+          <a:prstGeom prst="line">
+            <a:avLst/>
+          </a:prstGeom>
+          <a:ln/>
+        </p:spPr>
+        <p:style>
+          <a:lnRef idx="2">
+            <a:schemeClr val="accent4"/>
+          </a:lnRef>
+          <a:fillRef idx="1">
+            <a:schemeClr val="lt1"/>
+          </a:fillRef>
+          <a:effectRef idx="0">
+            <a:schemeClr val="accent4"/>
+          </a:effectRef>
+          <a:fontRef idx="minor">
+            <a:schemeClr val="dk1"/>
+          </a:fontRef>
+        </p:style>
+      </p:cxnSp>
+      <p:cxnSp>
+        <p:nvCxnSpPr>
+          <p:cNvPr id="12" name="Straight Connector 11"/>
+          <p:cNvCxnSpPr/>
+          <p:nvPr/>
+        </p:nvCxnSpPr>
+        <p:spPr>
+          <a:xfrm>
+            <a:off x="3845080" y="454952"/>
+            <a:ext cx="0" cy="5817882"/>
+          </a:xfrm>
+          <a:prstGeom prst="line">
+            <a:avLst/>
+          </a:prstGeom>
+          <a:ln/>
+        </p:spPr>
+        <p:style>
+          <a:lnRef idx="2">
+            <a:schemeClr val="accent4"/>
+          </a:lnRef>
+          <a:fillRef idx="1">
+            <a:schemeClr val="lt1"/>
+          </a:fillRef>
+          <a:effectRef idx="0">
+            <a:schemeClr val="accent4"/>
+          </a:effectRef>
+          <a:fontRef idx="minor">
+            <a:schemeClr val="dk1"/>
+          </a:fontRef>
+        </p:style>
+      </p:cxnSp>
+      <p:cxnSp>
+        <p:nvCxnSpPr>
+          <p:cNvPr id="13" name="Straight Connector 12"/>
+          <p:cNvCxnSpPr/>
+          <p:nvPr/>
+        </p:nvCxnSpPr>
+        <p:spPr>
+          <a:xfrm>
+            <a:off x="8269457" y="468195"/>
+            <a:ext cx="34409" cy="5804639"/>
+          </a:xfrm>
+          <a:prstGeom prst="line">
+            <a:avLst/>
+          </a:prstGeom>
+          <a:ln/>
+        </p:spPr>
+        <p:style>
+          <a:lnRef idx="2">
+            <a:schemeClr val="accent4"/>
+          </a:lnRef>
+          <a:fillRef idx="1">
+            <a:schemeClr val="lt1"/>
+          </a:fillRef>
+          <a:effectRef idx="0">
+            <a:schemeClr val="accent4"/>
+          </a:effectRef>
+          <a:fontRef idx="minor">
+            <a:schemeClr val="dk1"/>
+          </a:fontRef>
+        </p:style>
+      </p:cxnSp>
+      <p:pic>
+        <p:nvPicPr>
+          <p:cNvPr id="14" name="Picture 2"/>
+          <p:cNvPicPr>
+            <a:picLocks noChangeAspect="1" noChangeArrowheads="1"/>
+          </p:cNvPicPr>
+          <p:nvPr/>
+        </p:nvPicPr>
+        <p:blipFill>
+          <a:blip r:embed="rId2" cstate="print">
+            <a:extLst>
+              <a:ext uri="{28A0092B-C50C-407E-A947-70E740481C1C}">
+                <a14:useLocalDpi xmlns:a14="http://schemas.microsoft.com/office/drawing/2010/main" val="0"/>
+              </a:ext>
+            </a:extLst>
+          </a:blip>
+          <a:srcRect/>
+          <a:stretch>
+            <a:fillRect/>
+          </a:stretch>
+        </p:blipFill>
+        <p:spPr bwMode="auto">
+          <a:xfrm>
+            <a:off x="3969377" y="1098190"/>
+            <a:ext cx="1597418" cy="671642"/>
+          </a:xfrm>
+          <a:prstGeom prst="rect">
+            <a:avLst/>
+          </a:prstGeom>
+          <a:noFill/>
+          <a:ln>
+            <a:noFill/>
+          </a:ln>
+          <a:extLst/>
+        </p:spPr>
+        <p:style>
+          <a:lnRef idx="2">
+            <a:schemeClr val="accent4"/>
+          </a:lnRef>
+          <a:fillRef idx="1">
+            <a:schemeClr val="lt1"/>
+          </a:fillRef>
+          <a:effectRef idx="0">
+            <a:schemeClr val="accent4"/>
+          </a:effectRef>
+          <a:fontRef idx="minor">
+            <a:schemeClr val="dk1"/>
+          </a:fontRef>
+        </p:style>
+      </p:pic>
+      <p:cxnSp>
+        <p:nvCxnSpPr>
+          <p:cNvPr id="20" name="Straight Connector 19"/>
+          <p:cNvCxnSpPr/>
+          <p:nvPr/>
+        </p:nvCxnSpPr>
+        <p:spPr>
+          <a:xfrm flipV="1">
+            <a:off x="3845080" y="6273928"/>
+            <a:ext cx="4433385" cy="1900"/>
+          </a:xfrm>
+          <a:prstGeom prst="line">
+            <a:avLst/>
+          </a:prstGeom>
+          <a:ln/>
+        </p:spPr>
+        <p:style>
+          <a:lnRef idx="2">
+            <a:schemeClr val="accent4"/>
+          </a:lnRef>
+          <a:fillRef idx="1">
+            <a:schemeClr val="lt1"/>
+          </a:fillRef>
+          <a:effectRef idx="0">
+            <a:schemeClr val="accent4"/>
+          </a:effectRef>
+          <a:fontRef idx="minor">
+            <a:schemeClr val="dk1"/>
+          </a:fontRef>
+        </p:style>
+      </p:cxnSp>
+      <p:pic>
+        <p:nvPicPr>
+          <p:cNvPr id="22" name="Picture 21"/>
+          <p:cNvPicPr>
+            <a:picLocks noChangeAspect="1"/>
+          </p:cNvPicPr>
+          <p:nvPr/>
+        </p:nvPicPr>
+        <p:blipFill rotWithShape="1">
+          <a:blip r:embed="rId3"/>
+          <a:srcRect/>
+          <a:stretch/>
+        </p:blipFill>
+        <p:spPr>
+          <a:xfrm>
+            <a:off x="11369230" y="4483524"/>
+            <a:ext cx="758762" cy="800149"/>
+          </a:xfrm>
+          <a:prstGeom prst="rect">
+            <a:avLst/>
+          </a:prstGeom>
+        </p:spPr>
+      </p:pic>
+      <p:pic>
+        <p:nvPicPr>
+          <p:cNvPr id="25" name="Picture 24"/>
+          <p:cNvPicPr>
+            <a:picLocks noChangeAspect="1"/>
+          </p:cNvPicPr>
+          <p:nvPr/>
+        </p:nvPicPr>
+        <p:blipFill>
+          <a:blip r:embed="rId4"/>
+          <a:stretch>
+            <a:fillRect/>
+          </a:stretch>
+        </p:blipFill>
+        <p:spPr>
+          <a:xfrm>
+            <a:off x="5670708" y="4055937"/>
+            <a:ext cx="992886" cy="893358"/>
+          </a:xfrm>
+          <a:prstGeom prst="rect">
+            <a:avLst/>
+          </a:prstGeom>
+        </p:spPr>
+      </p:pic>
+      <p:sp>
+        <p:nvSpPr>
+          <p:cNvPr id="26" name="TextBox 25"/>
+          <p:cNvSpPr txBox="1"/>
+          <p:nvPr/>
+        </p:nvSpPr>
+        <p:spPr>
+          <a:xfrm>
+            <a:off x="5194821" y="5009481"/>
+            <a:ext cx="1852435" cy="261610"/>
+          </a:xfrm>
+          <a:prstGeom prst="rect">
+            <a:avLst/>
+          </a:prstGeom>
+          <a:noFill/>
+          <a:ln>
+            <a:noFill/>
+          </a:ln>
+        </p:spPr>
+        <p:style>
+          <a:lnRef idx="2">
+            <a:schemeClr val="accent5"/>
+          </a:lnRef>
+          <a:fillRef idx="1">
+            <a:schemeClr val="lt1"/>
+          </a:fillRef>
+          <a:effectRef idx="0">
+            <a:schemeClr val="accent5"/>
+          </a:effectRef>
+          <a:fontRef idx="minor">
+            <a:schemeClr val="dk1"/>
+          </a:fontRef>
+        </p:style>
+        <p:txBody>
+          <a:bodyPr wrap="square" rtlCol="0">
+            <a:spAutoFit/>
+          </a:bodyPr>
+          <a:lstStyle/>
+          <a:p>
+            <a:pPr algn="ctr"/>
+            <a:r>
+              <a:rPr lang="en-AU" sz="1100" dirty="0" smtClean="0">
+                <a:solidFill>
+                  <a:schemeClr val="accent6"/>
+                </a:solidFill>
+                <a:latin typeface="Segoe UI Light" panose="020B0502040204020203" pitchFamily="34" charset="0"/>
+                <a:cs typeface="Segoe UI Light" panose="020B0502040204020203" pitchFamily="34" charset="0"/>
+              </a:rPr>
+              <a:t>49 Issues</a:t>
+            </a:r>
+            <a:endParaRPr lang="en-AU" sz="1100" dirty="0">
+              <a:solidFill>
+                <a:schemeClr val="accent6"/>
+              </a:solidFill>
+              <a:latin typeface="Segoe UI Light" panose="020B0502040204020203" pitchFamily="34" charset="0"/>
+              <a:cs typeface="Segoe UI Light" panose="020B0502040204020203" pitchFamily="34" charset="0"/>
+            </a:endParaRPr>
+          </a:p>
+        </p:txBody>
+      </p:sp>
+      <p:graphicFrame>
+        <p:nvGraphicFramePr>
+          <p:cNvPr id="27" name="Diagram 26"/>
+          <p:cNvGraphicFramePr/>
+          <p:nvPr>
+            <p:extLst>
+              <p:ext uri="{D42A27DB-BD31-4B8C-83A1-F6EECF244321}">
+                <p14:modId xmlns:p14="http://schemas.microsoft.com/office/powerpoint/2010/main" val="3723248291"/>
+              </p:ext>
+            </p:extLst>
+          </p:nvPr>
+        </p:nvGraphicFramePr>
+        <p:xfrm>
+          <a:off x="4114360" y="4202524"/>
+          <a:ext cx="4074161" cy="3303396"/>
+        </p:xfrm>
+        <a:graphic>
+          <a:graphicData uri="http://schemas.openxmlformats.org/drawingml/2006/diagram">
+            <dgm:relIds xmlns:dgm="http://schemas.openxmlformats.org/drawingml/2006/diagram" xmlns:r="http://schemas.openxmlformats.org/officeDocument/2006/relationships" r:dm="rId5" r:lo="rId6" r:qs="rId7" r:cs="rId8"/>
+          </a:graphicData>
+        </a:graphic>
+      </p:graphicFrame>
+      <p:pic>
+        <p:nvPicPr>
+          <p:cNvPr id="28" name="Picture 27"/>
+          <p:cNvPicPr>
+            <a:picLocks noChangeAspect="1"/>
+          </p:cNvPicPr>
+          <p:nvPr/>
+        </p:nvPicPr>
+        <p:blipFill rotWithShape="1">
+          <a:blip r:embed="rId10"/>
+          <a:srcRect l="1268" t="1468" r="1096" b="285"/>
+          <a:stretch/>
+        </p:blipFill>
+        <p:spPr>
+          <a:xfrm>
+            <a:off x="5611441" y="1971478"/>
+            <a:ext cx="2452481" cy="1556137"/>
+          </a:xfrm>
+          <a:prstGeom prst="rect">
+            <a:avLst/>
+          </a:prstGeom>
+        </p:spPr>
+      </p:pic>
+      <p:sp>
+        <p:nvSpPr>
+          <p:cNvPr id="29" name="TextBox 28"/>
+          <p:cNvSpPr txBox="1"/>
+          <p:nvPr/>
+        </p:nvSpPr>
+        <p:spPr>
+          <a:xfrm>
+            <a:off x="3752780" y="2462182"/>
+            <a:ext cx="1852435" cy="600164"/>
+          </a:xfrm>
+          <a:prstGeom prst="rect">
+            <a:avLst/>
+          </a:prstGeom>
+          <a:noFill/>
+          <a:ln>
+            <a:noFill/>
+          </a:ln>
+        </p:spPr>
+        <p:style>
+          <a:lnRef idx="2">
+            <a:schemeClr val="accent5"/>
+          </a:lnRef>
+          <a:fillRef idx="1">
+            <a:schemeClr val="lt1"/>
+          </a:fillRef>
+          <a:effectRef idx="0">
+            <a:schemeClr val="accent5"/>
+          </a:effectRef>
+          <a:fontRef idx="minor">
+            <a:schemeClr val="dk1"/>
+          </a:fontRef>
+        </p:style>
+        <p:txBody>
+          <a:bodyPr wrap="square" rtlCol="0">
+            <a:spAutoFit/>
+          </a:bodyPr>
+          <a:lstStyle/>
+          <a:p>
+            <a:pPr algn="ctr"/>
+            <a:r>
+              <a:rPr lang="en-AU" sz="1100" dirty="0" smtClean="0">
+                <a:solidFill>
+                  <a:schemeClr val="accent6"/>
+                </a:solidFill>
+                <a:latin typeface="Segoe UI Light" panose="020B0502040204020203" pitchFamily="34" charset="0"/>
+                <a:cs typeface="Segoe UI Light" panose="020B0502040204020203" pitchFamily="34" charset="0"/>
+              </a:rPr>
+              <a:t>Modern coding practices and techniques i.e. Agile and MVP</a:t>
+            </a:r>
+            <a:endParaRPr lang="en-AU" sz="1100" dirty="0">
+              <a:solidFill>
+                <a:schemeClr val="accent6"/>
+              </a:solidFill>
+              <a:latin typeface="Segoe UI Light" panose="020B0502040204020203" pitchFamily="34" charset="0"/>
+              <a:cs typeface="Segoe UI Light" panose="020B0502040204020203" pitchFamily="34" charset="0"/>
+            </a:endParaRPr>
+          </a:p>
+        </p:txBody>
+      </p:sp>
+      <p:cxnSp>
+        <p:nvCxnSpPr>
+          <p:cNvPr id="30" name="Straight Connector 29"/>
+          <p:cNvCxnSpPr/>
+          <p:nvPr/>
+        </p:nvCxnSpPr>
+        <p:spPr>
+          <a:xfrm>
+            <a:off x="3849350" y="5313602"/>
+            <a:ext cx="4412179" cy="0"/>
+          </a:xfrm>
+          <a:prstGeom prst="line">
+            <a:avLst/>
+          </a:prstGeom>
+          <a:ln>
+            <a:solidFill>
+              <a:schemeClr val="accent4"/>
+            </a:solidFill>
+          </a:ln>
+        </p:spPr>
+        <p:style>
+          <a:lnRef idx="2">
+            <a:schemeClr val="accent4"/>
+          </a:lnRef>
+          <a:fillRef idx="1">
+            <a:schemeClr val="lt1"/>
+          </a:fillRef>
+          <a:effectRef idx="0">
+            <a:schemeClr val="accent4"/>
+          </a:effectRef>
+          <a:fontRef idx="minor">
+            <a:schemeClr val="dk1"/>
+          </a:fontRef>
+        </p:style>
+      </p:cxnSp>
+    </p:spTree>
+    <p:extLst>
+      <p:ext uri="{BB962C8B-B14F-4D97-AF65-F5344CB8AC3E}">
+        <p14:creationId xmlns:p14="http://schemas.microsoft.com/office/powerpoint/2010/main" val="1248339727"/>
+      </p:ext>
+    </p:extLst>
+  </p:cSld>
+  <p:clrMapOvr>
+    <a:masterClrMapping/>
+  </p:clrMapOvr>
+  <p:timing>
+    <p:tnLst>
+      <p:par>
+        <p:cTn id="1" dur="indefinite" restart="never" nodeType="tmRoot"/>
+      </p:par>
+    </p:tnLst>
+  </p:timing>
+</p:sld>
+</file>
+
+<file path=ppt/slides/slide4.xml><?xml version="1.0" encoding="utf-8"?>
+<p:sld xmlns:a="http://schemas.openxmlformats.org/drawingml/2006/main" xmlns:r="http://schemas.openxmlformats.org/officeDocument/2006/relationships" xmlns:p="http://schemas.openxmlformats.org/presentationml/2006/main">
+  <p:cSld>
+    <p:spTree>
+      <p:nvGrpSpPr>
+        <p:cNvPr id="1" name=""/>
+        <p:cNvGrpSpPr/>
+        <p:nvPr/>
+      </p:nvGrpSpPr>
+      <p:grpSpPr>
+        <a:xfrm>
+          <a:off x="0" y="0"/>
+          <a:ext cx="0" cy="0"/>
+          <a:chOff x="0" y="0"/>
+          <a:chExt cx="0" cy="0"/>
+        </a:xfrm>
+      </p:grpSpPr>
       <p:pic>
         <p:nvPicPr>
           <p:cNvPr id="9" name="Picture 8"/>
@@ -13021,7 +16824,7 @@
         </p:blipFill>
         <p:spPr>
           <a:xfrm>
-            <a:off x="4571047" y="1167340"/>
+            <a:off x="4554114" y="1209673"/>
             <a:ext cx="5578793" cy="5345220"/>
           </a:xfrm>
           <a:prstGeom prst="rect">
@@ -13112,111 +16915,33 @@
           </a:prstGeom>
         </p:spPr>
       </p:pic>
+      <p:pic>
+        <p:nvPicPr>
+          <p:cNvPr id="7" name="Picture 6"/>
+          <p:cNvPicPr>
+            <a:picLocks noChangeAspect="1"/>
+          </p:cNvPicPr>
+          <p:nvPr/>
+        </p:nvPicPr>
+        <p:blipFill rotWithShape="1">
+          <a:blip r:embed="rId5"/>
+          <a:srcRect/>
+          <a:stretch/>
+        </p:blipFill>
+        <p:spPr>
+          <a:xfrm>
+            <a:off x="11369230" y="4483524"/>
+            <a:ext cx="758762" cy="800149"/>
+          </a:xfrm>
+          <a:prstGeom prst="rect">
+            <a:avLst/>
+          </a:prstGeom>
+        </p:spPr>
+      </p:pic>
     </p:spTree>
     <p:extLst>
       <p:ext uri="{BB962C8B-B14F-4D97-AF65-F5344CB8AC3E}">
         <p14:creationId xmlns:p14="http://schemas.microsoft.com/office/powerpoint/2010/main" val="2218361779"/>
-      </p:ext>
-    </p:extLst>
-  </p:cSld>
-  <p:clrMapOvr>
-    <a:masterClrMapping/>
-  </p:clrMapOvr>
-  <p:timing>
-    <p:tnLst>
-      <p:par>
-        <p:cTn id="1" dur="indefinite" restart="never" nodeType="tmRoot"/>
-      </p:par>
-    </p:tnLst>
-  </p:timing>
-</p:sld>
-</file>
-
-<file path=ppt/slides/slide4.xml><?xml version="1.0" encoding="utf-8"?>
-<p:sld xmlns:a="http://schemas.openxmlformats.org/drawingml/2006/main" xmlns:r="http://schemas.openxmlformats.org/officeDocument/2006/relationships" xmlns:p="http://schemas.openxmlformats.org/presentationml/2006/main">
-  <p:cSld>
-    <p:spTree>
-      <p:nvGrpSpPr>
-        <p:cNvPr id="1" name=""/>
-        <p:cNvGrpSpPr/>
-        <p:nvPr/>
-      </p:nvGrpSpPr>
-      <p:grpSpPr>
-        <a:xfrm>
-          <a:off x="0" y="0"/>
-          <a:ext cx="0" cy="0"/>
-          <a:chOff x="0" y="0"/>
-          <a:chExt cx="0" cy="0"/>
-        </a:xfrm>
-      </p:grpSpPr>
-      <p:sp>
-        <p:nvSpPr>
-          <p:cNvPr id="2" name="Title 1"/>
-          <p:cNvSpPr>
-            <a:spLocks noGrp="1"/>
-          </p:cNvSpPr>
-          <p:nvPr>
-            <p:ph type="title"/>
-          </p:nvPr>
-        </p:nvSpPr>
-        <p:spPr/>
-        <p:txBody>
-          <a:bodyPr/>
-          <a:lstStyle/>
-          <a:p>
-            <a:r>
-              <a:rPr lang="en-AU" dirty="0" smtClean="0"/>
-              <a:t>The structure</a:t>
-            </a:r>
-            <a:endParaRPr lang="en-AU" dirty="0"/>
-          </a:p>
-        </p:txBody>
-      </p:sp>
-      <p:sp>
-        <p:nvSpPr>
-          <p:cNvPr id="3" name="Content Placeholder 2"/>
-          <p:cNvSpPr>
-            <a:spLocks noGrp="1"/>
-          </p:cNvSpPr>
-          <p:nvPr>
-            <p:ph idx="1"/>
-          </p:nvPr>
-        </p:nvSpPr>
-        <p:spPr/>
-        <p:txBody>
-          <a:bodyPr/>
-          <a:lstStyle/>
-          <a:p>
-            <a:r>
-              <a:rPr lang="en-AU" dirty="0" smtClean="0"/>
-              <a:t>Agile</a:t>
-            </a:r>
-          </a:p>
-          <a:p>
-            <a:endParaRPr lang="en-AU" dirty="0" smtClean="0"/>
-          </a:p>
-          <a:p>
-            <a:r>
-              <a:rPr lang="en-AU" dirty="0" smtClean="0"/>
-              <a:t>MVP</a:t>
-            </a:r>
-          </a:p>
-          <a:p>
-            <a:endParaRPr lang="en-AU" dirty="0"/>
-          </a:p>
-          <a:p>
-            <a:r>
-              <a:rPr lang="en-AU" dirty="0" smtClean="0"/>
-              <a:t>Sub-teams</a:t>
-            </a:r>
-            <a:endParaRPr lang="en-AU" dirty="0"/>
-          </a:p>
-        </p:txBody>
-      </p:sp>
-    </p:spTree>
-    <p:extLst>
-      <p:ext uri="{BB962C8B-B14F-4D97-AF65-F5344CB8AC3E}">
-        <p14:creationId xmlns:p14="http://schemas.microsoft.com/office/powerpoint/2010/main" val="629805638"/>
       </p:ext>
     </p:extLst>
   </p:cSld>
@@ -13267,7 +16992,11 @@
           <a:p>
             <a:r>
               <a:rPr lang="en-AU" dirty="0" smtClean="0"/>
-              <a:t>backend</a:t>
+              <a:t>Deployment to cloud + </a:t>
+            </a:r>
+            <a:r>
+              <a:rPr lang="en-AU" dirty="0" err="1" smtClean="0"/>
+              <a:t>docker</a:t>
             </a:r>
             <a:endParaRPr lang="en-AU" dirty="0"/>
           </a:p>
@@ -13291,7 +17020,7 @@
           <a:lstStyle/>
           <a:p>
             <a:r>
-              <a:rPr lang="en-AU" dirty="0" smtClean="0"/>
+              <a:rPr lang="en-AU" dirty="0"/>
               <a:t>Design Goals</a:t>
             </a:r>
           </a:p>
@@ -13300,7 +17029,7 @@
           </a:p>
           <a:p>
             <a:r>
-              <a:rPr lang="en-AU" dirty="0" smtClean="0"/>
+              <a:rPr lang="en-AU" dirty="0"/>
               <a:t>Architecture</a:t>
             </a:r>
           </a:p>
@@ -13309,13 +17038,13 @@
           </a:p>
           <a:p>
             <a:r>
-              <a:rPr lang="en-AU" dirty="0" smtClean="0"/>
+              <a:rPr lang="en-AU" dirty="0"/>
               <a:t>What was achieved</a:t>
             </a:r>
           </a:p>
           <a:p>
             <a:r>
-              <a:rPr lang="en-AU" dirty="0" smtClean="0"/>
+              <a:rPr lang="en-AU" dirty="0"/>
               <a:t>Include challenges</a:t>
             </a:r>
           </a:p>
@@ -13324,17 +17053,42 @@
           </a:p>
           <a:p>
             <a:r>
-              <a:rPr lang="en-AU" dirty="0" smtClean="0"/>
+              <a:rPr lang="en-AU" dirty="0"/>
               <a:t>What could be done differently</a:t>
             </a:r>
+          </a:p>
+          <a:p>
             <a:endParaRPr lang="en-AU" dirty="0"/>
           </a:p>
         </p:txBody>
       </p:sp>
+      <p:pic>
+        <p:nvPicPr>
+          <p:cNvPr id="5" name="Picture 4"/>
+          <p:cNvPicPr>
+            <a:picLocks noChangeAspect="1"/>
+          </p:cNvPicPr>
+          <p:nvPr/>
+        </p:nvPicPr>
+        <p:blipFill rotWithShape="1">
+          <a:blip r:embed="rId2"/>
+          <a:srcRect/>
+          <a:stretch/>
+        </p:blipFill>
+        <p:spPr>
+          <a:xfrm>
+            <a:off x="11369230" y="4492668"/>
+            <a:ext cx="758762" cy="800149"/>
+          </a:xfrm>
+          <a:prstGeom prst="rect">
+            <a:avLst/>
+          </a:prstGeom>
+        </p:spPr>
+      </p:pic>
     </p:spTree>
     <p:extLst>
       <p:ext uri="{BB962C8B-B14F-4D97-AF65-F5344CB8AC3E}">
-        <p14:creationId xmlns:p14="http://schemas.microsoft.com/office/powerpoint/2010/main" val="3945738686"/>
+        <p14:creationId xmlns:p14="http://schemas.microsoft.com/office/powerpoint/2010/main" val="1294624238"/>
       </p:ext>
     </p:extLst>
   </p:cSld>
@@ -13385,7 +17139,7 @@
           <a:p>
             <a:r>
               <a:rPr lang="en-AU" dirty="0" smtClean="0"/>
-              <a:t>cleaning</a:t>
+              <a:t>backend</a:t>
             </a:r>
             <a:endParaRPr lang="en-AU" dirty="0"/>
           </a:p>
@@ -13409,7 +17163,7 @@
           <a:lstStyle/>
           <a:p>
             <a:r>
-              <a:rPr lang="en-AU" dirty="0"/>
+              <a:rPr lang="en-AU" dirty="0" smtClean="0"/>
               <a:t>Design Goals</a:t>
             </a:r>
           </a:p>
@@ -13418,7 +17172,7 @@
           </a:p>
           <a:p>
             <a:r>
-              <a:rPr lang="en-AU" dirty="0"/>
+              <a:rPr lang="en-AU" dirty="0" smtClean="0"/>
               <a:t>Architecture</a:t>
             </a:r>
           </a:p>
@@ -13427,13 +17181,13 @@
           </a:p>
           <a:p>
             <a:r>
-              <a:rPr lang="en-AU" dirty="0"/>
+              <a:rPr lang="en-AU" dirty="0" smtClean="0"/>
               <a:t>What was achieved</a:t>
             </a:r>
           </a:p>
           <a:p>
             <a:r>
-              <a:rPr lang="en-AU" dirty="0"/>
+              <a:rPr lang="en-AU" dirty="0" smtClean="0"/>
               <a:t>Include challenges</a:t>
             </a:r>
           </a:p>
@@ -13442,19 +17196,40 @@
           </a:p>
           <a:p>
             <a:r>
-              <a:rPr lang="en-AU" dirty="0"/>
+              <a:rPr lang="en-AU" dirty="0" smtClean="0"/>
               <a:t>What could be done differently</a:t>
             </a:r>
-          </a:p>
-          <a:p>
             <a:endParaRPr lang="en-AU" dirty="0"/>
           </a:p>
         </p:txBody>
       </p:sp>
+      <p:pic>
+        <p:nvPicPr>
+          <p:cNvPr id="5" name="Picture 4"/>
+          <p:cNvPicPr>
+            <a:picLocks noChangeAspect="1"/>
+          </p:cNvPicPr>
+          <p:nvPr/>
+        </p:nvPicPr>
+        <p:blipFill rotWithShape="1">
+          <a:blip r:embed="rId2"/>
+          <a:srcRect/>
+          <a:stretch/>
+        </p:blipFill>
+        <p:spPr>
+          <a:xfrm>
+            <a:off x="11369230" y="4483524"/>
+            <a:ext cx="758762" cy="800149"/>
+          </a:xfrm>
+          <a:prstGeom prst="rect">
+            <a:avLst/>
+          </a:prstGeom>
+        </p:spPr>
+      </p:pic>
     </p:spTree>
     <p:extLst>
       <p:ext uri="{BB962C8B-B14F-4D97-AF65-F5344CB8AC3E}">
-        <p14:creationId xmlns:p14="http://schemas.microsoft.com/office/powerpoint/2010/main" val="1426125710"/>
+        <p14:creationId xmlns:p14="http://schemas.microsoft.com/office/powerpoint/2010/main" val="3945738686"/>
       </p:ext>
     </p:extLst>
   </p:cSld>
@@ -13505,7 +17280,7 @@
           <a:p>
             <a:r>
               <a:rPr lang="en-AU" dirty="0" smtClean="0"/>
-              <a:t>modelling</a:t>
+              <a:t>cleaning</a:t>
             </a:r>
             <a:endParaRPr lang="en-AU" dirty="0"/>
           </a:p>
@@ -13571,16 +17346,46 @@
           </a:p>
         </p:txBody>
       </p:sp>
+      <p:pic>
+        <p:nvPicPr>
+          <p:cNvPr id="5" name="Picture 4"/>
+          <p:cNvPicPr>
+            <a:picLocks noChangeAspect="1"/>
+          </p:cNvPicPr>
+          <p:nvPr/>
+        </p:nvPicPr>
+        <p:blipFill rotWithShape="1">
+          <a:blip r:embed="rId2"/>
+          <a:srcRect/>
+          <a:stretch/>
+        </p:blipFill>
+        <p:spPr>
+          <a:xfrm>
+            <a:off x="11369230" y="4483524"/>
+            <a:ext cx="758762" cy="800149"/>
+          </a:xfrm>
+          <a:prstGeom prst="rect">
+            <a:avLst/>
+          </a:prstGeom>
+        </p:spPr>
+      </p:pic>
     </p:spTree>
     <p:extLst>
       <p:ext uri="{BB962C8B-B14F-4D97-AF65-F5344CB8AC3E}">
-        <p14:creationId xmlns:p14="http://schemas.microsoft.com/office/powerpoint/2010/main" val="865483944"/>
+        <p14:creationId xmlns:p14="http://schemas.microsoft.com/office/powerpoint/2010/main" val="1426125710"/>
       </p:ext>
     </p:extLst>
   </p:cSld>
   <p:clrMapOvr>
     <a:masterClrMapping/>
   </p:clrMapOvr>
+  <p:timing>
+    <p:tnLst>
+      <p:par>
+        <p:cTn id="1" dur="indefinite" restart="never" nodeType="tmRoot"/>
+      </p:par>
+    </p:tnLst>
+  </p:timing>
 </p:sld>
 </file>
 
@@ -13618,7 +17423,7 @@
           <a:p>
             <a:r>
               <a:rPr lang="en-AU" dirty="0" smtClean="0"/>
-              <a:t>visualisation</a:t>
+              <a:t>modelling</a:t>
             </a:r>
             <a:endParaRPr lang="en-AU" dirty="0"/>
           </a:p>
@@ -13684,16 +17489,46 @@
           </a:p>
         </p:txBody>
       </p:sp>
+      <p:pic>
+        <p:nvPicPr>
+          <p:cNvPr id="5" name="Picture 4"/>
+          <p:cNvPicPr>
+            <a:picLocks noChangeAspect="1"/>
+          </p:cNvPicPr>
+          <p:nvPr/>
+        </p:nvPicPr>
+        <p:blipFill rotWithShape="1">
+          <a:blip r:embed="rId2"/>
+          <a:srcRect/>
+          <a:stretch/>
+        </p:blipFill>
+        <p:spPr>
+          <a:xfrm>
+            <a:off x="11369230" y="4483524"/>
+            <a:ext cx="758762" cy="800149"/>
+          </a:xfrm>
+          <a:prstGeom prst="rect">
+            <a:avLst/>
+          </a:prstGeom>
+        </p:spPr>
+      </p:pic>
     </p:spTree>
     <p:extLst>
       <p:ext uri="{BB962C8B-B14F-4D97-AF65-F5344CB8AC3E}">
-        <p14:creationId xmlns:p14="http://schemas.microsoft.com/office/powerpoint/2010/main" val="914683811"/>
+        <p14:creationId xmlns:p14="http://schemas.microsoft.com/office/powerpoint/2010/main" val="865483944"/>
       </p:ext>
     </p:extLst>
   </p:cSld>
   <p:clrMapOvr>
     <a:masterClrMapping/>
   </p:clrMapOvr>
+  <p:timing>
+    <p:tnLst>
+      <p:par>
+        <p:cTn id="1" dur="indefinite" restart="never" nodeType="tmRoot"/>
+      </p:par>
+    </p:tnLst>
+  </p:timing>
 </p:sld>
 </file>
 
@@ -13731,11 +17566,7 @@
           <a:p>
             <a:r>
               <a:rPr lang="en-AU" dirty="0" smtClean="0"/>
-              <a:t>Deployment to cloud + </a:t>
-            </a:r>
-            <a:r>
-              <a:rPr lang="en-AU" dirty="0" err="1" smtClean="0"/>
-              <a:t>docker</a:t>
+              <a:t>visualisation</a:t>
             </a:r>
             <a:endParaRPr lang="en-AU" dirty="0"/>
           </a:p>
@@ -13801,23 +17632,53 @@
           </a:p>
         </p:txBody>
       </p:sp>
+      <p:pic>
+        <p:nvPicPr>
+          <p:cNvPr id="5" name="Picture 4"/>
+          <p:cNvPicPr>
+            <a:picLocks noChangeAspect="1"/>
+          </p:cNvPicPr>
+          <p:nvPr/>
+        </p:nvPicPr>
+        <p:blipFill rotWithShape="1">
+          <a:blip r:embed="rId2"/>
+          <a:srcRect/>
+          <a:stretch/>
+        </p:blipFill>
+        <p:spPr>
+          <a:xfrm>
+            <a:off x="11369230" y="4483524"/>
+            <a:ext cx="758762" cy="800149"/>
+          </a:xfrm>
+          <a:prstGeom prst="rect">
+            <a:avLst/>
+          </a:prstGeom>
+        </p:spPr>
+      </p:pic>
     </p:spTree>
     <p:extLst>
       <p:ext uri="{BB962C8B-B14F-4D97-AF65-F5344CB8AC3E}">
-        <p14:creationId xmlns:p14="http://schemas.microsoft.com/office/powerpoint/2010/main" val="1294624238"/>
+        <p14:creationId xmlns:p14="http://schemas.microsoft.com/office/powerpoint/2010/main" val="914683811"/>
       </p:ext>
     </p:extLst>
   </p:cSld>
   <p:clrMapOvr>
     <a:masterClrMapping/>
   </p:clrMapOvr>
+  <p:timing>
+    <p:tnLst>
+      <p:par>
+        <p:cTn id="1" dur="indefinite" restart="never" nodeType="tmRoot"/>
+      </p:par>
+    </p:tnLst>
+  </p:timing>
 </p:sld>
 </file>
 
 <file path=ppt/theme/theme1.xml><?xml version="1.0" encoding="utf-8"?>
 <a:theme xmlns:a="http://schemas.openxmlformats.org/drawingml/2006/main" name="Circuit">
   <a:themeElements>
-    <a:clrScheme name="Circuit">
+    <a:clrScheme name="Yellow">
       <a:dk1>
         <a:sysClr val="windowText" lastClr="000000"/>
       </a:dk1>
@@ -13825,34 +17686,34 @@
         <a:sysClr val="window" lastClr="FFFFFF"/>
       </a:lt1>
       <a:dk2>
-        <a:srgbClr val="252C36"/>
+        <a:srgbClr val="39302A"/>
       </a:dk2>
       <a:lt2>
-        <a:srgbClr val="7C96A3"/>
+        <a:srgbClr val="E5DEDB"/>
       </a:lt2>
       <a:accent1>
-        <a:srgbClr val="4FD093"/>
+        <a:srgbClr val="FFCA08"/>
       </a:accent1>
       <a:accent2>
-        <a:srgbClr val="54BCDF"/>
+        <a:srgbClr val="F8931D"/>
       </a:accent2>
       <a:accent3>
-        <a:srgbClr val="A262D0"/>
+        <a:srgbClr val="CE8D3E"/>
       </a:accent3>
       <a:accent4>
-        <a:srgbClr val="D7537B"/>
+        <a:srgbClr val="EC7016"/>
       </a:accent4>
       <a:accent5>
-        <a:srgbClr val="E78045"/>
+        <a:srgbClr val="E64823"/>
       </a:accent5>
       <a:accent6>
-        <a:srgbClr val="84C350"/>
+        <a:srgbClr val="9C6A6A"/>
       </a:accent6>
       <a:hlink>
-        <a:srgbClr val="22FFFF"/>
+        <a:srgbClr val="2998E3"/>
       </a:hlink>
       <a:folHlink>
-        <a:srgbClr val="9BF3FD"/>
+        <a:srgbClr val="7F723D"/>
       </a:folHlink>
     </a:clrScheme>
     <a:fontScheme name="Circuit">
